--- a/Powerpoint/Credit Card Project.pptx
+++ b/Powerpoint/Credit Card Project.pptx
@@ -4,14 +4,17 @@
   <p:sldMasterIdLst>
     <p:sldMasterId id="2147483648" r:id="rId1"/>
   </p:sldMasterIdLst>
+  <p:notesMasterIdLst>
+    <p:notesMasterId r:id="rId11"/>
+  </p:notesMasterIdLst>
   <p:sldIdLst>
     <p:sldId id="256" r:id="rId2"/>
     <p:sldId id="265" r:id="rId3"/>
     <p:sldId id="257" r:id="rId4"/>
-    <p:sldId id="264" r:id="rId5"/>
-    <p:sldId id="258" r:id="rId6"/>
-    <p:sldId id="259" r:id="rId7"/>
-    <p:sldId id="263" r:id="rId8"/>
+    <p:sldId id="258" r:id="rId5"/>
+    <p:sldId id="259" r:id="rId6"/>
+    <p:sldId id="263" r:id="rId7"/>
+    <p:sldId id="266" r:id="rId8"/>
     <p:sldId id="261" r:id="rId9"/>
     <p:sldId id="262" r:id="rId10"/>
   </p:sldIdLst>
@@ -112,6 +115,11 @@
       </a:defRPr>
     </a:lvl9pPr>
   </p:defaultTextStyle>
+  <p:extLst>
+    <p:ext uri="{EFAFB233-063F-42B5-8137-9DF3F51BA10A}">
+      <p15:sldGuideLst xmlns:p15="http://schemas.microsoft.com/office/powerpoint/2012/main"/>
+    </p:ext>
+  </p:extLst>
 </p:presentation>
 </file>
 
@@ -898,753 +906,6 @@
 </file>
 
 <file path=ppt/diagrams/colors2.xml><?xml version="1.0" encoding="utf-8"?>
-<dgm:colorsDef xmlns:dgm="http://schemas.openxmlformats.org/drawingml/2006/diagram" xmlns:a="http://schemas.openxmlformats.org/drawingml/2006/main" uniqueId="urn:microsoft.com/office/officeart/2005/8/colors/accent1_2">
-  <dgm:title val=""/>
-  <dgm:desc val=""/>
-  <dgm:catLst>
-    <dgm:cat type="accent1" pri="11200"/>
-  </dgm:catLst>
-  <dgm:styleLbl name="node0">
-    <dgm:fillClrLst meth="repeat">
-      <a:schemeClr val="accent1"/>
-    </dgm:fillClrLst>
-    <dgm:linClrLst meth="repeat">
-      <a:schemeClr val="lt1"/>
-    </dgm:linClrLst>
-    <dgm:effectClrLst/>
-    <dgm:txLinClrLst/>
-    <dgm:txFillClrLst/>
-    <dgm:txEffectClrLst/>
-  </dgm:styleLbl>
-  <dgm:styleLbl name="alignNode1">
-    <dgm:fillClrLst meth="repeat">
-      <a:schemeClr val="accent1"/>
-    </dgm:fillClrLst>
-    <dgm:linClrLst meth="repeat">
-      <a:schemeClr val="accent1"/>
-    </dgm:linClrLst>
-    <dgm:effectClrLst/>
-    <dgm:txLinClrLst/>
-    <dgm:txFillClrLst/>
-    <dgm:txEffectClrLst/>
-  </dgm:styleLbl>
-  <dgm:styleLbl name="node1">
-    <dgm:fillClrLst meth="repeat">
-      <a:schemeClr val="accent1"/>
-    </dgm:fillClrLst>
-    <dgm:linClrLst meth="repeat">
-      <a:schemeClr val="lt1"/>
-    </dgm:linClrLst>
-    <dgm:effectClrLst/>
-    <dgm:txLinClrLst/>
-    <dgm:txFillClrLst/>
-    <dgm:txEffectClrLst/>
-  </dgm:styleLbl>
-  <dgm:styleLbl name="lnNode1">
-    <dgm:fillClrLst meth="repeat">
-      <a:schemeClr val="accent1"/>
-    </dgm:fillClrLst>
-    <dgm:linClrLst meth="repeat">
-      <a:schemeClr val="lt1"/>
-    </dgm:linClrLst>
-    <dgm:effectClrLst/>
-    <dgm:txLinClrLst/>
-    <dgm:txFillClrLst/>
-    <dgm:txEffectClrLst/>
-  </dgm:styleLbl>
-  <dgm:styleLbl name="vennNode1">
-    <dgm:fillClrLst meth="repeat">
-      <a:schemeClr val="accent1">
-        <a:alpha val="50000"/>
-      </a:schemeClr>
-    </dgm:fillClrLst>
-    <dgm:linClrLst meth="repeat">
-      <a:schemeClr val="lt1"/>
-    </dgm:linClrLst>
-    <dgm:effectClrLst/>
-    <dgm:txLinClrLst/>
-    <dgm:txFillClrLst/>
-    <dgm:txEffectClrLst/>
-  </dgm:styleLbl>
-  <dgm:styleLbl name="node2">
-    <dgm:fillClrLst meth="repeat">
-      <a:schemeClr val="accent1"/>
-    </dgm:fillClrLst>
-    <dgm:linClrLst meth="repeat">
-      <a:schemeClr val="lt1"/>
-    </dgm:linClrLst>
-    <dgm:effectClrLst/>
-    <dgm:txLinClrLst/>
-    <dgm:txFillClrLst/>
-    <dgm:txEffectClrLst/>
-  </dgm:styleLbl>
-  <dgm:styleLbl name="node3">
-    <dgm:fillClrLst meth="repeat">
-      <a:schemeClr val="accent1"/>
-    </dgm:fillClrLst>
-    <dgm:linClrLst meth="repeat">
-      <a:schemeClr val="lt1"/>
-    </dgm:linClrLst>
-    <dgm:effectClrLst/>
-    <dgm:txLinClrLst/>
-    <dgm:txFillClrLst/>
-    <dgm:txEffectClrLst/>
-  </dgm:styleLbl>
-  <dgm:styleLbl name="node4">
-    <dgm:fillClrLst meth="repeat">
-      <a:schemeClr val="accent1"/>
-    </dgm:fillClrLst>
-    <dgm:linClrLst meth="repeat">
-      <a:schemeClr val="lt1"/>
-    </dgm:linClrLst>
-    <dgm:effectClrLst/>
-    <dgm:txLinClrLst/>
-    <dgm:txFillClrLst/>
-    <dgm:txEffectClrLst/>
-  </dgm:styleLbl>
-  <dgm:styleLbl name="fgImgPlace1">
-    <dgm:fillClrLst meth="repeat">
-      <a:schemeClr val="accent1">
-        <a:tint val="50000"/>
-      </a:schemeClr>
-    </dgm:fillClrLst>
-    <dgm:linClrLst meth="repeat">
-      <a:schemeClr val="lt1"/>
-    </dgm:linClrLst>
-    <dgm:effectClrLst/>
-    <dgm:txLinClrLst/>
-    <dgm:txFillClrLst meth="repeat">
-      <a:schemeClr val="lt1"/>
-    </dgm:txFillClrLst>
-    <dgm:txEffectClrLst/>
-  </dgm:styleLbl>
-  <dgm:styleLbl name="alignImgPlace1">
-    <dgm:fillClrLst meth="repeat">
-      <a:schemeClr val="accent1">
-        <a:tint val="50000"/>
-      </a:schemeClr>
-    </dgm:fillClrLst>
-    <dgm:linClrLst meth="repeat">
-      <a:schemeClr val="lt1"/>
-    </dgm:linClrLst>
-    <dgm:effectClrLst/>
-    <dgm:txLinClrLst/>
-    <dgm:txFillClrLst meth="repeat">
-      <a:schemeClr val="lt1"/>
-    </dgm:txFillClrLst>
-    <dgm:txEffectClrLst/>
-  </dgm:styleLbl>
-  <dgm:styleLbl name="bgImgPlace1">
-    <dgm:fillClrLst meth="repeat">
-      <a:schemeClr val="accent1">
-        <a:tint val="50000"/>
-      </a:schemeClr>
-    </dgm:fillClrLst>
-    <dgm:linClrLst meth="repeat">
-      <a:schemeClr val="lt1"/>
-    </dgm:linClrLst>
-    <dgm:effectClrLst/>
-    <dgm:txLinClrLst/>
-    <dgm:txFillClrLst meth="repeat">
-      <a:schemeClr val="lt1"/>
-    </dgm:txFillClrLst>
-    <dgm:txEffectClrLst/>
-  </dgm:styleLbl>
-  <dgm:styleLbl name="sibTrans2D1">
-    <dgm:fillClrLst meth="repeat">
-      <a:schemeClr val="accent1">
-        <a:tint val="60000"/>
-      </a:schemeClr>
-    </dgm:fillClrLst>
-    <dgm:linClrLst meth="repeat">
-      <a:schemeClr val="accent1">
-        <a:tint val="60000"/>
-      </a:schemeClr>
-    </dgm:linClrLst>
-    <dgm:effectClrLst/>
-    <dgm:txLinClrLst/>
-    <dgm:txFillClrLst/>
-    <dgm:txEffectClrLst/>
-  </dgm:styleLbl>
-  <dgm:styleLbl name="fgSibTrans2D1">
-    <dgm:fillClrLst meth="repeat">
-      <a:schemeClr val="accent1">
-        <a:tint val="60000"/>
-      </a:schemeClr>
-    </dgm:fillClrLst>
-    <dgm:linClrLst meth="repeat">
-      <a:schemeClr val="accent1">
-        <a:tint val="60000"/>
-      </a:schemeClr>
-    </dgm:linClrLst>
-    <dgm:effectClrLst/>
-    <dgm:txLinClrLst/>
-    <dgm:txFillClrLst/>
-    <dgm:txEffectClrLst/>
-  </dgm:styleLbl>
-  <dgm:styleLbl name="bgSibTrans2D1">
-    <dgm:fillClrLst meth="repeat">
-      <a:schemeClr val="accent1">
-        <a:tint val="60000"/>
-      </a:schemeClr>
-    </dgm:fillClrLst>
-    <dgm:linClrLst meth="repeat">
-      <a:schemeClr val="accent1">
-        <a:tint val="60000"/>
-      </a:schemeClr>
-    </dgm:linClrLst>
-    <dgm:effectClrLst/>
-    <dgm:txLinClrLst/>
-    <dgm:txFillClrLst/>
-    <dgm:txEffectClrLst/>
-  </dgm:styleLbl>
-  <dgm:styleLbl name="sibTrans1D1">
-    <dgm:fillClrLst meth="repeat">
-      <a:schemeClr val="accent1"/>
-    </dgm:fillClrLst>
-    <dgm:linClrLst meth="repeat">
-      <a:schemeClr val="accent1"/>
-    </dgm:linClrLst>
-    <dgm:effectClrLst/>
-    <dgm:txLinClrLst/>
-    <dgm:txFillClrLst meth="repeat">
-      <a:schemeClr val="tx1"/>
-    </dgm:txFillClrLst>
-    <dgm:txEffectClrLst/>
-  </dgm:styleLbl>
-  <dgm:styleLbl name="callout">
-    <dgm:fillClrLst meth="repeat">
-      <a:schemeClr val="accent1"/>
-    </dgm:fillClrLst>
-    <dgm:linClrLst meth="repeat">
-      <a:schemeClr val="accent1">
-        <a:tint val="50000"/>
-      </a:schemeClr>
-    </dgm:linClrLst>
-    <dgm:effectClrLst/>
-    <dgm:txLinClrLst/>
-    <dgm:txFillClrLst meth="repeat">
-      <a:schemeClr val="tx1"/>
-    </dgm:txFillClrLst>
-    <dgm:txEffectClrLst/>
-  </dgm:styleLbl>
-  <dgm:styleLbl name="asst0">
-    <dgm:fillClrLst meth="repeat">
-      <a:schemeClr val="accent1"/>
-    </dgm:fillClrLst>
-    <dgm:linClrLst meth="repeat">
-      <a:schemeClr val="lt1"/>
-    </dgm:linClrLst>
-    <dgm:effectClrLst/>
-    <dgm:txLinClrLst/>
-    <dgm:txFillClrLst/>
-    <dgm:txEffectClrLst/>
-  </dgm:styleLbl>
-  <dgm:styleLbl name="asst1">
-    <dgm:fillClrLst meth="repeat">
-      <a:schemeClr val="accent1"/>
-    </dgm:fillClrLst>
-    <dgm:linClrLst meth="repeat">
-      <a:schemeClr val="lt1"/>
-    </dgm:linClrLst>
-    <dgm:effectClrLst/>
-    <dgm:txLinClrLst/>
-    <dgm:txFillClrLst/>
-    <dgm:txEffectClrLst/>
-  </dgm:styleLbl>
-  <dgm:styleLbl name="asst2">
-    <dgm:fillClrLst meth="repeat">
-      <a:schemeClr val="accent1"/>
-    </dgm:fillClrLst>
-    <dgm:linClrLst meth="repeat">
-      <a:schemeClr val="lt1"/>
-    </dgm:linClrLst>
-    <dgm:effectClrLst/>
-    <dgm:txLinClrLst/>
-    <dgm:txFillClrLst/>
-    <dgm:txEffectClrLst/>
-  </dgm:styleLbl>
-  <dgm:styleLbl name="asst3">
-    <dgm:fillClrLst meth="repeat">
-      <a:schemeClr val="accent1"/>
-    </dgm:fillClrLst>
-    <dgm:linClrLst meth="repeat">
-      <a:schemeClr val="lt1"/>
-    </dgm:linClrLst>
-    <dgm:effectClrLst/>
-    <dgm:txLinClrLst/>
-    <dgm:txFillClrLst/>
-    <dgm:txEffectClrLst/>
-  </dgm:styleLbl>
-  <dgm:styleLbl name="asst4">
-    <dgm:fillClrLst meth="repeat">
-      <a:schemeClr val="accent1"/>
-    </dgm:fillClrLst>
-    <dgm:linClrLst meth="repeat">
-      <a:schemeClr val="lt1"/>
-    </dgm:linClrLst>
-    <dgm:effectClrLst/>
-    <dgm:txLinClrLst/>
-    <dgm:txFillClrLst/>
-    <dgm:txEffectClrLst/>
-  </dgm:styleLbl>
-  <dgm:styleLbl name="parChTrans2D1">
-    <dgm:fillClrLst meth="repeat">
-      <a:schemeClr val="accent1">
-        <a:tint val="60000"/>
-      </a:schemeClr>
-    </dgm:fillClrLst>
-    <dgm:linClrLst meth="repeat">
-      <a:schemeClr val="accent1">
-        <a:tint val="60000"/>
-      </a:schemeClr>
-    </dgm:linClrLst>
-    <dgm:effectClrLst/>
-    <dgm:txLinClrLst/>
-    <dgm:txFillClrLst meth="repeat">
-      <a:schemeClr val="lt1"/>
-    </dgm:txFillClrLst>
-    <dgm:txEffectClrLst/>
-  </dgm:styleLbl>
-  <dgm:styleLbl name="parChTrans2D2">
-    <dgm:fillClrLst meth="repeat">
-      <a:schemeClr val="accent1"/>
-    </dgm:fillClrLst>
-    <dgm:linClrLst meth="repeat">
-      <a:schemeClr val="accent1"/>
-    </dgm:linClrLst>
-    <dgm:effectClrLst/>
-    <dgm:txLinClrLst/>
-    <dgm:txFillClrLst meth="repeat">
-      <a:schemeClr val="lt1"/>
-    </dgm:txFillClrLst>
-    <dgm:txEffectClrLst/>
-  </dgm:styleLbl>
-  <dgm:styleLbl name="parChTrans2D3">
-    <dgm:fillClrLst meth="repeat">
-      <a:schemeClr val="accent1"/>
-    </dgm:fillClrLst>
-    <dgm:linClrLst meth="repeat">
-      <a:schemeClr val="accent1"/>
-    </dgm:linClrLst>
-    <dgm:effectClrLst/>
-    <dgm:txLinClrLst/>
-    <dgm:txFillClrLst meth="repeat">
-      <a:schemeClr val="lt1"/>
-    </dgm:txFillClrLst>
-    <dgm:txEffectClrLst/>
-  </dgm:styleLbl>
-  <dgm:styleLbl name="parChTrans2D4">
-    <dgm:fillClrLst meth="repeat">
-      <a:schemeClr val="accent1"/>
-    </dgm:fillClrLst>
-    <dgm:linClrLst meth="repeat">
-      <a:schemeClr val="accent1"/>
-    </dgm:linClrLst>
-    <dgm:effectClrLst/>
-    <dgm:txLinClrLst/>
-    <dgm:txFillClrLst meth="repeat">
-      <a:schemeClr val="lt1"/>
-    </dgm:txFillClrLst>
-    <dgm:txEffectClrLst/>
-  </dgm:styleLbl>
-  <dgm:styleLbl name="parChTrans1D1">
-    <dgm:fillClrLst meth="repeat">
-      <a:schemeClr val="accent1"/>
-    </dgm:fillClrLst>
-    <dgm:linClrLst meth="repeat">
-      <a:schemeClr val="accent1">
-        <a:shade val="60000"/>
-      </a:schemeClr>
-    </dgm:linClrLst>
-    <dgm:effectClrLst/>
-    <dgm:txLinClrLst/>
-    <dgm:txFillClrLst meth="repeat">
-      <a:schemeClr val="tx1"/>
-    </dgm:txFillClrLst>
-    <dgm:txEffectClrLst/>
-  </dgm:styleLbl>
-  <dgm:styleLbl name="parChTrans1D2">
-    <dgm:fillClrLst meth="repeat">
-      <a:schemeClr val="accent1"/>
-    </dgm:fillClrLst>
-    <dgm:linClrLst meth="repeat">
-      <a:schemeClr val="accent1">
-        <a:shade val="60000"/>
-      </a:schemeClr>
-    </dgm:linClrLst>
-    <dgm:effectClrLst/>
-    <dgm:txLinClrLst/>
-    <dgm:txFillClrLst meth="repeat">
-      <a:schemeClr val="tx1"/>
-    </dgm:txFillClrLst>
-    <dgm:txEffectClrLst/>
-  </dgm:styleLbl>
-  <dgm:styleLbl name="parChTrans1D3">
-    <dgm:fillClrLst meth="repeat">
-      <a:schemeClr val="accent1"/>
-    </dgm:fillClrLst>
-    <dgm:linClrLst meth="repeat">
-      <a:schemeClr val="accent1">
-        <a:shade val="80000"/>
-      </a:schemeClr>
-    </dgm:linClrLst>
-    <dgm:effectClrLst/>
-    <dgm:txLinClrLst/>
-    <dgm:txFillClrLst meth="repeat">
-      <a:schemeClr val="tx1"/>
-    </dgm:txFillClrLst>
-    <dgm:txEffectClrLst/>
-  </dgm:styleLbl>
-  <dgm:styleLbl name="parChTrans1D4">
-    <dgm:fillClrLst meth="repeat">
-      <a:schemeClr val="accent1"/>
-    </dgm:fillClrLst>
-    <dgm:linClrLst meth="repeat">
-      <a:schemeClr val="accent1">
-        <a:shade val="80000"/>
-      </a:schemeClr>
-    </dgm:linClrLst>
-    <dgm:effectClrLst/>
-    <dgm:txLinClrLst/>
-    <dgm:txFillClrLst meth="repeat">
-      <a:schemeClr val="tx1"/>
-    </dgm:txFillClrLst>
-    <dgm:txEffectClrLst/>
-  </dgm:styleLbl>
-  <dgm:styleLbl name="fgAcc1">
-    <dgm:fillClrLst meth="repeat">
-      <a:schemeClr val="lt1">
-        <a:alpha val="90000"/>
-      </a:schemeClr>
-    </dgm:fillClrLst>
-    <dgm:linClrLst meth="repeat">
-      <a:schemeClr val="accent1"/>
-    </dgm:linClrLst>
-    <dgm:effectClrLst/>
-    <dgm:txLinClrLst/>
-    <dgm:txFillClrLst meth="repeat">
-      <a:schemeClr val="dk1"/>
-    </dgm:txFillClrLst>
-    <dgm:txEffectClrLst/>
-  </dgm:styleLbl>
-  <dgm:styleLbl name="conFgAcc1">
-    <dgm:fillClrLst meth="repeat">
-      <a:schemeClr val="lt1">
-        <a:alpha val="90000"/>
-      </a:schemeClr>
-    </dgm:fillClrLst>
-    <dgm:linClrLst meth="repeat">
-      <a:schemeClr val="accent1"/>
-    </dgm:linClrLst>
-    <dgm:effectClrLst/>
-    <dgm:txLinClrLst/>
-    <dgm:txFillClrLst meth="repeat">
-      <a:schemeClr val="dk1"/>
-    </dgm:txFillClrLst>
-    <dgm:txEffectClrLst/>
-  </dgm:styleLbl>
-  <dgm:styleLbl name="alignAcc1">
-    <dgm:fillClrLst meth="repeat">
-      <a:schemeClr val="lt1">
-        <a:alpha val="90000"/>
-      </a:schemeClr>
-    </dgm:fillClrLst>
-    <dgm:linClrLst meth="repeat">
-      <a:schemeClr val="accent1"/>
-    </dgm:linClrLst>
-    <dgm:effectClrLst/>
-    <dgm:txLinClrLst/>
-    <dgm:txFillClrLst meth="repeat">
-      <a:schemeClr val="dk1"/>
-    </dgm:txFillClrLst>
-    <dgm:txEffectClrLst/>
-  </dgm:styleLbl>
-  <dgm:styleLbl name="trAlignAcc1">
-    <dgm:fillClrLst meth="repeat">
-      <a:schemeClr val="lt1">
-        <a:alpha val="40000"/>
-      </a:schemeClr>
-    </dgm:fillClrLst>
-    <dgm:linClrLst meth="repeat">
-      <a:schemeClr val="accent1"/>
-    </dgm:linClrLst>
-    <dgm:effectClrLst/>
-    <dgm:txLinClrLst/>
-    <dgm:txFillClrLst meth="repeat">
-      <a:schemeClr val="dk1"/>
-    </dgm:txFillClrLst>
-    <dgm:txEffectClrLst/>
-  </dgm:styleLbl>
-  <dgm:styleLbl name="bgAcc1">
-    <dgm:fillClrLst meth="repeat">
-      <a:schemeClr val="lt1">
-        <a:alpha val="90000"/>
-      </a:schemeClr>
-    </dgm:fillClrLst>
-    <dgm:linClrLst meth="repeat">
-      <a:schemeClr val="accent1"/>
-    </dgm:linClrLst>
-    <dgm:effectClrLst/>
-    <dgm:txLinClrLst/>
-    <dgm:txFillClrLst meth="repeat">
-      <a:schemeClr val="dk1"/>
-    </dgm:txFillClrLst>
-    <dgm:txEffectClrLst/>
-  </dgm:styleLbl>
-  <dgm:styleLbl name="solidFgAcc1">
-    <dgm:fillClrLst meth="repeat">
-      <a:schemeClr val="lt1"/>
-    </dgm:fillClrLst>
-    <dgm:linClrLst meth="repeat">
-      <a:schemeClr val="accent1"/>
-    </dgm:linClrLst>
-    <dgm:effectClrLst/>
-    <dgm:txLinClrLst/>
-    <dgm:txFillClrLst meth="repeat">
-      <a:schemeClr val="dk1"/>
-    </dgm:txFillClrLst>
-    <dgm:txEffectClrLst/>
-  </dgm:styleLbl>
-  <dgm:styleLbl name="solidAlignAcc1">
-    <dgm:fillClrLst meth="repeat">
-      <a:schemeClr val="lt1"/>
-    </dgm:fillClrLst>
-    <dgm:linClrLst meth="repeat">
-      <a:schemeClr val="accent1"/>
-    </dgm:linClrLst>
-    <dgm:effectClrLst/>
-    <dgm:txLinClrLst/>
-    <dgm:txFillClrLst meth="repeat">
-      <a:schemeClr val="dk1"/>
-    </dgm:txFillClrLst>
-    <dgm:txEffectClrLst/>
-  </dgm:styleLbl>
-  <dgm:styleLbl name="solidBgAcc1">
-    <dgm:fillClrLst meth="repeat">
-      <a:schemeClr val="lt1"/>
-    </dgm:fillClrLst>
-    <dgm:linClrLst meth="repeat">
-      <a:schemeClr val="accent1"/>
-    </dgm:linClrLst>
-    <dgm:effectClrLst/>
-    <dgm:txLinClrLst/>
-    <dgm:txFillClrLst meth="repeat">
-      <a:schemeClr val="dk1"/>
-    </dgm:txFillClrLst>
-    <dgm:txEffectClrLst/>
-  </dgm:styleLbl>
-  <dgm:styleLbl name="fgAccFollowNode1">
-    <dgm:fillClrLst meth="repeat">
-      <a:schemeClr val="accent1">
-        <a:alpha val="90000"/>
-        <a:tint val="40000"/>
-      </a:schemeClr>
-    </dgm:fillClrLst>
-    <dgm:linClrLst meth="repeat">
-      <a:schemeClr val="accent1">
-        <a:alpha val="90000"/>
-        <a:tint val="40000"/>
-      </a:schemeClr>
-    </dgm:linClrLst>
-    <dgm:effectClrLst/>
-    <dgm:txLinClrLst/>
-    <dgm:txFillClrLst meth="repeat">
-      <a:schemeClr val="dk1"/>
-    </dgm:txFillClrLst>
-    <dgm:txEffectClrLst/>
-  </dgm:styleLbl>
-  <dgm:styleLbl name="alignAccFollowNode1">
-    <dgm:fillClrLst meth="repeat">
-      <a:schemeClr val="accent1">
-        <a:alpha val="90000"/>
-        <a:tint val="40000"/>
-      </a:schemeClr>
-    </dgm:fillClrLst>
-    <dgm:linClrLst meth="repeat">
-      <a:schemeClr val="accent1">
-        <a:alpha val="90000"/>
-        <a:tint val="40000"/>
-      </a:schemeClr>
-    </dgm:linClrLst>
-    <dgm:effectClrLst/>
-    <dgm:txLinClrLst/>
-    <dgm:txFillClrLst meth="repeat">
-      <a:schemeClr val="dk1"/>
-    </dgm:txFillClrLst>
-    <dgm:txEffectClrLst/>
-  </dgm:styleLbl>
-  <dgm:styleLbl name="bgAccFollowNode1">
-    <dgm:fillClrLst meth="repeat">
-      <a:schemeClr val="accent1">
-        <a:alpha val="90000"/>
-        <a:tint val="40000"/>
-      </a:schemeClr>
-    </dgm:fillClrLst>
-    <dgm:linClrLst meth="repeat">
-      <a:schemeClr val="accent1">
-        <a:alpha val="90000"/>
-        <a:tint val="40000"/>
-      </a:schemeClr>
-    </dgm:linClrLst>
-    <dgm:effectClrLst/>
-    <dgm:txLinClrLst/>
-    <dgm:txFillClrLst meth="repeat">
-      <a:schemeClr val="dk1"/>
-    </dgm:txFillClrLst>
-    <dgm:txEffectClrLst/>
-  </dgm:styleLbl>
-  <dgm:styleLbl name="fgAcc0">
-    <dgm:fillClrLst meth="repeat">
-      <a:schemeClr val="lt1">
-        <a:alpha val="90000"/>
-      </a:schemeClr>
-    </dgm:fillClrLst>
-    <dgm:linClrLst meth="repeat">
-      <a:schemeClr val="accent1"/>
-    </dgm:linClrLst>
-    <dgm:effectClrLst/>
-    <dgm:txLinClrLst/>
-    <dgm:txFillClrLst meth="repeat">
-      <a:schemeClr val="dk1"/>
-    </dgm:txFillClrLst>
-    <dgm:txEffectClrLst/>
-  </dgm:styleLbl>
-  <dgm:styleLbl name="fgAcc2">
-    <dgm:fillClrLst meth="repeat">
-      <a:schemeClr val="lt1">
-        <a:alpha val="90000"/>
-      </a:schemeClr>
-    </dgm:fillClrLst>
-    <dgm:linClrLst meth="repeat">
-      <a:schemeClr val="accent1"/>
-    </dgm:linClrLst>
-    <dgm:effectClrLst/>
-    <dgm:txLinClrLst/>
-    <dgm:txFillClrLst meth="repeat">
-      <a:schemeClr val="dk1"/>
-    </dgm:txFillClrLst>
-    <dgm:txEffectClrLst/>
-  </dgm:styleLbl>
-  <dgm:styleLbl name="fgAcc3">
-    <dgm:fillClrLst meth="repeat">
-      <a:schemeClr val="lt1">
-        <a:alpha val="90000"/>
-      </a:schemeClr>
-    </dgm:fillClrLst>
-    <dgm:linClrLst meth="repeat">
-      <a:schemeClr val="accent1"/>
-    </dgm:linClrLst>
-    <dgm:effectClrLst/>
-    <dgm:txLinClrLst/>
-    <dgm:txFillClrLst meth="repeat">
-      <a:schemeClr val="dk1"/>
-    </dgm:txFillClrLst>
-    <dgm:txEffectClrLst/>
-  </dgm:styleLbl>
-  <dgm:styleLbl name="fgAcc4">
-    <dgm:fillClrLst meth="repeat">
-      <a:schemeClr val="lt1">
-        <a:alpha val="90000"/>
-      </a:schemeClr>
-    </dgm:fillClrLst>
-    <dgm:linClrLst meth="repeat">
-      <a:schemeClr val="accent1"/>
-    </dgm:linClrLst>
-    <dgm:effectClrLst/>
-    <dgm:txLinClrLst/>
-    <dgm:txFillClrLst meth="repeat">
-      <a:schemeClr val="dk1"/>
-    </dgm:txFillClrLst>
-    <dgm:txEffectClrLst/>
-  </dgm:styleLbl>
-  <dgm:styleLbl name="bgShp">
-    <dgm:fillClrLst meth="repeat">
-      <a:schemeClr val="accent1">
-        <a:tint val="40000"/>
-      </a:schemeClr>
-    </dgm:fillClrLst>
-    <dgm:linClrLst meth="repeat">
-      <a:schemeClr val="accent1"/>
-    </dgm:linClrLst>
-    <dgm:effectClrLst/>
-    <dgm:txLinClrLst/>
-    <dgm:txFillClrLst meth="repeat">
-      <a:schemeClr val="dk1"/>
-    </dgm:txFillClrLst>
-    <dgm:txEffectClrLst/>
-  </dgm:styleLbl>
-  <dgm:styleLbl name="dkBgShp">
-    <dgm:fillClrLst meth="repeat">
-      <a:schemeClr val="accent1">
-        <a:shade val="80000"/>
-      </a:schemeClr>
-    </dgm:fillClrLst>
-    <dgm:linClrLst meth="repeat">
-      <a:schemeClr val="accent1"/>
-    </dgm:linClrLst>
-    <dgm:effectClrLst/>
-    <dgm:txLinClrLst/>
-    <dgm:txFillClrLst meth="repeat">
-      <a:schemeClr val="lt1"/>
-    </dgm:txFillClrLst>
-    <dgm:txEffectClrLst/>
-  </dgm:styleLbl>
-  <dgm:styleLbl name="trBgShp">
-    <dgm:fillClrLst meth="repeat">
-      <a:schemeClr val="accent1">
-        <a:tint val="50000"/>
-        <a:alpha val="40000"/>
-      </a:schemeClr>
-    </dgm:fillClrLst>
-    <dgm:linClrLst meth="repeat">
-      <a:schemeClr val="accent1"/>
-    </dgm:linClrLst>
-    <dgm:effectClrLst/>
-    <dgm:txLinClrLst/>
-    <dgm:txFillClrLst meth="repeat">
-      <a:schemeClr val="lt1"/>
-    </dgm:txFillClrLst>
-    <dgm:txEffectClrLst/>
-  </dgm:styleLbl>
-  <dgm:styleLbl name="fgShp">
-    <dgm:fillClrLst meth="repeat">
-      <a:schemeClr val="accent1">
-        <a:tint val="60000"/>
-      </a:schemeClr>
-    </dgm:fillClrLst>
-    <dgm:linClrLst meth="repeat">
-      <a:schemeClr val="lt1"/>
-    </dgm:linClrLst>
-    <dgm:effectClrLst/>
-    <dgm:txLinClrLst/>
-    <dgm:txFillClrLst meth="repeat">
-      <a:schemeClr val="dk1"/>
-    </dgm:txFillClrLst>
-    <dgm:txEffectClrLst/>
-  </dgm:styleLbl>
-  <dgm:styleLbl name="revTx">
-    <dgm:fillClrLst meth="repeat">
-      <a:schemeClr val="lt1">
-        <a:alpha val="0"/>
-      </a:schemeClr>
-    </dgm:fillClrLst>
-    <dgm:linClrLst meth="repeat">
-      <a:schemeClr val="dk1">
-        <a:alpha val="0"/>
-      </a:schemeClr>
-    </dgm:linClrLst>
-    <dgm:effectClrLst/>
-    <dgm:txLinClrLst/>
-    <dgm:txFillClrLst meth="repeat">
-      <a:schemeClr val="tx1"/>
-    </dgm:txFillClrLst>
-    <dgm:txEffectClrLst/>
-  </dgm:styleLbl>
-</dgm:colorsDef>
-</file>
-
-<file path=ppt/diagrams/colors3.xml><?xml version="1.0" encoding="utf-8"?>
 <dgm:colorsDef xmlns:dgm="http://schemas.openxmlformats.org/drawingml/2006/diagram" xmlns:a="http://schemas.openxmlformats.org/drawingml/2006/main" uniqueId="urn:microsoft.com/office/officeart/2005/8/colors/colorful2">
   <dgm:title val=""/>
   <dgm:desc val=""/>
@@ -2426,7 +1687,7 @@
 </dgm:colorsDef>
 </file>
 
-<file path=ppt/diagrams/colors4.xml><?xml version="1.0" encoding="utf-8"?>
+<file path=ppt/diagrams/colors3.xml><?xml version="1.0" encoding="utf-8"?>
 <dgm:colorsDef xmlns:dgm="http://schemas.openxmlformats.org/drawingml/2006/diagram" xmlns:a="http://schemas.openxmlformats.org/drawingml/2006/main" uniqueId="urn:microsoft.com/office/officeart/2005/8/colors/colorful5">
   <dgm:title val=""/>
   <dgm:desc val=""/>
@@ -3208,7 +2469,7 @@
 </dgm:colorsDef>
 </file>
 
-<file path=ppt/diagrams/colors5.xml><?xml version="1.0" encoding="utf-8"?>
+<file path=ppt/diagrams/colors4.xml><?xml version="1.0" encoding="utf-8"?>
 <dgm:colorsDef xmlns:dgm="http://schemas.openxmlformats.org/drawingml/2006/diagram" xmlns:a="http://schemas.openxmlformats.org/drawingml/2006/main" uniqueId="urn:microsoft.com/office/officeart/2018/5/colors/Iconchunking_neutralbg_accent1_2">
   <dgm:title val=""/>
   <dgm:desc val=""/>
@@ -4268,348 +3529,6 @@
 <file path=ppt/diagrams/data2.xml><?xml version="1.0" encoding="utf-8"?>
 <dgm:dataModel xmlns:dgm="http://schemas.openxmlformats.org/drawingml/2006/diagram" xmlns:a="http://schemas.openxmlformats.org/drawingml/2006/main">
   <dgm:ptLst>
-    <dgm:pt modelId="{79C06862-80FD-4A2A-8C96-87B94700A20E}" type="doc">
-      <dgm:prSet loTypeId="urn:microsoft.com/office/officeart/2016/7/layout/HorizontalActionList" loCatId="List" qsTypeId="urn:microsoft.com/office/officeart/2005/8/quickstyle/simple1" qsCatId="simple" csTypeId="urn:microsoft.com/office/officeart/2005/8/colors/accent1_2" csCatId="accent1"/>
-      <dgm:spPr/>
-      <dgm:t>
-        <a:bodyPr/>
-        <a:lstStyle/>
-        <a:p>
-          <a:endParaRPr lang="en-US"/>
-        </a:p>
-      </dgm:t>
-    </dgm:pt>
-    <dgm:pt modelId="{F86887C2-966B-440A-B009-CCC04076D31D}">
-      <dgm:prSet/>
-      <dgm:spPr/>
-      <dgm:t>
-        <a:bodyPr/>
-        <a:lstStyle/>
-        <a:p>
-          <a:r>
-            <a:rPr lang="en-US"/>
-            <a:t>Understand</a:t>
-          </a:r>
-        </a:p>
-      </dgm:t>
-    </dgm:pt>
-    <dgm:pt modelId="{DAFAFAE9-6C8E-4788-BF71-8EA4F365C9F8}" type="parTrans" cxnId="{3AD80CC7-F6AB-4293-9452-DD1E032653AA}">
-      <dgm:prSet/>
-      <dgm:spPr/>
-      <dgm:t>
-        <a:bodyPr/>
-        <a:lstStyle/>
-        <a:p>
-          <a:endParaRPr lang="en-US"/>
-        </a:p>
-      </dgm:t>
-    </dgm:pt>
-    <dgm:pt modelId="{04F30116-6827-47AC-AE2D-35FA70BFC409}" type="sibTrans" cxnId="{3AD80CC7-F6AB-4293-9452-DD1E032653AA}">
-      <dgm:prSet/>
-      <dgm:spPr/>
-      <dgm:t>
-        <a:bodyPr/>
-        <a:lstStyle/>
-        <a:p>
-          <a:endParaRPr lang="en-US"/>
-        </a:p>
-      </dgm:t>
-    </dgm:pt>
-    <dgm:pt modelId="{5A849F51-F2E5-4723-92C0-F4E88DC1EE08}">
-      <dgm:prSet/>
-      <dgm:spPr/>
-      <dgm:t>
-        <a:bodyPr/>
-        <a:lstStyle/>
-        <a:p>
-          <a:r>
-            <a:rPr lang="en-US"/>
-            <a:t>Understand drivers of default </a:t>
-          </a:r>
-        </a:p>
-      </dgm:t>
-    </dgm:pt>
-    <dgm:pt modelId="{022E3F49-BF2D-4ECC-ADEF-5D9F79AAC375}" type="parTrans" cxnId="{F79E288B-D0C3-4A38-8940-DE8D9BE0F37F}">
-      <dgm:prSet/>
-      <dgm:spPr/>
-      <dgm:t>
-        <a:bodyPr/>
-        <a:lstStyle/>
-        <a:p>
-          <a:endParaRPr lang="en-US"/>
-        </a:p>
-      </dgm:t>
-    </dgm:pt>
-    <dgm:pt modelId="{1ABE9988-E74D-4818-A6A9-5E08BAC26DCD}" type="sibTrans" cxnId="{F79E288B-D0C3-4A38-8940-DE8D9BE0F37F}">
-      <dgm:prSet/>
-      <dgm:spPr/>
-      <dgm:t>
-        <a:bodyPr/>
-        <a:lstStyle/>
-        <a:p>
-          <a:endParaRPr lang="en-US"/>
-        </a:p>
-      </dgm:t>
-    </dgm:pt>
-    <dgm:pt modelId="{2A948FDD-0C3B-4987-9A11-A8AD1F1443D9}">
-      <dgm:prSet/>
-      <dgm:spPr/>
-      <dgm:t>
-        <a:bodyPr/>
-        <a:lstStyle/>
-        <a:p>
-          <a:r>
-            <a:rPr lang="en-US"/>
-            <a:t>Segment</a:t>
-          </a:r>
-        </a:p>
-      </dgm:t>
-    </dgm:pt>
-    <dgm:pt modelId="{0288F8D9-B98C-47B2-A7F5-2F226B4D57E0}" type="parTrans" cxnId="{34535699-4EFB-4438-B133-D50B0D8905EE}">
-      <dgm:prSet/>
-      <dgm:spPr/>
-      <dgm:t>
-        <a:bodyPr/>
-        <a:lstStyle/>
-        <a:p>
-          <a:endParaRPr lang="en-US"/>
-        </a:p>
-      </dgm:t>
-    </dgm:pt>
-    <dgm:pt modelId="{BC06E257-E666-4159-BD77-22985B7AF8D1}" type="sibTrans" cxnId="{34535699-4EFB-4438-B133-D50B0D8905EE}">
-      <dgm:prSet/>
-      <dgm:spPr/>
-      <dgm:t>
-        <a:bodyPr/>
-        <a:lstStyle/>
-        <a:p>
-          <a:endParaRPr lang="en-US"/>
-        </a:p>
-      </dgm:t>
-    </dgm:pt>
-    <dgm:pt modelId="{76351F56-FFCE-4F50-90CB-BF62E5FF5014}">
-      <dgm:prSet/>
-      <dgm:spPr/>
-      <dgm:t>
-        <a:bodyPr/>
-        <a:lstStyle/>
-        <a:p>
-          <a:r>
-            <a:rPr lang="en-US"/>
-            <a:t>Segment Clients by age, gender, marital status, and education status </a:t>
-          </a:r>
-        </a:p>
-      </dgm:t>
-    </dgm:pt>
-    <dgm:pt modelId="{6AB9F256-4CAE-44BC-8BD0-378DF04D8F0E}" type="parTrans" cxnId="{55AAD0F8-D056-4347-B629-A8B0D19241C9}">
-      <dgm:prSet/>
-      <dgm:spPr/>
-      <dgm:t>
-        <a:bodyPr/>
-        <a:lstStyle/>
-        <a:p>
-          <a:endParaRPr lang="en-US"/>
-        </a:p>
-      </dgm:t>
-    </dgm:pt>
-    <dgm:pt modelId="{C926B363-4AB1-42E9-8611-E61D47288A7D}" type="sibTrans" cxnId="{55AAD0F8-D056-4347-B629-A8B0D19241C9}">
-      <dgm:prSet/>
-      <dgm:spPr/>
-      <dgm:t>
-        <a:bodyPr/>
-        <a:lstStyle/>
-        <a:p>
-          <a:endParaRPr lang="en-US"/>
-        </a:p>
-      </dgm:t>
-    </dgm:pt>
-    <dgm:pt modelId="{A205E7CC-35A4-4FF9-B47A-8E650FA9DB05}">
-      <dgm:prSet/>
-      <dgm:spPr/>
-      <dgm:t>
-        <a:bodyPr/>
-        <a:lstStyle/>
-        <a:p>
-          <a:r>
-            <a:rPr lang="en-US"/>
-            <a:t>Recommend</a:t>
-          </a:r>
-        </a:p>
-      </dgm:t>
-    </dgm:pt>
-    <dgm:pt modelId="{F4FE288B-23BF-4812-928E-3A87365C2839}" type="parTrans" cxnId="{7EA11C2D-7CD9-4436-B690-3D7C086C09E3}">
-      <dgm:prSet/>
-      <dgm:spPr/>
-      <dgm:t>
-        <a:bodyPr/>
-        <a:lstStyle/>
-        <a:p>
-          <a:endParaRPr lang="en-US"/>
-        </a:p>
-      </dgm:t>
-    </dgm:pt>
-    <dgm:pt modelId="{7D0CA878-EC8B-4399-9982-C4D5FC7B4D31}" type="sibTrans" cxnId="{7EA11C2D-7CD9-4436-B690-3D7C086C09E3}">
-      <dgm:prSet/>
-      <dgm:spPr/>
-      <dgm:t>
-        <a:bodyPr/>
-        <a:lstStyle/>
-        <a:p>
-          <a:endParaRPr lang="en-US"/>
-        </a:p>
-      </dgm:t>
-    </dgm:pt>
-    <dgm:pt modelId="{570F32A8-7FFD-4841-B301-06AA3336A0EE}">
-      <dgm:prSet/>
-      <dgm:spPr/>
-      <dgm:t>
-        <a:bodyPr/>
-        <a:lstStyle/>
-        <a:p>
-          <a:r>
-            <a:rPr lang="en-US"/>
-            <a:t>Recommend risk management strategies </a:t>
-          </a:r>
-        </a:p>
-      </dgm:t>
-    </dgm:pt>
-    <dgm:pt modelId="{A6B899AF-551C-454C-AF0D-B2EAE66D5771}" type="parTrans" cxnId="{0E29CD7D-257F-419C-9F67-7D368E674481}">
-      <dgm:prSet/>
-      <dgm:spPr/>
-      <dgm:t>
-        <a:bodyPr/>
-        <a:lstStyle/>
-        <a:p>
-          <a:endParaRPr lang="en-US"/>
-        </a:p>
-      </dgm:t>
-    </dgm:pt>
-    <dgm:pt modelId="{43B20BC6-DBFE-4560-9988-BBAA2974118C}" type="sibTrans" cxnId="{0E29CD7D-257F-419C-9F67-7D368E674481}">
-      <dgm:prSet/>
-      <dgm:spPr/>
-      <dgm:t>
-        <a:bodyPr/>
-        <a:lstStyle/>
-        <a:p>
-          <a:endParaRPr lang="en-US"/>
-        </a:p>
-      </dgm:t>
-    </dgm:pt>
-    <dgm:pt modelId="{950869EB-470F-7341-B1D6-ADA145108B4D}" type="pres">
-      <dgm:prSet presAssocID="{79C06862-80FD-4A2A-8C96-87B94700A20E}" presName="Name0" presStyleCnt="0">
-        <dgm:presLayoutVars>
-          <dgm:dir/>
-          <dgm:animLvl val="lvl"/>
-          <dgm:resizeHandles val="exact"/>
-        </dgm:presLayoutVars>
-      </dgm:prSet>
-      <dgm:spPr/>
-    </dgm:pt>
-    <dgm:pt modelId="{1CD3DB31-84D2-1E41-9BDB-EE269293DCE9}" type="pres">
-      <dgm:prSet presAssocID="{F86887C2-966B-440A-B009-CCC04076D31D}" presName="composite" presStyleCnt="0"/>
-      <dgm:spPr/>
-    </dgm:pt>
-    <dgm:pt modelId="{8C480BA7-BE5D-314B-93EE-12286B0CC0F7}" type="pres">
-      <dgm:prSet presAssocID="{F86887C2-966B-440A-B009-CCC04076D31D}" presName="parTx" presStyleLbl="alignNode1" presStyleIdx="0" presStyleCnt="3">
-        <dgm:presLayoutVars>
-          <dgm:chMax val="0"/>
-          <dgm:chPref val="0"/>
-        </dgm:presLayoutVars>
-      </dgm:prSet>
-      <dgm:spPr/>
-    </dgm:pt>
-    <dgm:pt modelId="{09A35967-6AD6-4349-8A4F-26CEA143463E}" type="pres">
-      <dgm:prSet presAssocID="{F86887C2-966B-440A-B009-CCC04076D31D}" presName="desTx" presStyleLbl="alignAccFollowNode1" presStyleIdx="0" presStyleCnt="3">
-        <dgm:presLayoutVars/>
-      </dgm:prSet>
-      <dgm:spPr/>
-    </dgm:pt>
-    <dgm:pt modelId="{9DDEF0E1-D4EE-C34C-BBE6-07352C3B2AEA}" type="pres">
-      <dgm:prSet presAssocID="{04F30116-6827-47AC-AE2D-35FA70BFC409}" presName="space" presStyleCnt="0"/>
-      <dgm:spPr/>
-    </dgm:pt>
-    <dgm:pt modelId="{FAFD1F6A-464D-E444-AF2E-52D50EA8AAB9}" type="pres">
-      <dgm:prSet presAssocID="{2A948FDD-0C3B-4987-9A11-A8AD1F1443D9}" presName="composite" presStyleCnt="0"/>
-      <dgm:spPr/>
-    </dgm:pt>
-    <dgm:pt modelId="{A9154DCB-ACDE-DF4B-92FD-2724F0B201E0}" type="pres">
-      <dgm:prSet presAssocID="{2A948FDD-0C3B-4987-9A11-A8AD1F1443D9}" presName="parTx" presStyleLbl="alignNode1" presStyleIdx="1" presStyleCnt="3">
-        <dgm:presLayoutVars>
-          <dgm:chMax val="0"/>
-          <dgm:chPref val="0"/>
-        </dgm:presLayoutVars>
-      </dgm:prSet>
-      <dgm:spPr/>
-    </dgm:pt>
-    <dgm:pt modelId="{C8ADDDD7-2451-8647-8D25-FA480EA1C671}" type="pres">
-      <dgm:prSet presAssocID="{2A948FDD-0C3B-4987-9A11-A8AD1F1443D9}" presName="desTx" presStyleLbl="alignAccFollowNode1" presStyleIdx="1" presStyleCnt="3">
-        <dgm:presLayoutVars/>
-      </dgm:prSet>
-      <dgm:spPr/>
-    </dgm:pt>
-    <dgm:pt modelId="{4FFA8A61-59B7-DB40-9902-9EF9F55AB10B}" type="pres">
-      <dgm:prSet presAssocID="{BC06E257-E666-4159-BD77-22985B7AF8D1}" presName="space" presStyleCnt="0"/>
-      <dgm:spPr/>
-    </dgm:pt>
-    <dgm:pt modelId="{08DEEF4A-3CF9-C848-B60A-F92910606649}" type="pres">
-      <dgm:prSet presAssocID="{A205E7CC-35A4-4FF9-B47A-8E650FA9DB05}" presName="composite" presStyleCnt="0"/>
-      <dgm:spPr/>
-    </dgm:pt>
-    <dgm:pt modelId="{E8BFA70D-E0C8-F141-8F6A-FB6F71151480}" type="pres">
-      <dgm:prSet presAssocID="{A205E7CC-35A4-4FF9-B47A-8E650FA9DB05}" presName="parTx" presStyleLbl="alignNode1" presStyleIdx="2" presStyleCnt="3">
-        <dgm:presLayoutVars>
-          <dgm:chMax val="0"/>
-          <dgm:chPref val="0"/>
-        </dgm:presLayoutVars>
-      </dgm:prSet>
-      <dgm:spPr/>
-    </dgm:pt>
-    <dgm:pt modelId="{49C8BAED-AC53-2742-B2A8-34EE0D85EA32}" type="pres">
-      <dgm:prSet presAssocID="{A205E7CC-35A4-4FF9-B47A-8E650FA9DB05}" presName="desTx" presStyleLbl="alignAccFollowNode1" presStyleIdx="2" presStyleCnt="3">
-        <dgm:presLayoutVars/>
-      </dgm:prSet>
-      <dgm:spPr/>
-    </dgm:pt>
-  </dgm:ptLst>
-  <dgm:cxnLst>
-    <dgm:cxn modelId="{94710C01-DBB0-EE4C-924D-0A1CCC162F69}" type="presOf" srcId="{79C06862-80FD-4A2A-8C96-87B94700A20E}" destId="{950869EB-470F-7341-B1D6-ADA145108B4D}" srcOrd="0" destOrd="0" presId="urn:microsoft.com/office/officeart/2016/7/layout/HorizontalActionList"/>
-    <dgm:cxn modelId="{33048401-AE6B-A940-8F61-B6C5F1B192CB}" type="presOf" srcId="{76351F56-FFCE-4F50-90CB-BF62E5FF5014}" destId="{C8ADDDD7-2451-8647-8D25-FA480EA1C671}" srcOrd="0" destOrd="0" presId="urn:microsoft.com/office/officeart/2016/7/layout/HorizontalActionList"/>
-    <dgm:cxn modelId="{99DC1C11-7E1E-3D46-8012-88B8D8B858B7}" type="presOf" srcId="{2A948FDD-0C3B-4987-9A11-A8AD1F1443D9}" destId="{A9154DCB-ACDE-DF4B-92FD-2724F0B201E0}" srcOrd="0" destOrd="0" presId="urn:microsoft.com/office/officeart/2016/7/layout/HorizontalActionList"/>
-    <dgm:cxn modelId="{09D6C92A-3322-6744-B944-4F05A3A093AA}" type="presOf" srcId="{A205E7CC-35A4-4FF9-B47A-8E650FA9DB05}" destId="{E8BFA70D-E0C8-F141-8F6A-FB6F71151480}" srcOrd="0" destOrd="0" presId="urn:microsoft.com/office/officeart/2016/7/layout/HorizontalActionList"/>
-    <dgm:cxn modelId="{7EA11C2D-7CD9-4436-B690-3D7C086C09E3}" srcId="{79C06862-80FD-4A2A-8C96-87B94700A20E}" destId="{A205E7CC-35A4-4FF9-B47A-8E650FA9DB05}" srcOrd="2" destOrd="0" parTransId="{F4FE288B-23BF-4812-928E-3A87365C2839}" sibTransId="{7D0CA878-EC8B-4399-9982-C4D5FC7B4D31}"/>
-    <dgm:cxn modelId="{E3485A3A-2C53-4F4F-BB09-AE7F70E35BA5}" type="presOf" srcId="{5A849F51-F2E5-4723-92C0-F4E88DC1EE08}" destId="{09A35967-6AD6-4349-8A4F-26CEA143463E}" srcOrd="0" destOrd="0" presId="urn:microsoft.com/office/officeart/2016/7/layout/HorizontalActionList"/>
-    <dgm:cxn modelId="{31C4F749-9CE2-FE4B-BA04-52FFA5428C67}" type="presOf" srcId="{F86887C2-966B-440A-B009-CCC04076D31D}" destId="{8C480BA7-BE5D-314B-93EE-12286B0CC0F7}" srcOrd="0" destOrd="0" presId="urn:microsoft.com/office/officeart/2016/7/layout/HorizontalActionList"/>
-    <dgm:cxn modelId="{0E29CD7D-257F-419C-9F67-7D368E674481}" srcId="{A205E7CC-35A4-4FF9-B47A-8E650FA9DB05}" destId="{570F32A8-7FFD-4841-B301-06AA3336A0EE}" srcOrd="0" destOrd="0" parTransId="{A6B899AF-551C-454C-AF0D-B2EAE66D5771}" sibTransId="{43B20BC6-DBFE-4560-9988-BBAA2974118C}"/>
-    <dgm:cxn modelId="{C3B14D81-74DE-F145-94AC-1BF34153AC7C}" type="presOf" srcId="{570F32A8-7FFD-4841-B301-06AA3336A0EE}" destId="{49C8BAED-AC53-2742-B2A8-34EE0D85EA32}" srcOrd="0" destOrd="0" presId="urn:microsoft.com/office/officeart/2016/7/layout/HorizontalActionList"/>
-    <dgm:cxn modelId="{F79E288B-D0C3-4A38-8940-DE8D9BE0F37F}" srcId="{F86887C2-966B-440A-B009-CCC04076D31D}" destId="{5A849F51-F2E5-4723-92C0-F4E88DC1EE08}" srcOrd="0" destOrd="0" parTransId="{022E3F49-BF2D-4ECC-ADEF-5D9F79AAC375}" sibTransId="{1ABE9988-E74D-4818-A6A9-5E08BAC26DCD}"/>
-    <dgm:cxn modelId="{34535699-4EFB-4438-B133-D50B0D8905EE}" srcId="{79C06862-80FD-4A2A-8C96-87B94700A20E}" destId="{2A948FDD-0C3B-4987-9A11-A8AD1F1443D9}" srcOrd="1" destOrd="0" parTransId="{0288F8D9-B98C-47B2-A7F5-2F226B4D57E0}" sibTransId="{BC06E257-E666-4159-BD77-22985B7AF8D1}"/>
-    <dgm:cxn modelId="{3AD80CC7-F6AB-4293-9452-DD1E032653AA}" srcId="{79C06862-80FD-4A2A-8C96-87B94700A20E}" destId="{F86887C2-966B-440A-B009-CCC04076D31D}" srcOrd="0" destOrd="0" parTransId="{DAFAFAE9-6C8E-4788-BF71-8EA4F365C9F8}" sibTransId="{04F30116-6827-47AC-AE2D-35FA70BFC409}"/>
-    <dgm:cxn modelId="{55AAD0F8-D056-4347-B629-A8B0D19241C9}" srcId="{2A948FDD-0C3B-4987-9A11-A8AD1F1443D9}" destId="{76351F56-FFCE-4F50-90CB-BF62E5FF5014}" srcOrd="0" destOrd="0" parTransId="{6AB9F256-4CAE-44BC-8BD0-378DF04D8F0E}" sibTransId="{C926B363-4AB1-42E9-8611-E61D47288A7D}"/>
-    <dgm:cxn modelId="{10614AAF-5D6D-8B42-A576-3B2AB370E3D6}" type="presParOf" srcId="{950869EB-470F-7341-B1D6-ADA145108B4D}" destId="{1CD3DB31-84D2-1E41-9BDB-EE269293DCE9}" srcOrd="0" destOrd="0" presId="urn:microsoft.com/office/officeart/2016/7/layout/HorizontalActionList"/>
-    <dgm:cxn modelId="{84B4F430-7083-9F4F-9731-1E1A416A2C5A}" type="presParOf" srcId="{1CD3DB31-84D2-1E41-9BDB-EE269293DCE9}" destId="{8C480BA7-BE5D-314B-93EE-12286B0CC0F7}" srcOrd="0" destOrd="0" presId="urn:microsoft.com/office/officeart/2016/7/layout/HorizontalActionList"/>
-    <dgm:cxn modelId="{11608B8F-EA39-114F-891E-C69A94F5D14A}" type="presParOf" srcId="{1CD3DB31-84D2-1E41-9BDB-EE269293DCE9}" destId="{09A35967-6AD6-4349-8A4F-26CEA143463E}" srcOrd="1" destOrd="0" presId="urn:microsoft.com/office/officeart/2016/7/layout/HorizontalActionList"/>
-    <dgm:cxn modelId="{355B08D3-49DD-5845-836E-00C91EDB6FD0}" type="presParOf" srcId="{950869EB-470F-7341-B1D6-ADA145108B4D}" destId="{9DDEF0E1-D4EE-C34C-BBE6-07352C3B2AEA}" srcOrd="1" destOrd="0" presId="urn:microsoft.com/office/officeart/2016/7/layout/HorizontalActionList"/>
-    <dgm:cxn modelId="{6F49FB54-2CC1-FB4C-97C1-52BB1CA6FBF3}" type="presParOf" srcId="{950869EB-470F-7341-B1D6-ADA145108B4D}" destId="{FAFD1F6A-464D-E444-AF2E-52D50EA8AAB9}" srcOrd="2" destOrd="0" presId="urn:microsoft.com/office/officeart/2016/7/layout/HorizontalActionList"/>
-    <dgm:cxn modelId="{172F24A3-DF6B-E541-A2A9-DC6BA6175464}" type="presParOf" srcId="{FAFD1F6A-464D-E444-AF2E-52D50EA8AAB9}" destId="{A9154DCB-ACDE-DF4B-92FD-2724F0B201E0}" srcOrd="0" destOrd="0" presId="urn:microsoft.com/office/officeart/2016/7/layout/HorizontalActionList"/>
-    <dgm:cxn modelId="{BC614ADA-B15F-A249-A7D0-A0E3E30BA736}" type="presParOf" srcId="{FAFD1F6A-464D-E444-AF2E-52D50EA8AAB9}" destId="{C8ADDDD7-2451-8647-8D25-FA480EA1C671}" srcOrd="1" destOrd="0" presId="urn:microsoft.com/office/officeart/2016/7/layout/HorizontalActionList"/>
-    <dgm:cxn modelId="{0271CC47-2E14-6B43-BFB2-7AC8C4AF2524}" type="presParOf" srcId="{950869EB-470F-7341-B1D6-ADA145108B4D}" destId="{4FFA8A61-59B7-DB40-9902-9EF9F55AB10B}" srcOrd="3" destOrd="0" presId="urn:microsoft.com/office/officeart/2016/7/layout/HorizontalActionList"/>
-    <dgm:cxn modelId="{1F5E889E-C7EC-3D4F-A82D-4358CF4DC2C6}" type="presParOf" srcId="{950869EB-470F-7341-B1D6-ADA145108B4D}" destId="{08DEEF4A-3CF9-C848-B60A-F92910606649}" srcOrd="4" destOrd="0" presId="urn:microsoft.com/office/officeart/2016/7/layout/HorizontalActionList"/>
-    <dgm:cxn modelId="{D1692167-E889-3048-9C0E-7DD44CF98A8D}" type="presParOf" srcId="{08DEEF4A-3CF9-C848-B60A-F92910606649}" destId="{E8BFA70D-E0C8-F141-8F6A-FB6F71151480}" srcOrd="0" destOrd="0" presId="urn:microsoft.com/office/officeart/2016/7/layout/HorizontalActionList"/>
-    <dgm:cxn modelId="{62BFB58B-FEF7-F14B-9D2F-E9469F46B236}" type="presParOf" srcId="{08DEEF4A-3CF9-C848-B60A-F92910606649}" destId="{49C8BAED-AC53-2742-B2A8-34EE0D85EA32}" srcOrd="1" destOrd="0" presId="urn:microsoft.com/office/officeart/2016/7/layout/HorizontalActionList"/>
-  </dgm:cxnLst>
-  <dgm:bg/>
-  <dgm:whole/>
-  <dgm:extLst>
-    <a:ext uri="http://schemas.microsoft.com/office/drawing/2008/diagram">
-      <dsp:dataModelExt xmlns:dsp="http://schemas.microsoft.com/office/drawing/2008/diagram" relId="rId7" minVer="http://schemas.openxmlformats.org/drawingml/2006/diagram"/>
-    </a:ext>
-  </dgm:extLst>
-</dgm:dataModel>
-</file>
-
-<file path=ppt/diagrams/data3.xml><?xml version="1.0" encoding="utf-8"?>
-<dgm:dataModel xmlns:dgm="http://schemas.openxmlformats.org/drawingml/2006/diagram" xmlns:a="http://schemas.openxmlformats.org/drawingml/2006/main">
-  <dgm:ptLst>
     <dgm:pt modelId="{61A3B84C-73BA-471A-87C9-F935EFF60317}" type="doc">
       <dgm:prSet loTypeId="urn:microsoft.com/office/officeart/2005/8/layout/vList2" loCatId="list" qsTypeId="urn:microsoft.com/office/officeart/2005/8/quickstyle/simple4" qsCatId="simple" csTypeId="urn:microsoft.com/office/officeart/2005/8/colors/colorful2" csCatId="colorful"/>
       <dgm:spPr/>
@@ -4867,7 +3786,7 @@
 </dgm:dataModel>
 </file>
 
-<file path=ppt/diagrams/data4.xml><?xml version="1.0" encoding="utf-8"?>
+<file path=ppt/diagrams/data3.xml><?xml version="1.0" encoding="utf-8"?>
 <dgm:dataModel xmlns:dgm="http://schemas.openxmlformats.org/drawingml/2006/diagram" xmlns:a="http://schemas.openxmlformats.org/drawingml/2006/main">
   <dgm:ptLst>
     <dgm:pt modelId="{F6255720-EDA4-43F3-B0FC-11C662C377AE}" type="doc">
@@ -5209,7 +4128,7 @@
 </dgm:dataModel>
 </file>
 
-<file path=ppt/diagrams/data5.xml><?xml version="1.0" encoding="utf-8"?>
+<file path=ppt/diagrams/data4.xml><?xml version="1.0" encoding="utf-8"?>
 <dgm:dataModel xmlns:dgm="http://schemas.openxmlformats.org/drawingml/2006/diagram" xmlns:a="http://schemas.openxmlformats.org/drawingml/2006/main">
   <dgm:ptLst>
     <dgm:pt modelId="{4BA08555-FE82-4CD6-819C-633FD198E6B8}" type="doc">
@@ -6224,492 +5143,6 @@
       <dsp:cNvGrpSpPr/>
     </dsp:nvGrpSpPr>
     <dsp:grpSpPr/>
-    <dsp:sp modelId="{8C480BA7-BE5D-314B-93EE-12286B0CC0F7}">
-      <dsp:nvSpPr>
-        <dsp:cNvPr id="0" name=""/>
-        <dsp:cNvSpPr/>
-      </dsp:nvSpPr>
-      <dsp:spPr>
-        <a:xfrm>
-          <a:off x="10090" y="573485"/>
-          <a:ext cx="3426543" cy="1027963"/>
-        </a:xfrm>
-        <a:prstGeom prst="rect">
-          <a:avLst/>
-        </a:prstGeom>
-        <a:solidFill>
-          <a:schemeClr val="accent1">
-            <a:hueOff val="0"/>
-            <a:satOff val="0"/>
-            <a:lumOff val="0"/>
-            <a:alphaOff val="0"/>
-          </a:schemeClr>
-        </a:solidFill>
-        <a:ln w="19050" cap="flat" cmpd="sng" algn="ctr">
-          <a:solidFill>
-            <a:schemeClr val="accent1">
-              <a:hueOff val="0"/>
-              <a:satOff val="0"/>
-              <a:lumOff val="0"/>
-              <a:alphaOff val="0"/>
-            </a:schemeClr>
-          </a:solidFill>
-          <a:prstDash val="solid"/>
-          <a:miter lim="800000"/>
-        </a:ln>
-        <a:effectLst/>
-      </dsp:spPr>
-      <dsp:style>
-        <a:lnRef idx="2">
-          <a:scrgbClr r="0" g="0" b="0"/>
-        </a:lnRef>
-        <a:fillRef idx="1">
-          <a:scrgbClr r="0" g="0" b="0"/>
-        </a:fillRef>
-        <a:effectRef idx="0">
-          <a:scrgbClr r="0" g="0" b="0"/>
-        </a:effectRef>
-        <a:fontRef idx="minor">
-          <a:schemeClr val="lt1"/>
-        </a:fontRef>
-      </dsp:style>
-      <dsp:txBody>
-        <a:bodyPr spcFirstLastPara="0" vert="horz" wrap="square" lIns="270773" tIns="270773" rIns="270773" bIns="270773" numCol="1" spcCol="1270" anchor="ctr" anchorCtr="0">
-          <a:noAutofit/>
-        </a:bodyPr>
-        <a:lstStyle/>
-        <a:p>
-          <a:pPr marL="0" lvl="0" indent="0" algn="ctr" defTabSz="1511300">
-            <a:lnSpc>
-              <a:spcPct val="90000"/>
-            </a:lnSpc>
-            <a:spcBef>
-              <a:spcPct val="0"/>
-            </a:spcBef>
-            <a:spcAft>
-              <a:spcPct val="35000"/>
-            </a:spcAft>
-            <a:buNone/>
-          </a:pPr>
-          <a:r>
-            <a:rPr lang="en-US" sz="3400" kern="1200"/>
-            <a:t>Understand</a:t>
-          </a:r>
-        </a:p>
-      </dsp:txBody>
-      <dsp:txXfrm>
-        <a:off x="10090" y="573485"/>
-        <a:ext cx="3426543" cy="1027963"/>
-      </dsp:txXfrm>
-    </dsp:sp>
-    <dsp:sp modelId="{09A35967-6AD6-4349-8A4F-26CEA143463E}">
-      <dsp:nvSpPr>
-        <dsp:cNvPr id="0" name=""/>
-        <dsp:cNvSpPr/>
-      </dsp:nvSpPr>
-      <dsp:spPr>
-        <a:xfrm>
-          <a:off x="10090" y="1601448"/>
-          <a:ext cx="3426543" cy="2176404"/>
-        </a:xfrm>
-        <a:prstGeom prst="rect">
-          <a:avLst/>
-        </a:prstGeom>
-        <a:solidFill>
-          <a:schemeClr val="accent1">
-            <a:alpha val="90000"/>
-            <a:tint val="40000"/>
-            <a:hueOff val="0"/>
-            <a:satOff val="0"/>
-            <a:lumOff val="0"/>
-            <a:alphaOff val="0"/>
-          </a:schemeClr>
-        </a:solidFill>
-        <a:ln w="19050" cap="flat" cmpd="sng" algn="ctr">
-          <a:solidFill>
-            <a:schemeClr val="accent1">
-              <a:alpha val="90000"/>
-              <a:tint val="40000"/>
-              <a:hueOff val="0"/>
-              <a:satOff val="0"/>
-              <a:lumOff val="0"/>
-              <a:alphaOff val="0"/>
-            </a:schemeClr>
-          </a:solidFill>
-          <a:prstDash val="solid"/>
-          <a:miter lim="800000"/>
-        </a:ln>
-        <a:effectLst/>
-      </dsp:spPr>
-      <dsp:style>
-        <a:lnRef idx="2">
-          <a:scrgbClr r="0" g="0" b="0"/>
-        </a:lnRef>
-        <a:fillRef idx="1">
-          <a:scrgbClr r="0" g="0" b="0"/>
-        </a:fillRef>
-        <a:effectRef idx="0">
-          <a:scrgbClr r="0" g="0" b="0"/>
-        </a:effectRef>
-        <a:fontRef idx="minor"/>
-      </dsp:style>
-      <dsp:txBody>
-        <a:bodyPr spcFirstLastPara="0" vert="horz" wrap="square" lIns="338466" tIns="338466" rIns="338466" bIns="338466" numCol="1" spcCol="1270" anchor="t" anchorCtr="0">
-          <a:noAutofit/>
-        </a:bodyPr>
-        <a:lstStyle/>
-        <a:p>
-          <a:pPr marL="0" lvl="0" indent="0" algn="l" defTabSz="1155700">
-            <a:lnSpc>
-              <a:spcPct val="90000"/>
-            </a:lnSpc>
-            <a:spcBef>
-              <a:spcPct val="0"/>
-            </a:spcBef>
-            <a:spcAft>
-              <a:spcPct val="35000"/>
-            </a:spcAft>
-            <a:buNone/>
-          </a:pPr>
-          <a:r>
-            <a:rPr lang="en-US" sz="2600" kern="1200"/>
-            <a:t>Understand drivers of default </a:t>
-          </a:r>
-        </a:p>
-      </dsp:txBody>
-      <dsp:txXfrm>
-        <a:off x="10090" y="1601448"/>
-        <a:ext cx="3426543" cy="2176404"/>
-      </dsp:txXfrm>
-    </dsp:sp>
-    <dsp:sp modelId="{A9154DCB-ACDE-DF4B-92FD-2724F0B201E0}">
-      <dsp:nvSpPr>
-        <dsp:cNvPr id="0" name=""/>
-        <dsp:cNvSpPr/>
-      </dsp:nvSpPr>
-      <dsp:spPr>
-        <a:xfrm>
-          <a:off x="3544528" y="573485"/>
-          <a:ext cx="3426543" cy="1027963"/>
-        </a:xfrm>
-        <a:prstGeom prst="rect">
-          <a:avLst/>
-        </a:prstGeom>
-        <a:solidFill>
-          <a:schemeClr val="accent1">
-            <a:hueOff val="0"/>
-            <a:satOff val="0"/>
-            <a:lumOff val="0"/>
-            <a:alphaOff val="0"/>
-          </a:schemeClr>
-        </a:solidFill>
-        <a:ln w="19050" cap="flat" cmpd="sng" algn="ctr">
-          <a:solidFill>
-            <a:schemeClr val="accent1">
-              <a:hueOff val="0"/>
-              <a:satOff val="0"/>
-              <a:lumOff val="0"/>
-              <a:alphaOff val="0"/>
-            </a:schemeClr>
-          </a:solidFill>
-          <a:prstDash val="solid"/>
-          <a:miter lim="800000"/>
-        </a:ln>
-        <a:effectLst/>
-      </dsp:spPr>
-      <dsp:style>
-        <a:lnRef idx="2">
-          <a:scrgbClr r="0" g="0" b="0"/>
-        </a:lnRef>
-        <a:fillRef idx="1">
-          <a:scrgbClr r="0" g="0" b="0"/>
-        </a:fillRef>
-        <a:effectRef idx="0">
-          <a:scrgbClr r="0" g="0" b="0"/>
-        </a:effectRef>
-        <a:fontRef idx="minor">
-          <a:schemeClr val="lt1"/>
-        </a:fontRef>
-      </dsp:style>
-      <dsp:txBody>
-        <a:bodyPr spcFirstLastPara="0" vert="horz" wrap="square" lIns="270773" tIns="270773" rIns="270773" bIns="270773" numCol="1" spcCol="1270" anchor="ctr" anchorCtr="0">
-          <a:noAutofit/>
-        </a:bodyPr>
-        <a:lstStyle/>
-        <a:p>
-          <a:pPr marL="0" lvl="0" indent="0" algn="ctr" defTabSz="1511300">
-            <a:lnSpc>
-              <a:spcPct val="90000"/>
-            </a:lnSpc>
-            <a:spcBef>
-              <a:spcPct val="0"/>
-            </a:spcBef>
-            <a:spcAft>
-              <a:spcPct val="35000"/>
-            </a:spcAft>
-            <a:buNone/>
-          </a:pPr>
-          <a:r>
-            <a:rPr lang="en-US" sz="3400" kern="1200"/>
-            <a:t>Segment</a:t>
-          </a:r>
-        </a:p>
-      </dsp:txBody>
-      <dsp:txXfrm>
-        <a:off x="3544528" y="573485"/>
-        <a:ext cx="3426543" cy="1027963"/>
-      </dsp:txXfrm>
-    </dsp:sp>
-    <dsp:sp modelId="{C8ADDDD7-2451-8647-8D25-FA480EA1C671}">
-      <dsp:nvSpPr>
-        <dsp:cNvPr id="0" name=""/>
-        <dsp:cNvSpPr/>
-      </dsp:nvSpPr>
-      <dsp:spPr>
-        <a:xfrm>
-          <a:off x="3544528" y="1601448"/>
-          <a:ext cx="3426543" cy="2176404"/>
-        </a:xfrm>
-        <a:prstGeom prst="rect">
-          <a:avLst/>
-        </a:prstGeom>
-        <a:solidFill>
-          <a:schemeClr val="accent1">
-            <a:alpha val="90000"/>
-            <a:tint val="40000"/>
-            <a:hueOff val="0"/>
-            <a:satOff val="0"/>
-            <a:lumOff val="0"/>
-            <a:alphaOff val="0"/>
-          </a:schemeClr>
-        </a:solidFill>
-        <a:ln w="19050" cap="flat" cmpd="sng" algn="ctr">
-          <a:solidFill>
-            <a:schemeClr val="accent1">
-              <a:alpha val="90000"/>
-              <a:tint val="40000"/>
-              <a:hueOff val="0"/>
-              <a:satOff val="0"/>
-              <a:lumOff val="0"/>
-              <a:alphaOff val="0"/>
-            </a:schemeClr>
-          </a:solidFill>
-          <a:prstDash val="solid"/>
-          <a:miter lim="800000"/>
-        </a:ln>
-        <a:effectLst/>
-      </dsp:spPr>
-      <dsp:style>
-        <a:lnRef idx="2">
-          <a:scrgbClr r="0" g="0" b="0"/>
-        </a:lnRef>
-        <a:fillRef idx="1">
-          <a:scrgbClr r="0" g="0" b="0"/>
-        </a:fillRef>
-        <a:effectRef idx="0">
-          <a:scrgbClr r="0" g="0" b="0"/>
-        </a:effectRef>
-        <a:fontRef idx="minor"/>
-      </dsp:style>
-      <dsp:txBody>
-        <a:bodyPr spcFirstLastPara="0" vert="horz" wrap="square" lIns="338466" tIns="338466" rIns="338466" bIns="338466" numCol="1" spcCol="1270" anchor="t" anchorCtr="0">
-          <a:noAutofit/>
-        </a:bodyPr>
-        <a:lstStyle/>
-        <a:p>
-          <a:pPr marL="0" lvl="0" indent="0" algn="l" defTabSz="1155700">
-            <a:lnSpc>
-              <a:spcPct val="90000"/>
-            </a:lnSpc>
-            <a:spcBef>
-              <a:spcPct val="0"/>
-            </a:spcBef>
-            <a:spcAft>
-              <a:spcPct val="35000"/>
-            </a:spcAft>
-            <a:buNone/>
-          </a:pPr>
-          <a:r>
-            <a:rPr lang="en-US" sz="2600" kern="1200"/>
-            <a:t>Segment Clients by age, gender, marital status, and education status </a:t>
-          </a:r>
-        </a:p>
-      </dsp:txBody>
-      <dsp:txXfrm>
-        <a:off x="3544528" y="1601448"/>
-        <a:ext cx="3426543" cy="2176404"/>
-      </dsp:txXfrm>
-    </dsp:sp>
-    <dsp:sp modelId="{E8BFA70D-E0C8-F141-8F6A-FB6F71151480}">
-      <dsp:nvSpPr>
-        <dsp:cNvPr id="0" name=""/>
-        <dsp:cNvSpPr/>
-      </dsp:nvSpPr>
-      <dsp:spPr>
-        <a:xfrm>
-          <a:off x="7078966" y="573485"/>
-          <a:ext cx="3426543" cy="1027963"/>
-        </a:xfrm>
-        <a:prstGeom prst="rect">
-          <a:avLst/>
-        </a:prstGeom>
-        <a:solidFill>
-          <a:schemeClr val="accent1">
-            <a:hueOff val="0"/>
-            <a:satOff val="0"/>
-            <a:lumOff val="0"/>
-            <a:alphaOff val="0"/>
-          </a:schemeClr>
-        </a:solidFill>
-        <a:ln w="19050" cap="flat" cmpd="sng" algn="ctr">
-          <a:solidFill>
-            <a:schemeClr val="accent1">
-              <a:hueOff val="0"/>
-              <a:satOff val="0"/>
-              <a:lumOff val="0"/>
-              <a:alphaOff val="0"/>
-            </a:schemeClr>
-          </a:solidFill>
-          <a:prstDash val="solid"/>
-          <a:miter lim="800000"/>
-        </a:ln>
-        <a:effectLst/>
-      </dsp:spPr>
-      <dsp:style>
-        <a:lnRef idx="2">
-          <a:scrgbClr r="0" g="0" b="0"/>
-        </a:lnRef>
-        <a:fillRef idx="1">
-          <a:scrgbClr r="0" g="0" b="0"/>
-        </a:fillRef>
-        <a:effectRef idx="0">
-          <a:scrgbClr r="0" g="0" b="0"/>
-        </a:effectRef>
-        <a:fontRef idx="minor">
-          <a:schemeClr val="lt1"/>
-        </a:fontRef>
-      </dsp:style>
-      <dsp:txBody>
-        <a:bodyPr spcFirstLastPara="0" vert="horz" wrap="square" lIns="270773" tIns="270773" rIns="270773" bIns="270773" numCol="1" spcCol="1270" anchor="ctr" anchorCtr="0">
-          <a:noAutofit/>
-        </a:bodyPr>
-        <a:lstStyle/>
-        <a:p>
-          <a:pPr marL="0" lvl="0" indent="0" algn="ctr" defTabSz="1511300">
-            <a:lnSpc>
-              <a:spcPct val="90000"/>
-            </a:lnSpc>
-            <a:spcBef>
-              <a:spcPct val="0"/>
-            </a:spcBef>
-            <a:spcAft>
-              <a:spcPct val="35000"/>
-            </a:spcAft>
-            <a:buNone/>
-          </a:pPr>
-          <a:r>
-            <a:rPr lang="en-US" sz="3400" kern="1200"/>
-            <a:t>Recommend</a:t>
-          </a:r>
-        </a:p>
-      </dsp:txBody>
-      <dsp:txXfrm>
-        <a:off x="7078966" y="573485"/>
-        <a:ext cx="3426543" cy="1027963"/>
-      </dsp:txXfrm>
-    </dsp:sp>
-    <dsp:sp modelId="{49C8BAED-AC53-2742-B2A8-34EE0D85EA32}">
-      <dsp:nvSpPr>
-        <dsp:cNvPr id="0" name=""/>
-        <dsp:cNvSpPr/>
-      </dsp:nvSpPr>
-      <dsp:spPr>
-        <a:xfrm>
-          <a:off x="7078966" y="1601448"/>
-          <a:ext cx="3426543" cy="2176404"/>
-        </a:xfrm>
-        <a:prstGeom prst="rect">
-          <a:avLst/>
-        </a:prstGeom>
-        <a:solidFill>
-          <a:schemeClr val="accent1">
-            <a:alpha val="90000"/>
-            <a:tint val="40000"/>
-            <a:hueOff val="0"/>
-            <a:satOff val="0"/>
-            <a:lumOff val="0"/>
-            <a:alphaOff val="0"/>
-          </a:schemeClr>
-        </a:solidFill>
-        <a:ln w="19050" cap="flat" cmpd="sng" algn="ctr">
-          <a:solidFill>
-            <a:schemeClr val="accent1">
-              <a:alpha val="90000"/>
-              <a:tint val="40000"/>
-              <a:hueOff val="0"/>
-              <a:satOff val="0"/>
-              <a:lumOff val="0"/>
-              <a:alphaOff val="0"/>
-            </a:schemeClr>
-          </a:solidFill>
-          <a:prstDash val="solid"/>
-          <a:miter lim="800000"/>
-        </a:ln>
-        <a:effectLst/>
-      </dsp:spPr>
-      <dsp:style>
-        <a:lnRef idx="2">
-          <a:scrgbClr r="0" g="0" b="0"/>
-        </a:lnRef>
-        <a:fillRef idx="1">
-          <a:scrgbClr r="0" g="0" b="0"/>
-        </a:fillRef>
-        <a:effectRef idx="0">
-          <a:scrgbClr r="0" g="0" b="0"/>
-        </a:effectRef>
-        <a:fontRef idx="minor"/>
-      </dsp:style>
-      <dsp:txBody>
-        <a:bodyPr spcFirstLastPara="0" vert="horz" wrap="square" lIns="338466" tIns="338466" rIns="338466" bIns="338466" numCol="1" spcCol="1270" anchor="t" anchorCtr="0">
-          <a:noAutofit/>
-        </a:bodyPr>
-        <a:lstStyle/>
-        <a:p>
-          <a:pPr marL="0" lvl="0" indent="0" algn="l" defTabSz="1155700">
-            <a:lnSpc>
-              <a:spcPct val="90000"/>
-            </a:lnSpc>
-            <a:spcBef>
-              <a:spcPct val="0"/>
-            </a:spcBef>
-            <a:spcAft>
-              <a:spcPct val="35000"/>
-            </a:spcAft>
-            <a:buNone/>
-          </a:pPr>
-          <a:r>
-            <a:rPr lang="en-US" sz="2600" kern="1200"/>
-            <a:t>Recommend risk management strategies </a:t>
-          </a:r>
-        </a:p>
-      </dsp:txBody>
-      <dsp:txXfrm>
-        <a:off x="7078966" y="1601448"/>
-        <a:ext cx="3426543" cy="2176404"/>
-      </dsp:txXfrm>
-    </dsp:sp>
-  </dsp:spTree>
-</dsp:drawing>
-</file>
-
-<file path=ppt/diagrams/drawing3.xml><?xml version="1.0" encoding="utf-8"?>
-<dsp:drawing xmlns:dgm="http://schemas.openxmlformats.org/drawingml/2006/diagram" xmlns:dsp="http://schemas.microsoft.com/office/drawing/2008/diagram" xmlns:a="http://schemas.openxmlformats.org/drawingml/2006/main">
-  <dsp:spTree>
-    <dsp:nvGrpSpPr>
-      <dsp:cNvPr id="0" name=""/>
-      <dsp:cNvGrpSpPr/>
-    </dsp:nvGrpSpPr>
-    <dsp:grpSpPr/>
     <dsp:sp modelId="{4DF0286B-11DB-2D41-8245-D2893F2BBA2B}">
       <dsp:nvSpPr>
         <dsp:cNvPr id="0" name=""/>
@@ -7126,7 +5559,7 @@
 </dsp:drawing>
 </file>
 
-<file path=ppt/diagrams/drawing4.xml><?xml version="1.0" encoding="utf-8"?>
+<file path=ppt/diagrams/drawing3.xml><?xml version="1.0" encoding="utf-8"?>
 <dsp:drawing xmlns:dgm="http://schemas.openxmlformats.org/drawingml/2006/diagram" xmlns:dsp="http://schemas.microsoft.com/office/drawing/2008/diagram" xmlns:a="http://schemas.openxmlformats.org/drawingml/2006/main">
   <dsp:spTree>
     <dsp:nvGrpSpPr>
@@ -7573,7 +6006,7 @@
 </dsp:drawing>
 </file>
 
-<file path=ppt/diagrams/drawing5.xml><?xml version="1.0" encoding="utf-8"?>
+<file path=ppt/diagrams/drawing4.xml><?xml version="1.0" encoding="utf-8"?>
 <dsp:drawing xmlns:dgm="http://schemas.openxmlformats.org/drawingml/2006/diagram" xmlns:dsp="http://schemas.microsoft.com/office/drawing/2008/diagram" xmlns:a="http://schemas.openxmlformats.org/drawingml/2006/main">
   <dsp:spTree>
     <dsp:nvGrpSpPr>
@@ -8343,15 +6776,36 @@
 </file>
 
 <file path=ppt/diagrams/layout2.xml><?xml version="1.0" encoding="utf-8"?>
-<dgm:layoutDef xmlns:dgm="http://schemas.openxmlformats.org/drawingml/2006/diagram" xmlns:a="http://schemas.openxmlformats.org/drawingml/2006/main" uniqueId="urn:microsoft.com/office/officeart/2016/7/layout/HorizontalActionList">
-  <dgm:title val="Horizontal Action List"/>
-  <dgm:desc val="Used to show non-sequential or grouped lists of information. Works well with large amounts of text. All text has the same level of emphasis, and direction is not implied."/>
+<dgm:layoutDef xmlns:dgm="http://schemas.openxmlformats.org/drawingml/2006/diagram" xmlns:a="http://schemas.openxmlformats.org/drawingml/2006/main" uniqueId="urn:microsoft.com/office/officeart/2005/8/layout/vList2">
+  <dgm:title val=""/>
+  <dgm:desc val=""/>
   <dgm:catLst>
-    <dgm:cat type="list" pri="500"/>
+    <dgm:cat type="list" pri="3000"/>
+    <dgm:cat type="convert" pri="1000"/>
   </dgm:catLst>
-  <dgm:sampData useDef="1">
+  <dgm:sampData>
     <dgm:dataModel>
-      <dgm:ptLst/>
+      <dgm:ptLst>
+        <dgm:pt modelId="0" type="doc"/>
+        <dgm:pt modelId="1">
+          <dgm:prSet phldr="1"/>
+        </dgm:pt>
+        <dgm:pt modelId="11">
+          <dgm:prSet phldr="1"/>
+        </dgm:pt>
+        <dgm:pt modelId="2">
+          <dgm:prSet phldr="1"/>
+        </dgm:pt>
+        <dgm:pt modelId="21">
+          <dgm:prSet phldr="1"/>
+        </dgm:pt>
+      </dgm:ptLst>
+      <dgm:cxnLst>
+        <dgm:cxn modelId="4" srcId="0" destId="1" srcOrd="0" destOrd="0"/>
+        <dgm:cxn modelId="5" srcId="0" destId="2" srcOrd="1" destOrd="0"/>
+        <dgm:cxn modelId="12" srcId="1" destId="11" srcOrd="0" destOrd="0"/>
+        <dgm:cxn modelId="23" srcId="2" destId="21" srcOrd="0" destOrd="0"/>
+      </dgm:cxnLst>
       <dgm:bg/>
       <dgm:whole/>
     </dgm:dataModel>
@@ -8390,120 +6844,99 @@
       <dgm:whole/>
     </dgm:dataModel>
   </dgm:clrData>
-  <dgm:layoutNode name="Name0">
+  <dgm:layoutNode name="linear">
     <dgm:varLst>
-      <dgm:dir/>
       <dgm:animLvl val="lvl"/>
       <dgm:resizeHandles val="exact"/>
     </dgm:varLst>
-    <dgm:choose name="Name1">
-      <dgm:if name="Name2" func="var" arg="dir" op="equ" val="norm">
-        <dgm:alg type="lin"/>
-      </dgm:if>
-      <dgm:else name="Name3">
-        <dgm:alg type="lin">
-          <dgm:param type="linDir" val="fromR"/>
-        </dgm:alg>
-      </dgm:else>
-    </dgm:choose>
+    <dgm:alg type="lin">
+      <dgm:param type="linDir" val="fromT"/>
+      <dgm:param type="vertAlign" val="mid"/>
+    </dgm:alg>
     <dgm:shape xmlns:r="http://schemas.openxmlformats.org/officeDocument/2006/relationships" r:blip="">
       <dgm:adjLst/>
     </dgm:shape>
     <dgm:presOf/>
     <dgm:constrLst>
-      <dgm:constr type="h" for="ch" forName="composite" refType="h" fact="0.6"/>
-      <dgm:constr type="h" for="des" forName="composite" op="equ"/>
-      <dgm:constr type="w" for="ch" forName="composite" refType="w"/>
-      <dgm:constr type="w" for="des" forName="parTx"/>
-      <dgm:constr type="h" for="des" forName="parTx" op="equ"/>
-      <dgm:constr type="w" for="des" forName="desTx"/>
-      <dgm:constr type="primFontSz" for="des" forName="parTx" val="54"/>
-      <dgm:constr type="primFontSz" for="des" forName="desTx" refType="primFontSz" refFor="des" refForName="parTx" op="lte" fact="0.75"/>
-      <dgm:constr type="h" for="des" forName="desTx" op="equ"/>
-      <dgm:constr type="w" for="ch" forName="space" op="equ" val="3"/>
+      <dgm:constr type="w" for="ch" forName="parentText" refType="w"/>
+      <dgm:constr type="h" for="ch" forName="parentText" refType="primFontSz" refFor="ch" refForName="parentText" fact="0.52"/>
+      <dgm:constr type="w" for="ch" forName="childText" refType="w"/>
+      <dgm:constr type="h" for="ch" forName="childText" refType="primFontSz" refFor="ch" refForName="parentText" fact="0.46"/>
+      <dgm:constr type="h" for="ch" forName="parentText" op="equ"/>
+      <dgm:constr type="primFontSz" for="ch" forName="parentText" op="equ" val="65"/>
+      <dgm:constr type="primFontSz" for="ch" forName="childText" refType="primFontSz" refFor="ch" refForName="parentText" op="equ"/>
+      <dgm:constr type="h" for="ch" forName="spacer" refType="primFontSz" refFor="ch" refForName="parentText" fact="0.08"/>
     </dgm:constrLst>
     <dgm:ruleLst>
-      <dgm:rule type="w" for="ch" forName="composite" val="0" fact="NaN" max="NaN"/>
+      <dgm:rule type="primFontSz" for="ch" forName="parentText" val="5" fact="NaN" max="NaN"/>
     </dgm:ruleLst>
-    <dgm:forEach name="Name6" axis="ch" ptType="node">
-      <dgm:layoutNode name="composite">
-        <dgm:alg type="composite"/>
-        <dgm:shape xmlns:r="http://schemas.openxmlformats.org/officeDocument/2006/relationships" r:blip="">
+    <dgm:forEach name="Name0" axis="ch" ptType="node">
+      <dgm:layoutNode name="parentText" styleLbl="node1">
+        <dgm:varLst>
+          <dgm:chMax val="0"/>
+          <dgm:bulletEnabled val="1"/>
+        </dgm:varLst>
+        <dgm:alg type="tx">
+          <dgm:param type="parTxLTRAlign" val="l"/>
+          <dgm:param type="parTxRTLAlign" val="r"/>
+        </dgm:alg>
+        <dgm:shape xmlns:r="http://schemas.openxmlformats.org/officeDocument/2006/relationships" type="roundRect" r:blip="">
           <dgm:adjLst/>
         </dgm:shape>
-        <dgm:presOf/>
+        <dgm:presOf axis="self"/>
         <dgm:constrLst>
-          <dgm:constr type="l" for="ch" forName="parTx"/>
-          <dgm:constr type="w" for="ch" forName="parTx" refType="w"/>
-          <dgm:constr type="t" for="ch" forName="parTx"/>
-          <dgm:constr type="l" for="ch" forName="desTx"/>
-          <dgm:constr type="w" for="ch" forName="desTx" refType="w" refFor="ch" refForName="parTx"/>
-          <dgm:constr type="t" for="ch" forName="desTx" refType="h" refFor="ch" refForName="parTx"/>
+          <dgm:constr type="tMarg" refType="primFontSz" fact="0.3"/>
+          <dgm:constr type="bMarg" refType="primFontSz" fact="0.3"/>
+          <dgm:constr type="lMarg" refType="primFontSz" fact="0.3"/>
+          <dgm:constr type="rMarg" refType="primFontSz" fact="0.3"/>
         </dgm:constrLst>
         <dgm:ruleLst>
           <dgm:rule type="h" val="INF" fact="NaN" max="NaN"/>
         </dgm:ruleLst>
-        <dgm:layoutNode name="parTx" styleLbl="alignNode1">
-          <dgm:varLst>
-            <dgm:chMax val="0"/>
-            <dgm:chPref val="0"/>
-          </dgm:varLst>
-          <dgm:alg type="tx"/>
-          <dgm:shape xmlns:r="http://schemas.openxmlformats.org/officeDocument/2006/relationships" type="rect" r:blip="">
-            <dgm:adjLst/>
-          </dgm:shape>
-          <dgm:presOf axis="self" ptType="node"/>
-          <dgm:constrLst>
-            <dgm:constr type="h" refType="w" op="lte" fact="0.3"/>
-            <dgm:constr type="h"/>
-            <dgm:constr type="tMarg" refType="w" fact="0.224"/>
-            <dgm:constr type="bMarg" refType="w" fact="0.224"/>
-            <dgm:constr type="lMarg" refType="w" fact="0.224"/>
-            <dgm:constr type="rMarg" refType="w" fact="0.224"/>
-          </dgm:constrLst>
-          <dgm:ruleLst>
-            <dgm:rule type="h" val="INF" fact="NaN" max="NaN"/>
-            <dgm:rule type="primFontSz" val="14" fact="NaN" max="NaN"/>
-          </dgm:ruleLst>
-        </dgm:layoutNode>
-        <dgm:layoutNode name="desTx" styleLbl="alignAccFollowNode1">
-          <dgm:varLst/>
-          <dgm:alg type="tx">
-            <dgm:param type="stBulletLvl" val="0"/>
-            <dgm:param type="txAnchorVert" val="t"/>
-            <dgm:param type="parTxLTRAlign" val="l"/>
-            <dgm:param type="shpTxLTRAlignCh" val="l"/>
-            <dgm:param type="parTxRTLAlign" val="r"/>
-            <dgm:param type="shpTxRTLAlignCh" val="r"/>
-          </dgm:alg>
-          <dgm:shape xmlns:r="http://schemas.openxmlformats.org/officeDocument/2006/relationships" type="rect" r:blip="">
-            <dgm:adjLst/>
-          </dgm:shape>
-          <dgm:presOf axis="des" ptType="node"/>
-          <dgm:constrLst>
-            <dgm:constr type="primFontSz" val="28"/>
-            <dgm:constr type="tMarg" refType="w" fact="0.28"/>
-            <dgm:constr type="bMarg" refType="w" fact="0.28"/>
-            <dgm:constr type="lMarg" refType="w" fact="0.28"/>
-            <dgm:constr type="rMarg" refType="w" fact="0.28"/>
-          </dgm:constrLst>
-          <dgm:ruleLst>
-            <dgm:rule type="h" val="INF" fact="NaN" max="NaN"/>
-            <dgm:rule type="primFontSz" val="11" fact="NaN" max="NaN"/>
-          </dgm:ruleLst>
-        </dgm:layoutNode>
       </dgm:layoutNode>
-      <dgm:forEach name="Name19" axis="followSib" ptType="sibTrans" cnt="1">
-        <dgm:layoutNode name="space">
-          <dgm:alg type="sp"/>
-          <dgm:shape xmlns:r="http://schemas.openxmlformats.org/officeDocument/2006/relationships" r:blip="">
-            <dgm:adjLst/>
-          </dgm:shape>
-          <dgm:presOf/>
-          <dgm:constrLst/>
-          <dgm:ruleLst/>
-        </dgm:layoutNode>
-      </dgm:forEach>
+      <dgm:choose name="Name1">
+        <dgm:if name="Name2" axis="ch" ptType="node" func="cnt" op="gte" val="1">
+          <dgm:layoutNode name="childText" styleLbl="revTx">
+            <dgm:varLst>
+              <dgm:bulletEnabled val="1"/>
+            </dgm:varLst>
+            <dgm:alg type="tx">
+              <dgm:param type="stBulletLvl" val="1"/>
+              <dgm:param type="lnSpAfChP" val="20"/>
+            </dgm:alg>
+            <dgm:shape xmlns:r="http://schemas.openxmlformats.org/officeDocument/2006/relationships" type="rect" r:blip="">
+              <dgm:adjLst/>
+            </dgm:shape>
+            <dgm:presOf axis="des" ptType="node"/>
+            <dgm:constrLst>
+              <dgm:constr type="tMarg" refType="primFontSz" fact="0.1"/>
+              <dgm:constr type="bMarg" refType="primFontSz" fact="0.1"/>
+              <dgm:constr type="lMarg" refType="w" fact="0.09"/>
+            </dgm:constrLst>
+            <dgm:ruleLst>
+              <dgm:rule type="h" val="INF" fact="NaN" max="NaN"/>
+            </dgm:ruleLst>
+          </dgm:layoutNode>
+        </dgm:if>
+        <dgm:else name="Name3">
+          <dgm:choose name="Name4">
+            <dgm:if name="Name5" axis="par ch" ptType="doc node" func="cnt" op="gte" val="2">
+              <dgm:forEach name="Name6" axis="followSib" ptType="sibTrans" cnt="1">
+                <dgm:layoutNode name="spacer">
+                  <dgm:alg type="sp"/>
+                  <dgm:shape xmlns:r="http://schemas.openxmlformats.org/officeDocument/2006/relationships" r:blip="">
+                    <dgm:adjLst/>
+                  </dgm:shape>
+                  <dgm:presOf/>
+                  <dgm:constrLst/>
+                  <dgm:ruleLst/>
+                </dgm:layoutNode>
+              </dgm:forEach>
+            </dgm:if>
+            <dgm:else name="Name7"/>
+          </dgm:choose>
+        </dgm:else>
+      </dgm:choose>
     </dgm:forEach>
   </dgm:layoutNode>
 </dgm:layoutDef>
@@ -8677,173 +7110,6 @@
 </file>
 
 <file path=ppt/diagrams/layout4.xml><?xml version="1.0" encoding="utf-8"?>
-<dgm:layoutDef xmlns:dgm="http://schemas.openxmlformats.org/drawingml/2006/diagram" xmlns:a="http://schemas.openxmlformats.org/drawingml/2006/main" uniqueId="urn:microsoft.com/office/officeart/2005/8/layout/vList2">
-  <dgm:title val=""/>
-  <dgm:desc val=""/>
-  <dgm:catLst>
-    <dgm:cat type="list" pri="3000"/>
-    <dgm:cat type="convert" pri="1000"/>
-  </dgm:catLst>
-  <dgm:sampData>
-    <dgm:dataModel>
-      <dgm:ptLst>
-        <dgm:pt modelId="0" type="doc"/>
-        <dgm:pt modelId="1">
-          <dgm:prSet phldr="1"/>
-        </dgm:pt>
-        <dgm:pt modelId="11">
-          <dgm:prSet phldr="1"/>
-        </dgm:pt>
-        <dgm:pt modelId="2">
-          <dgm:prSet phldr="1"/>
-        </dgm:pt>
-        <dgm:pt modelId="21">
-          <dgm:prSet phldr="1"/>
-        </dgm:pt>
-      </dgm:ptLst>
-      <dgm:cxnLst>
-        <dgm:cxn modelId="4" srcId="0" destId="1" srcOrd="0" destOrd="0"/>
-        <dgm:cxn modelId="5" srcId="0" destId="2" srcOrd="1" destOrd="0"/>
-        <dgm:cxn modelId="12" srcId="1" destId="11" srcOrd="0" destOrd="0"/>
-        <dgm:cxn modelId="23" srcId="2" destId="21" srcOrd="0" destOrd="0"/>
-      </dgm:cxnLst>
-      <dgm:bg/>
-      <dgm:whole/>
-    </dgm:dataModel>
-  </dgm:sampData>
-  <dgm:styleData>
-    <dgm:dataModel>
-      <dgm:ptLst>
-        <dgm:pt modelId="0" type="doc"/>
-        <dgm:pt modelId="1"/>
-        <dgm:pt modelId="2"/>
-      </dgm:ptLst>
-      <dgm:cxnLst>
-        <dgm:cxn modelId="3" srcId="0" destId="1" srcOrd="0" destOrd="0"/>
-        <dgm:cxn modelId="4" srcId="0" destId="2" srcOrd="1" destOrd="0"/>
-      </dgm:cxnLst>
-      <dgm:bg/>
-      <dgm:whole/>
-    </dgm:dataModel>
-  </dgm:styleData>
-  <dgm:clrData>
-    <dgm:dataModel>
-      <dgm:ptLst>
-        <dgm:pt modelId="0" type="doc"/>
-        <dgm:pt modelId="1"/>
-        <dgm:pt modelId="2"/>
-        <dgm:pt modelId="3"/>
-        <dgm:pt modelId="4"/>
-      </dgm:ptLst>
-      <dgm:cxnLst>
-        <dgm:cxn modelId="5" srcId="0" destId="1" srcOrd="0" destOrd="0"/>
-        <dgm:cxn modelId="6" srcId="0" destId="2" srcOrd="1" destOrd="0"/>
-        <dgm:cxn modelId="7" srcId="0" destId="3" srcOrd="2" destOrd="0"/>
-        <dgm:cxn modelId="8" srcId="0" destId="4" srcOrd="3" destOrd="0"/>
-      </dgm:cxnLst>
-      <dgm:bg/>
-      <dgm:whole/>
-    </dgm:dataModel>
-  </dgm:clrData>
-  <dgm:layoutNode name="linear">
-    <dgm:varLst>
-      <dgm:animLvl val="lvl"/>
-      <dgm:resizeHandles val="exact"/>
-    </dgm:varLst>
-    <dgm:alg type="lin">
-      <dgm:param type="linDir" val="fromT"/>
-      <dgm:param type="vertAlign" val="mid"/>
-    </dgm:alg>
-    <dgm:shape xmlns:r="http://schemas.openxmlformats.org/officeDocument/2006/relationships" r:blip="">
-      <dgm:adjLst/>
-    </dgm:shape>
-    <dgm:presOf/>
-    <dgm:constrLst>
-      <dgm:constr type="w" for="ch" forName="parentText" refType="w"/>
-      <dgm:constr type="h" for="ch" forName="parentText" refType="primFontSz" refFor="ch" refForName="parentText" fact="0.52"/>
-      <dgm:constr type="w" for="ch" forName="childText" refType="w"/>
-      <dgm:constr type="h" for="ch" forName="childText" refType="primFontSz" refFor="ch" refForName="parentText" fact="0.46"/>
-      <dgm:constr type="h" for="ch" forName="parentText" op="equ"/>
-      <dgm:constr type="primFontSz" for="ch" forName="parentText" op="equ" val="65"/>
-      <dgm:constr type="primFontSz" for="ch" forName="childText" refType="primFontSz" refFor="ch" refForName="parentText" op="equ"/>
-      <dgm:constr type="h" for="ch" forName="spacer" refType="primFontSz" refFor="ch" refForName="parentText" fact="0.08"/>
-    </dgm:constrLst>
-    <dgm:ruleLst>
-      <dgm:rule type="primFontSz" for="ch" forName="parentText" val="5" fact="NaN" max="NaN"/>
-    </dgm:ruleLst>
-    <dgm:forEach name="Name0" axis="ch" ptType="node">
-      <dgm:layoutNode name="parentText" styleLbl="node1">
-        <dgm:varLst>
-          <dgm:chMax val="0"/>
-          <dgm:bulletEnabled val="1"/>
-        </dgm:varLst>
-        <dgm:alg type="tx">
-          <dgm:param type="parTxLTRAlign" val="l"/>
-          <dgm:param type="parTxRTLAlign" val="r"/>
-        </dgm:alg>
-        <dgm:shape xmlns:r="http://schemas.openxmlformats.org/officeDocument/2006/relationships" type="roundRect" r:blip="">
-          <dgm:adjLst/>
-        </dgm:shape>
-        <dgm:presOf axis="self"/>
-        <dgm:constrLst>
-          <dgm:constr type="tMarg" refType="primFontSz" fact="0.3"/>
-          <dgm:constr type="bMarg" refType="primFontSz" fact="0.3"/>
-          <dgm:constr type="lMarg" refType="primFontSz" fact="0.3"/>
-          <dgm:constr type="rMarg" refType="primFontSz" fact="0.3"/>
-        </dgm:constrLst>
-        <dgm:ruleLst>
-          <dgm:rule type="h" val="INF" fact="NaN" max="NaN"/>
-        </dgm:ruleLst>
-      </dgm:layoutNode>
-      <dgm:choose name="Name1">
-        <dgm:if name="Name2" axis="ch" ptType="node" func="cnt" op="gte" val="1">
-          <dgm:layoutNode name="childText" styleLbl="revTx">
-            <dgm:varLst>
-              <dgm:bulletEnabled val="1"/>
-            </dgm:varLst>
-            <dgm:alg type="tx">
-              <dgm:param type="stBulletLvl" val="1"/>
-              <dgm:param type="lnSpAfChP" val="20"/>
-            </dgm:alg>
-            <dgm:shape xmlns:r="http://schemas.openxmlformats.org/officeDocument/2006/relationships" type="rect" r:blip="">
-              <dgm:adjLst/>
-            </dgm:shape>
-            <dgm:presOf axis="des" ptType="node"/>
-            <dgm:constrLst>
-              <dgm:constr type="tMarg" refType="primFontSz" fact="0.1"/>
-              <dgm:constr type="bMarg" refType="primFontSz" fact="0.1"/>
-              <dgm:constr type="lMarg" refType="w" fact="0.09"/>
-            </dgm:constrLst>
-            <dgm:ruleLst>
-              <dgm:rule type="h" val="INF" fact="NaN" max="NaN"/>
-            </dgm:ruleLst>
-          </dgm:layoutNode>
-        </dgm:if>
-        <dgm:else name="Name3">
-          <dgm:choose name="Name4">
-            <dgm:if name="Name5" axis="par ch" ptType="doc node" func="cnt" op="gte" val="2">
-              <dgm:forEach name="Name6" axis="followSib" ptType="sibTrans" cnt="1">
-                <dgm:layoutNode name="spacer">
-                  <dgm:alg type="sp"/>
-                  <dgm:shape xmlns:r="http://schemas.openxmlformats.org/officeDocument/2006/relationships" r:blip="">
-                    <dgm:adjLst/>
-                  </dgm:shape>
-                  <dgm:presOf/>
-                  <dgm:constrLst/>
-                  <dgm:ruleLst/>
-                </dgm:layoutNode>
-              </dgm:forEach>
-            </dgm:if>
-            <dgm:else name="Name7"/>
-          </dgm:choose>
-        </dgm:else>
-      </dgm:choose>
-    </dgm:forEach>
-  </dgm:layoutNode>
-</dgm:layoutDef>
-</file>
-
-<file path=ppt/diagrams/layout5.xml><?xml version="1.0" encoding="utf-8"?>
 <dgm:layoutDef xmlns:dgm="http://schemas.openxmlformats.org/drawingml/2006/diagram" xmlns:a="http://schemas.openxmlformats.org/drawingml/2006/main" uniqueId="urn:microsoft.com/office/officeart/2018/5/layout/IconCircleLabelList">
   <dgm:title val="Icon Circle Label List"/>
   <dgm:desc val="Use to show non-sequential or grouped chunks of information accompanied by a related visuals. Works best with icons or small pictures with short text captions."/>
@@ -10093,6 +8359,1040 @@
 </file>
 
 <file path=ppt/diagrams/quickStyle2.xml><?xml version="1.0" encoding="utf-8"?>
+<dgm:styleDef xmlns:dgm="http://schemas.openxmlformats.org/drawingml/2006/diagram" xmlns:a="http://schemas.openxmlformats.org/drawingml/2006/main" uniqueId="urn:microsoft.com/office/officeart/2005/8/quickstyle/simple4">
+  <dgm:title val=""/>
+  <dgm:desc val=""/>
+  <dgm:catLst>
+    <dgm:cat type="simple" pri="10400"/>
+  </dgm:catLst>
+  <dgm:scene3d>
+    <a:camera prst="orthographicFront"/>
+    <a:lightRig rig="threePt" dir="t"/>
+  </dgm:scene3d>
+  <dgm:styleLbl name="node0">
+    <dgm:scene3d>
+      <a:camera prst="orthographicFront"/>
+      <a:lightRig rig="threePt" dir="t"/>
+    </dgm:scene3d>
+    <dgm:sp3d/>
+    <dgm:txPr/>
+    <dgm:style>
+      <a:lnRef idx="0">
+        <a:scrgbClr r="0" g="0" b="0"/>
+      </a:lnRef>
+      <a:fillRef idx="3">
+        <a:scrgbClr r="0" g="0" b="0"/>
+      </a:fillRef>
+      <a:effectRef idx="2">
+        <a:scrgbClr r="0" g="0" b="0"/>
+      </a:effectRef>
+      <a:fontRef idx="minor">
+        <a:schemeClr val="lt1"/>
+      </a:fontRef>
+    </dgm:style>
+  </dgm:styleLbl>
+  <dgm:styleLbl name="lnNode1">
+    <dgm:scene3d>
+      <a:camera prst="orthographicFront"/>
+      <a:lightRig rig="threePt" dir="t"/>
+    </dgm:scene3d>
+    <dgm:sp3d/>
+    <dgm:txPr/>
+    <dgm:style>
+      <a:lnRef idx="1">
+        <a:scrgbClr r="0" g="0" b="0"/>
+      </a:lnRef>
+      <a:fillRef idx="3">
+        <a:scrgbClr r="0" g="0" b="0"/>
+      </a:fillRef>
+      <a:effectRef idx="2">
+        <a:scrgbClr r="0" g="0" b="0"/>
+      </a:effectRef>
+      <a:fontRef idx="minor">
+        <a:schemeClr val="lt1"/>
+      </a:fontRef>
+    </dgm:style>
+  </dgm:styleLbl>
+  <dgm:styleLbl name="vennNode1">
+    <dgm:scene3d>
+      <a:camera prst="orthographicFront"/>
+      <a:lightRig rig="threePt" dir="t"/>
+    </dgm:scene3d>
+    <dgm:sp3d/>
+    <dgm:txPr/>
+    <dgm:style>
+      <a:lnRef idx="0">
+        <a:scrgbClr r="0" g="0" b="0"/>
+      </a:lnRef>
+      <a:fillRef idx="3">
+        <a:scrgbClr r="0" g="0" b="0"/>
+      </a:fillRef>
+      <a:effectRef idx="0">
+        <a:scrgbClr r="0" g="0" b="0"/>
+      </a:effectRef>
+      <a:fontRef idx="minor">
+        <a:schemeClr val="tx1"/>
+      </a:fontRef>
+    </dgm:style>
+  </dgm:styleLbl>
+  <dgm:styleLbl name="alignNode1">
+    <dgm:scene3d>
+      <a:camera prst="orthographicFront"/>
+      <a:lightRig rig="threePt" dir="t"/>
+    </dgm:scene3d>
+    <dgm:sp3d/>
+    <dgm:txPr/>
+    <dgm:style>
+      <a:lnRef idx="1">
+        <a:scrgbClr r="0" g="0" b="0"/>
+      </a:lnRef>
+      <a:fillRef idx="3">
+        <a:scrgbClr r="0" g="0" b="0"/>
+      </a:fillRef>
+      <a:effectRef idx="2">
+        <a:scrgbClr r="0" g="0" b="0"/>
+      </a:effectRef>
+      <a:fontRef idx="minor">
+        <a:schemeClr val="lt1"/>
+      </a:fontRef>
+    </dgm:style>
+  </dgm:styleLbl>
+  <dgm:styleLbl name="node1">
+    <dgm:scene3d>
+      <a:camera prst="orthographicFront"/>
+      <a:lightRig rig="threePt" dir="t"/>
+    </dgm:scene3d>
+    <dgm:sp3d/>
+    <dgm:txPr/>
+    <dgm:style>
+      <a:lnRef idx="0">
+        <a:scrgbClr r="0" g="0" b="0"/>
+      </a:lnRef>
+      <a:fillRef idx="3">
+        <a:scrgbClr r="0" g="0" b="0"/>
+      </a:fillRef>
+      <a:effectRef idx="2">
+        <a:scrgbClr r="0" g="0" b="0"/>
+      </a:effectRef>
+      <a:fontRef idx="minor">
+        <a:schemeClr val="lt1"/>
+      </a:fontRef>
+    </dgm:style>
+  </dgm:styleLbl>
+  <dgm:styleLbl name="node2">
+    <dgm:scene3d>
+      <a:camera prst="orthographicFront"/>
+      <a:lightRig rig="threePt" dir="t"/>
+    </dgm:scene3d>
+    <dgm:sp3d/>
+    <dgm:txPr/>
+    <dgm:style>
+      <a:lnRef idx="0">
+        <a:scrgbClr r="0" g="0" b="0"/>
+      </a:lnRef>
+      <a:fillRef idx="3">
+        <a:scrgbClr r="0" g="0" b="0"/>
+      </a:fillRef>
+      <a:effectRef idx="2">
+        <a:scrgbClr r="0" g="0" b="0"/>
+      </a:effectRef>
+      <a:fontRef idx="minor">
+        <a:schemeClr val="lt1"/>
+      </a:fontRef>
+    </dgm:style>
+  </dgm:styleLbl>
+  <dgm:styleLbl name="node3">
+    <dgm:scene3d>
+      <a:camera prst="orthographicFront"/>
+      <a:lightRig rig="threePt" dir="t"/>
+    </dgm:scene3d>
+    <dgm:sp3d/>
+    <dgm:txPr/>
+    <dgm:style>
+      <a:lnRef idx="0">
+        <a:scrgbClr r="0" g="0" b="0"/>
+      </a:lnRef>
+      <a:fillRef idx="3">
+        <a:scrgbClr r="0" g="0" b="0"/>
+      </a:fillRef>
+      <a:effectRef idx="2">
+        <a:scrgbClr r="0" g="0" b="0"/>
+      </a:effectRef>
+      <a:fontRef idx="minor">
+        <a:schemeClr val="lt1"/>
+      </a:fontRef>
+    </dgm:style>
+  </dgm:styleLbl>
+  <dgm:styleLbl name="node4">
+    <dgm:scene3d>
+      <a:camera prst="orthographicFront"/>
+      <a:lightRig rig="threePt" dir="t"/>
+    </dgm:scene3d>
+    <dgm:sp3d/>
+    <dgm:txPr/>
+    <dgm:style>
+      <a:lnRef idx="0">
+        <a:scrgbClr r="0" g="0" b="0"/>
+      </a:lnRef>
+      <a:fillRef idx="3">
+        <a:scrgbClr r="0" g="0" b="0"/>
+      </a:fillRef>
+      <a:effectRef idx="2">
+        <a:scrgbClr r="0" g="0" b="0"/>
+      </a:effectRef>
+      <a:fontRef idx="minor">
+        <a:schemeClr val="lt1"/>
+      </a:fontRef>
+    </dgm:style>
+  </dgm:styleLbl>
+  <dgm:styleLbl name="fgImgPlace1">
+    <dgm:scene3d>
+      <a:camera prst="orthographicFront"/>
+      <a:lightRig rig="threePt" dir="t"/>
+    </dgm:scene3d>
+    <dgm:sp3d/>
+    <dgm:txPr/>
+    <dgm:style>
+      <a:lnRef idx="0">
+        <a:scrgbClr r="0" g="0" b="0"/>
+      </a:lnRef>
+      <a:fillRef idx="1">
+        <a:scrgbClr r="0" g="0" b="0"/>
+      </a:fillRef>
+      <a:effectRef idx="2">
+        <a:scrgbClr r="0" g="0" b="0"/>
+      </a:effectRef>
+      <a:fontRef idx="minor"/>
+    </dgm:style>
+  </dgm:styleLbl>
+  <dgm:styleLbl name="alignImgPlace1">
+    <dgm:scene3d>
+      <a:camera prst="orthographicFront"/>
+      <a:lightRig rig="threePt" dir="t"/>
+    </dgm:scene3d>
+    <dgm:sp3d/>
+    <dgm:txPr/>
+    <dgm:style>
+      <a:lnRef idx="0">
+        <a:scrgbClr r="0" g="0" b="0"/>
+      </a:lnRef>
+      <a:fillRef idx="1">
+        <a:scrgbClr r="0" g="0" b="0"/>
+      </a:fillRef>
+      <a:effectRef idx="2">
+        <a:scrgbClr r="0" g="0" b="0"/>
+      </a:effectRef>
+      <a:fontRef idx="minor"/>
+    </dgm:style>
+  </dgm:styleLbl>
+  <dgm:styleLbl name="bgImgPlace1">
+    <dgm:scene3d>
+      <a:camera prst="orthographicFront"/>
+      <a:lightRig rig="threePt" dir="t"/>
+    </dgm:scene3d>
+    <dgm:sp3d/>
+    <dgm:txPr/>
+    <dgm:style>
+      <a:lnRef idx="0">
+        <a:scrgbClr r="0" g="0" b="0"/>
+      </a:lnRef>
+      <a:fillRef idx="1">
+        <a:scrgbClr r="0" g="0" b="0"/>
+      </a:fillRef>
+      <a:effectRef idx="2">
+        <a:scrgbClr r="0" g="0" b="0"/>
+      </a:effectRef>
+      <a:fontRef idx="minor"/>
+    </dgm:style>
+  </dgm:styleLbl>
+  <dgm:styleLbl name="sibTrans2D1">
+    <dgm:scene3d>
+      <a:camera prst="orthographicFront"/>
+      <a:lightRig rig="threePt" dir="t"/>
+    </dgm:scene3d>
+    <dgm:sp3d/>
+    <dgm:txPr/>
+    <dgm:style>
+      <a:lnRef idx="0">
+        <a:scrgbClr r="0" g="0" b="0"/>
+      </a:lnRef>
+      <a:fillRef idx="3">
+        <a:scrgbClr r="0" g="0" b="0"/>
+      </a:fillRef>
+      <a:effectRef idx="2">
+        <a:scrgbClr r="0" g="0" b="0"/>
+      </a:effectRef>
+      <a:fontRef idx="minor">
+        <a:schemeClr val="lt1"/>
+      </a:fontRef>
+    </dgm:style>
+  </dgm:styleLbl>
+  <dgm:styleLbl name="fgSibTrans2D1">
+    <dgm:scene3d>
+      <a:camera prst="orthographicFront"/>
+      <a:lightRig rig="threePt" dir="t"/>
+    </dgm:scene3d>
+    <dgm:sp3d/>
+    <dgm:txPr/>
+    <dgm:style>
+      <a:lnRef idx="0">
+        <a:scrgbClr r="0" g="0" b="0"/>
+      </a:lnRef>
+      <a:fillRef idx="3">
+        <a:scrgbClr r="0" g="0" b="0"/>
+      </a:fillRef>
+      <a:effectRef idx="2">
+        <a:scrgbClr r="0" g="0" b="0"/>
+      </a:effectRef>
+      <a:fontRef idx="minor">
+        <a:schemeClr val="lt1"/>
+      </a:fontRef>
+    </dgm:style>
+  </dgm:styleLbl>
+  <dgm:styleLbl name="bgSibTrans2D1">
+    <dgm:scene3d>
+      <a:camera prst="orthographicFront"/>
+      <a:lightRig rig="threePt" dir="t"/>
+    </dgm:scene3d>
+    <dgm:sp3d/>
+    <dgm:txPr/>
+    <dgm:style>
+      <a:lnRef idx="0">
+        <a:scrgbClr r="0" g="0" b="0"/>
+      </a:lnRef>
+      <a:fillRef idx="3">
+        <a:scrgbClr r="0" g="0" b="0"/>
+      </a:fillRef>
+      <a:effectRef idx="2">
+        <a:scrgbClr r="0" g="0" b="0"/>
+      </a:effectRef>
+      <a:fontRef idx="minor">
+        <a:schemeClr val="lt1"/>
+      </a:fontRef>
+    </dgm:style>
+  </dgm:styleLbl>
+  <dgm:styleLbl name="sibTrans1D1">
+    <dgm:scene3d>
+      <a:camera prst="orthographicFront"/>
+      <a:lightRig rig="threePt" dir="t"/>
+    </dgm:scene3d>
+    <dgm:sp3d/>
+    <dgm:txPr/>
+    <dgm:style>
+      <a:lnRef idx="1">
+        <a:scrgbClr r="0" g="0" b="0"/>
+      </a:lnRef>
+      <a:fillRef idx="0">
+        <a:scrgbClr r="0" g="0" b="0"/>
+      </a:fillRef>
+      <a:effectRef idx="0">
+        <a:scrgbClr r="0" g="0" b="0"/>
+      </a:effectRef>
+      <a:fontRef idx="minor"/>
+    </dgm:style>
+  </dgm:styleLbl>
+  <dgm:styleLbl name="callout">
+    <dgm:scene3d>
+      <a:camera prst="orthographicFront"/>
+      <a:lightRig rig="threePt" dir="t"/>
+    </dgm:scene3d>
+    <dgm:sp3d/>
+    <dgm:txPr/>
+    <dgm:style>
+      <a:lnRef idx="2">
+        <a:scrgbClr r="0" g="0" b="0"/>
+      </a:lnRef>
+      <a:fillRef idx="1">
+        <a:scrgbClr r="0" g="0" b="0"/>
+      </a:fillRef>
+      <a:effectRef idx="1">
+        <a:scrgbClr r="0" g="0" b="0"/>
+      </a:effectRef>
+      <a:fontRef idx="minor"/>
+    </dgm:style>
+  </dgm:styleLbl>
+  <dgm:styleLbl name="asst0">
+    <dgm:scene3d>
+      <a:camera prst="orthographicFront"/>
+      <a:lightRig rig="threePt" dir="t"/>
+    </dgm:scene3d>
+    <dgm:sp3d/>
+    <dgm:txPr/>
+    <dgm:style>
+      <a:lnRef idx="0">
+        <a:scrgbClr r="0" g="0" b="0"/>
+      </a:lnRef>
+      <a:fillRef idx="3">
+        <a:scrgbClr r="0" g="0" b="0"/>
+      </a:fillRef>
+      <a:effectRef idx="2">
+        <a:scrgbClr r="0" g="0" b="0"/>
+      </a:effectRef>
+      <a:fontRef idx="minor">
+        <a:schemeClr val="lt1"/>
+      </a:fontRef>
+    </dgm:style>
+  </dgm:styleLbl>
+  <dgm:styleLbl name="asst1">
+    <dgm:scene3d>
+      <a:camera prst="orthographicFront"/>
+      <a:lightRig rig="threePt" dir="t"/>
+    </dgm:scene3d>
+    <dgm:sp3d/>
+    <dgm:txPr/>
+    <dgm:style>
+      <a:lnRef idx="0">
+        <a:scrgbClr r="0" g="0" b="0"/>
+      </a:lnRef>
+      <a:fillRef idx="3">
+        <a:scrgbClr r="0" g="0" b="0"/>
+      </a:fillRef>
+      <a:effectRef idx="2">
+        <a:scrgbClr r="0" g="0" b="0"/>
+      </a:effectRef>
+      <a:fontRef idx="minor">
+        <a:schemeClr val="lt1"/>
+      </a:fontRef>
+    </dgm:style>
+  </dgm:styleLbl>
+  <dgm:styleLbl name="asst2">
+    <dgm:scene3d>
+      <a:camera prst="orthographicFront"/>
+      <a:lightRig rig="threePt" dir="t"/>
+    </dgm:scene3d>
+    <dgm:sp3d/>
+    <dgm:txPr/>
+    <dgm:style>
+      <a:lnRef idx="0">
+        <a:scrgbClr r="0" g="0" b="0"/>
+      </a:lnRef>
+      <a:fillRef idx="3">
+        <a:scrgbClr r="0" g="0" b="0"/>
+      </a:fillRef>
+      <a:effectRef idx="2">
+        <a:scrgbClr r="0" g="0" b="0"/>
+      </a:effectRef>
+      <a:fontRef idx="minor">
+        <a:schemeClr val="lt1"/>
+      </a:fontRef>
+    </dgm:style>
+  </dgm:styleLbl>
+  <dgm:styleLbl name="asst3">
+    <dgm:scene3d>
+      <a:camera prst="orthographicFront"/>
+      <a:lightRig rig="threePt" dir="t"/>
+    </dgm:scene3d>
+    <dgm:sp3d/>
+    <dgm:txPr/>
+    <dgm:style>
+      <a:lnRef idx="0">
+        <a:scrgbClr r="0" g="0" b="0"/>
+      </a:lnRef>
+      <a:fillRef idx="3">
+        <a:scrgbClr r="0" g="0" b="0"/>
+      </a:fillRef>
+      <a:effectRef idx="2">
+        <a:scrgbClr r="0" g="0" b="0"/>
+      </a:effectRef>
+      <a:fontRef idx="minor">
+        <a:schemeClr val="lt1"/>
+      </a:fontRef>
+    </dgm:style>
+  </dgm:styleLbl>
+  <dgm:styleLbl name="asst4">
+    <dgm:scene3d>
+      <a:camera prst="orthographicFront"/>
+      <a:lightRig rig="threePt" dir="t"/>
+    </dgm:scene3d>
+    <dgm:sp3d/>
+    <dgm:txPr/>
+    <dgm:style>
+      <a:lnRef idx="0">
+        <a:scrgbClr r="0" g="0" b="0"/>
+      </a:lnRef>
+      <a:fillRef idx="3">
+        <a:scrgbClr r="0" g="0" b="0"/>
+      </a:fillRef>
+      <a:effectRef idx="2">
+        <a:scrgbClr r="0" g="0" b="0"/>
+      </a:effectRef>
+      <a:fontRef idx="minor">
+        <a:schemeClr val="lt1"/>
+      </a:fontRef>
+    </dgm:style>
+  </dgm:styleLbl>
+  <dgm:styleLbl name="parChTrans2D1">
+    <dgm:scene3d>
+      <a:camera prst="orthographicFront"/>
+      <a:lightRig rig="threePt" dir="t"/>
+    </dgm:scene3d>
+    <dgm:sp3d/>
+    <dgm:txPr/>
+    <dgm:style>
+      <a:lnRef idx="0">
+        <a:scrgbClr r="0" g="0" b="0"/>
+      </a:lnRef>
+      <a:fillRef idx="3">
+        <a:scrgbClr r="0" g="0" b="0"/>
+      </a:fillRef>
+      <a:effectRef idx="2">
+        <a:scrgbClr r="0" g="0" b="0"/>
+      </a:effectRef>
+      <a:fontRef idx="minor">
+        <a:schemeClr val="lt1"/>
+      </a:fontRef>
+    </dgm:style>
+  </dgm:styleLbl>
+  <dgm:styleLbl name="parChTrans2D2">
+    <dgm:scene3d>
+      <a:camera prst="orthographicFront"/>
+      <a:lightRig rig="threePt" dir="t"/>
+    </dgm:scene3d>
+    <dgm:sp3d/>
+    <dgm:txPr/>
+    <dgm:style>
+      <a:lnRef idx="0">
+        <a:scrgbClr r="0" g="0" b="0"/>
+      </a:lnRef>
+      <a:fillRef idx="3">
+        <a:scrgbClr r="0" g="0" b="0"/>
+      </a:fillRef>
+      <a:effectRef idx="2">
+        <a:scrgbClr r="0" g="0" b="0"/>
+      </a:effectRef>
+      <a:fontRef idx="minor">
+        <a:schemeClr val="lt1"/>
+      </a:fontRef>
+    </dgm:style>
+  </dgm:styleLbl>
+  <dgm:styleLbl name="parChTrans2D3">
+    <dgm:scene3d>
+      <a:camera prst="orthographicFront"/>
+      <a:lightRig rig="threePt" dir="t"/>
+    </dgm:scene3d>
+    <dgm:sp3d/>
+    <dgm:txPr/>
+    <dgm:style>
+      <a:lnRef idx="1">
+        <a:scrgbClr r="0" g="0" b="0"/>
+      </a:lnRef>
+      <a:fillRef idx="3">
+        <a:scrgbClr r="0" g="0" b="0"/>
+      </a:fillRef>
+      <a:effectRef idx="2">
+        <a:scrgbClr r="0" g="0" b="0"/>
+      </a:effectRef>
+      <a:fontRef idx="minor">
+        <a:schemeClr val="lt1"/>
+      </a:fontRef>
+    </dgm:style>
+  </dgm:styleLbl>
+  <dgm:styleLbl name="parChTrans2D4">
+    <dgm:scene3d>
+      <a:camera prst="orthographicFront"/>
+      <a:lightRig rig="threePt" dir="t"/>
+    </dgm:scene3d>
+    <dgm:sp3d/>
+    <dgm:txPr/>
+    <dgm:style>
+      <a:lnRef idx="1">
+        <a:scrgbClr r="0" g="0" b="0"/>
+      </a:lnRef>
+      <a:fillRef idx="3">
+        <a:scrgbClr r="0" g="0" b="0"/>
+      </a:fillRef>
+      <a:effectRef idx="2">
+        <a:scrgbClr r="0" g="0" b="0"/>
+      </a:effectRef>
+      <a:fontRef idx="minor">
+        <a:schemeClr val="lt1"/>
+      </a:fontRef>
+    </dgm:style>
+  </dgm:styleLbl>
+  <dgm:styleLbl name="parChTrans1D1">
+    <dgm:scene3d>
+      <a:camera prst="orthographicFront"/>
+      <a:lightRig rig="threePt" dir="t"/>
+    </dgm:scene3d>
+    <dgm:sp3d/>
+    <dgm:txPr/>
+    <dgm:style>
+      <a:lnRef idx="1">
+        <a:scrgbClr r="0" g="0" b="0"/>
+      </a:lnRef>
+      <a:fillRef idx="0">
+        <a:scrgbClr r="0" g="0" b="0"/>
+      </a:fillRef>
+      <a:effectRef idx="0">
+        <a:scrgbClr r="0" g="0" b="0"/>
+      </a:effectRef>
+      <a:fontRef idx="minor"/>
+    </dgm:style>
+  </dgm:styleLbl>
+  <dgm:styleLbl name="parChTrans1D2">
+    <dgm:scene3d>
+      <a:camera prst="orthographicFront"/>
+      <a:lightRig rig="threePt" dir="t"/>
+    </dgm:scene3d>
+    <dgm:sp3d/>
+    <dgm:txPr/>
+    <dgm:style>
+      <a:lnRef idx="1">
+        <a:scrgbClr r="0" g="0" b="0"/>
+      </a:lnRef>
+      <a:fillRef idx="0">
+        <a:scrgbClr r="0" g="0" b="0"/>
+      </a:fillRef>
+      <a:effectRef idx="0">
+        <a:scrgbClr r="0" g="0" b="0"/>
+      </a:effectRef>
+      <a:fontRef idx="minor"/>
+    </dgm:style>
+  </dgm:styleLbl>
+  <dgm:styleLbl name="parChTrans1D3">
+    <dgm:scene3d>
+      <a:camera prst="orthographicFront"/>
+      <a:lightRig rig="threePt" dir="t"/>
+    </dgm:scene3d>
+    <dgm:sp3d/>
+    <dgm:txPr/>
+    <dgm:style>
+      <a:lnRef idx="1">
+        <a:scrgbClr r="0" g="0" b="0"/>
+      </a:lnRef>
+      <a:fillRef idx="0">
+        <a:scrgbClr r="0" g="0" b="0"/>
+      </a:fillRef>
+      <a:effectRef idx="0">
+        <a:scrgbClr r="0" g="0" b="0"/>
+      </a:effectRef>
+      <a:fontRef idx="minor"/>
+    </dgm:style>
+  </dgm:styleLbl>
+  <dgm:styleLbl name="parChTrans1D4">
+    <dgm:scene3d>
+      <a:camera prst="orthographicFront"/>
+      <a:lightRig rig="threePt" dir="t"/>
+    </dgm:scene3d>
+    <dgm:sp3d/>
+    <dgm:txPr/>
+    <dgm:style>
+      <a:lnRef idx="1">
+        <a:scrgbClr r="0" g="0" b="0"/>
+      </a:lnRef>
+      <a:fillRef idx="0">
+        <a:scrgbClr r="0" g="0" b="0"/>
+      </a:fillRef>
+      <a:effectRef idx="0">
+        <a:scrgbClr r="0" g="0" b="0"/>
+      </a:effectRef>
+      <a:fontRef idx="minor"/>
+    </dgm:style>
+  </dgm:styleLbl>
+  <dgm:styleLbl name="fgAcc1">
+    <dgm:scene3d>
+      <a:camera prst="orthographicFront"/>
+      <a:lightRig rig="threePt" dir="t"/>
+    </dgm:scene3d>
+    <dgm:sp3d/>
+    <dgm:txPr/>
+    <dgm:style>
+      <a:lnRef idx="1">
+        <a:scrgbClr r="0" g="0" b="0"/>
+      </a:lnRef>
+      <a:fillRef idx="1">
+        <a:scrgbClr r="0" g="0" b="0"/>
+      </a:fillRef>
+      <a:effectRef idx="0">
+        <a:scrgbClr r="0" g="0" b="0"/>
+      </a:effectRef>
+      <a:fontRef idx="minor"/>
+    </dgm:style>
+  </dgm:styleLbl>
+  <dgm:styleLbl name="conFgAcc1">
+    <dgm:scene3d>
+      <a:camera prst="orthographicFront"/>
+      <a:lightRig rig="threePt" dir="t"/>
+    </dgm:scene3d>
+    <dgm:sp3d/>
+    <dgm:txPr/>
+    <dgm:style>
+      <a:lnRef idx="1">
+        <a:scrgbClr r="0" g="0" b="0"/>
+      </a:lnRef>
+      <a:fillRef idx="1">
+        <a:scrgbClr r="0" g="0" b="0"/>
+      </a:fillRef>
+      <a:effectRef idx="0">
+        <a:scrgbClr r="0" g="0" b="0"/>
+      </a:effectRef>
+      <a:fontRef idx="minor"/>
+    </dgm:style>
+  </dgm:styleLbl>
+  <dgm:styleLbl name="alignAcc1">
+    <dgm:scene3d>
+      <a:camera prst="orthographicFront"/>
+      <a:lightRig rig="threePt" dir="t"/>
+    </dgm:scene3d>
+    <dgm:sp3d/>
+    <dgm:txPr/>
+    <dgm:style>
+      <a:lnRef idx="1">
+        <a:scrgbClr r="0" g="0" b="0"/>
+      </a:lnRef>
+      <a:fillRef idx="1">
+        <a:scrgbClr r="0" g="0" b="0"/>
+      </a:fillRef>
+      <a:effectRef idx="0">
+        <a:scrgbClr r="0" g="0" b="0"/>
+      </a:effectRef>
+      <a:fontRef idx="minor"/>
+    </dgm:style>
+  </dgm:styleLbl>
+  <dgm:styleLbl name="trAlignAcc1">
+    <dgm:scene3d>
+      <a:camera prst="orthographicFront"/>
+      <a:lightRig rig="threePt" dir="t"/>
+    </dgm:scene3d>
+    <dgm:sp3d/>
+    <dgm:txPr/>
+    <dgm:style>
+      <a:lnRef idx="1">
+        <a:scrgbClr r="0" g="0" b="0"/>
+      </a:lnRef>
+      <a:fillRef idx="1">
+        <a:scrgbClr r="0" g="0" b="0"/>
+      </a:fillRef>
+      <a:effectRef idx="0">
+        <a:scrgbClr r="0" g="0" b="0"/>
+      </a:effectRef>
+      <a:fontRef idx="minor"/>
+    </dgm:style>
+  </dgm:styleLbl>
+  <dgm:styleLbl name="bgAcc1">
+    <dgm:scene3d>
+      <a:camera prst="orthographicFront"/>
+      <a:lightRig rig="threePt" dir="t"/>
+    </dgm:scene3d>
+    <dgm:sp3d/>
+    <dgm:txPr/>
+    <dgm:style>
+      <a:lnRef idx="1">
+        <a:scrgbClr r="0" g="0" b="0"/>
+      </a:lnRef>
+      <a:fillRef idx="1">
+        <a:scrgbClr r="0" g="0" b="0"/>
+      </a:fillRef>
+      <a:effectRef idx="0">
+        <a:scrgbClr r="0" g="0" b="0"/>
+      </a:effectRef>
+      <a:fontRef idx="minor"/>
+    </dgm:style>
+  </dgm:styleLbl>
+  <dgm:styleLbl name="solidFgAcc1">
+    <dgm:scene3d>
+      <a:camera prst="orthographicFront"/>
+      <a:lightRig rig="threePt" dir="t"/>
+    </dgm:scene3d>
+    <dgm:sp3d/>
+    <dgm:txPr/>
+    <dgm:style>
+      <a:lnRef idx="1">
+        <a:scrgbClr r="0" g="0" b="0"/>
+      </a:lnRef>
+      <a:fillRef idx="1">
+        <a:scrgbClr r="0" g="0" b="0"/>
+      </a:fillRef>
+      <a:effectRef idx="0">
+        <a:scrgbClr r="0" g="0" b="0"/>
+      </a:effectRef>
+      <a:fontRef idx="minor"/>
+    </dgm:style>
+  </dgm:styleLbl>
+  <dgm:styleLbl name="solidAlignAcc1">
+    <dgm:scene3d>
+      <a:camera prst="orthographicFront"/>
+      <a:lightRig rig="threePt" dir="t"/>
+    </dgm:scene3d>
+    <dgm:sp3d/>
+    <dgm:txPr/>
+    <dgm:style>
+      <a:lnRef idx="1">
+        <a:scrgbClr r="0" g="0" b="0"/>
+      </a:lnRef>
+      <a:fillRef idx="1">
+        <a:scrgbClr r="0" g="0" b="0"/>
+      </a:fillRef>
+      <a:effectRef idx="0">
+        <a:scrgbClr r="0" g="0" b="0"/>
+      </a:effectRef>
+      <a:fontRef idx="minor"/>
+    </dgm:style>
+  </dgm:styleLbl>
+  <dgm:styleLbl name="solidBgAcc1">
+    <dgm:scene3d>
+      <a:camera prst="orthographicFront"/>
+      <a:lightRig rig="threePt" dir="t"/>
+    </dgm:scene3d>
+    <dgm:sp3d/>
+    <dgm:txPr/>
+    <dgm:style>
+      <a:lnRef idx="1">
+        <a:scrgbClr r="0" g="0" b="0"/>
+      </a:lnRef>
+      <a:fillRef idx="1">
+        <a:scrgbClr r="0" g="0" b="0"/>
+      </a:fillRef>
+      <a:effectRef idx="0">
+        <a:scrgbClr r="0" g="0" b="0"/>
+      </a:effectRef>
+      <a:fontRef idx="minor"/>
+    </dgm:style>
+  </dgm:styleLbl>
+  <dgm:styleLbl name="fgAccFollowNode1">
+    <dgm:scene3d>
+      <a:camera prst="orthographicFront"/>
+      <a:lightRig rig="threePt" dir="t"/>
+    </dgm:scene3d>
+    <dgm:sp3d/>
+    <dgm:txPr/>
+    <dgm:style>
+      <a:lnRef idx="1">
+        <a:scrgbClr r="0" g="0" b="0"/>
+      </a:lnRef>
+      <a:fillRef idx="1">
+        <a:scrgbClr r="0" g="0" b="0"/>
+      </a:fillRef>
+      <a:effectRef idx="0">
+        <a:scrgbClr r="0" g="0" b="0"/>
+      </a:effectRef>
+      <a:fontRef idx="minor"/>
+    </dgm:style>
+  </dgm:styleLbl>
+  <dgm:styleLbl name="alignAccFollowNode1">
+    <dgm:scene3d>
+      <a:camera prst="orthographicFront"/>
+      <a:lightRig rig="threePt" dir="t"/>
+    </dgm:scene3d>
+    <dgm:sp3d/>
+    <dgm:txPr/>
+    <dgm:style>
+      <a:lnRef idx="1">
+        <a:scrgbClr r="0" g="0" b="0"/>
+      </a:lnRef>
+      <a:fillRef idx="1">
+        <a:scrgbClr r="0" g="0" b="0"/>
+      </a:fillRef>
+      <a:effectRef idx="0">
+        <a:scrgbClr r="0" g="0" b="0"/>
+      </a:effectRef>
+      <a:fontRef idx="minor"/>
+    </dgm:style>
+  </dgm:styleLbl>
+  <dgm:styleLbl name="bgAccFollowNode1">
+    <dgm:scene3d>
+      <a:camera prst="orthographicFront"/>
+      <a:lightRig rig="threePt" dir="t"/>
+    </dgm:scene3d>
+    <dgm:sp3d/>
+    <dgm:txPr/>
+    <dgm:style>
+      <a:lnRef idx="1">
+        <a:scrgbClr r="0" g="0" b="0"/>
+      </a:lnRef>
+      <a:fillRef idx="1">
+        <a:scrgbClr r="0" g="0" b="0"/>
+      </a:fillRef>
+      <a:effectRef idx="0">
+        <a:scrgbClr r="0" g="0" b="0"/>
+      </a:effectRef>
+      <a:fontRef idx="minor"/>
+    </dgm:style>
+  </dgm:styleLbl>
+  <dgm:styleLbl name="fgAcc0">
+    <dgm:scene3d>
+      <a:camera prst="orthographicFront"/>
+      <a:lightRig rig="threePt" dir="t"/>
+    </dgm:scene3d>
+    <dgm:sp3d/>
+    <dgm:txPr/>
+    <dgm:style>
+      <a:lnRef idx="1">
+        <a:scrgbClr r="0" g="0" b="0"/>
+      </a:lnRef>
+      <a:fillRef idx="1">
+        <a:scrgbClr r="0" g="0" b="0"/>
+      </a:fillRef>
+      <a:effectRef idx="0">
+        <a:scrgbClr r="0" g="0" b="0"/>
+      </a:effectRef>
+      <a:fontRef idx="minor"/>
+    </dgm:style>
+  </dgm:styleLbl>
+  <dgm:styleLbl name="fgAcc2">
+    <dgm:scene3d>
+      <a:camera prst="orthographicFront"/>
+      <a:lightRig rig="threePt" dir="t"/>
+    </dgm:scene3d>
+    <dgm:sp3d/>
+    <dgm:txPr/>
+    <dgm:style>
+      <a:lnRef idx="1">
+        <a:scrgbClr r="0" g="0" b="0"/>
+      </a:lnRef>
+      <a:fillRef idx="1">
+        <a:scrgbClr r="0" g="0" b="0"/>
+      </a:fillRef>
+      <a:effectRef idx="0">
+        <a:scrgbClr r="0" g="0" b="0"/>
+      </a:effectRef>
+      <a:fontRef idx="minor"/>
+    </dgm:style>
+  </dgm:styleLbl>
+  <dgm:styleLbl name="fgAcc3">
+    <dgm:scene3d>
+      <a:camera prst="orthographicFront"/>
+      <a:lightRig rig="threePt" dir="t"/>
+    </dgm:scene3d>
+    <dgm:sp3d/>
+    <dgm:txPr/>
+    <dgm:style>
+      <a:lnRef idx="1">
+        <a:scrgbClr r="0" g="0" b="0"/>
+      </a:lnRef>
+      <a:fillRef idx="1">
+        <a:scrgbClr r="0" g="0" b="0"/>
+      </a:fillRef>
+      <a:effectRef idx="0">
+        <a:scrgbClr r="0" g="0" b="0"/>
+      </a:effectRef>
+      <a:fontRef idx="minor"/>
+    </dgm:style>
+  </dgm:styleLbl>
+  <dgm:styleLbl name="fgAcc4">
+    <dgm:scene3d>
+      <a:camera prst="orthographicFront"/>
+      <a:lightRig rig="threePt" dir="t"/>
+    </dgm:scene3d>
+    <dgm:sp3d/>
+    <dgm:txPr/>
+    <dgm:style>
+      <a:lnRef idx="1">
+        <a:scrgbClr r="0" g="0" b="0"/>
+      </a:lnRef>
+      <a:fillRef idx="1">
+        <a:scrgbClr r="0" g="0" b="0"/>
+      </a:fillRef>
+      <a:effectRef idx="0">
+        <a:scrgbClr r="0" g="0" b="0"/>
+      </a:effectRef>
+      <a:fontRef idx="minor"/>
+    </dgm:style>
+  </dgm:styleLbl>
+  <dgm:styleLbl name="bgShp">
+    <dgm:scene3d>
+      <a:camera prst="orthographicFront"/>
+      <a:lightRig rig="threePt" dir="t"/>
+    </dgm:scene3d>
+    <dgm:sp3d/>
+    <dgm:txPr/>
+    <dgm:style>
+      <a:lnRef idx="0">
+        <a:scrgbClr r="0" g="0" b="0"/>
+      </a:lnRef>
+      <a:fillRef idx="1">
+        <a:scrgbClr r="0" g="0" b="0"/>
+      </a:fillRef>
+      <a:effectRef idx="2">
+        <a:scrgbClr r="0" g="0" b="0"/>
+      </a:effectRef>
+      <a:fontRef idx="minor"/>
+    </dgm:style>
+  </dgm:styleLbl>
+  <dgm:styleLbl name="dkBgShp">
+    <dgm:scene3d>
+      <a:camera prst="orthographicFront"/>
+      <a:lightRig rig="threePt" dir="t"/>
+    </dgm:scene3d>
+    <dgm:sp3d/>
+    <dgm:txPr/>
+    <dgm:style>
+      <a:lnRef idx="0">
+        <a:scrgbClr r="0" g="0" b="0"/>
+      </a:lnRef>
+      <a:fillRef idx="1">
+        <a:scrgbClr r="0" g="0" b="0"/>
+      </a:fillRef>
+      <a:effectRef idx="2">
+        <a:scrgbClr r="0" g="0" b="0"/>
+      </a:effectRef>
+      <a:fontRef idx="minor"/>
+    </dgm:style>
+  </dgm:styleLbl>
+  <dgm:styleLbl name="trBgShp">
+    <dgm:scene3d>
+      <a:camera prst="orthographicFront"/>
+      <a:lightRig rig="threePt" dir="t"/>
+    </dgm:scene3d>
+    <dgm:sp3d/>
+    <dgm:txPr/>
+    <dgm:style>
+      <a:lnRef idx="0">
+        <a:scrgbClr r="0" g="0" b="0"/>
+      </a:lnRef>
+      <a:fillRef idx="1">
+        <a:scrgbClr r="0" g="0" b="0"/>
+      </a:fillRef>
+      <a:effectRef idx="0">
+        <a:scrgbClr r="0" g="0" b="0"/>
+      </a:effectRef>
+      <a:fontRef idx="minor"/>
+    </dgm:style>
+  </dgm:styleLbl>
+  <dgm:styleLbl name="fgShp">
+    <dgm:scene3d>
+      <a:camera prst="orthographicFront"/>
+      <a:lightRig rig="threePt" dir="t"/>
+    </dgm:scene3d>
+    <dgm:sp3d/>
+    <dgm:txPr/>
+    <dgm:style>
+      <a:lnRef idx="0">
+        <a:scrgbClr r="0" g="0" b="0"/>
+      </a:lnRef>
+      <a:fillRef idx="3">
+        <a:scrgbClr r="0" g="0" b="0"/>
+      </a:fillRef>
+      <a:effectRef idx="2">
+        <a:scrgbClr r="0" g="0" b="0"/>
+      </a:effectRef>
+      <a:fontRef idx="minor"/>
+    </dgm:style>
+  </dgm:styleLbl>
+  <dgm:styleLbl name="revTx">
+    <dgm:scene3d>
+      <a:camera prst="orthographicFront"/>
+      <a:lightRig rig="threePt" dir="t"/>
+    </dgm:scene3d>
+    <dgm:sp3d/>
+    <dgm:txPr/>
+    <dgm:style>
+      <a:lnRef idx="0">
+        <a:scrgbClr r="0" g="0" b="0"/>
+      </a:lnRef>
+      <a:fillRef idx="0">
+        <a:scrgbClr r="0" g="0" b="0"/>
+      </a:fillRef>
+      <a:effectRef idx="0">
+        <a:scrgbClr r="0" g="0" b="0"/>
+      </a:effectRef>
+      <a:fontRef idx="minor"/>
+    </dgm:style>
+  </dgm:styleLbl>
+</dgm:styleDef>
+</file>
+
+<file path=ppt/diagrams/quickStyle3.xml><?xml version="1.0" encoding="utf-8"?>
 <dgm:styleDef xmlns:dgm="http://schemas.openxmlformats.org/drawingml/2006/diagram" xmlns:a="http://schemas.openxmlformats.org/drawingml/2006/main" uniqueId="urn:microsoft.com/office/officeart/2005/8/quickstyle/simple1">
   <dgm:title val=""/>
   <dgm:desc val=""/>
@@ -11098,1040 +10398,6 @@
         <a:scrgbClr r="0" g="0" b="0"/>
       </a:fillRef>
       <a:effectRef idx="0">
-        <a:scrgbClr r="0" g="0" b="0"/>
-      </a:effectRef>
-      <a:fontRef idx="minor"/>
-    </dgm:style>
-  </dgm:styleLbl>
-  <dgm:styleLbl name="revTx">
-    <dgm:scene3d>
-      <a:camera prst="orthographicFront"/>
-      <a:lightRig rig="threePt" dir="t"/>
-    </dgm:scene3d>
-    <dgm:sp3d/>
-    <dgm:txPr/>
-    <dgm:style>
-      <a:lnRef idx="0">
-        <a:scrgbClr r="0" g="0" b="0"/>
-      </a:lnRef>
-      <a:fillRef idx="0">
-        <a:scrgbClr r="0" g="0" b="0"/>
-      </a:fillRef>
-      <a:effectRef idx="0">
-        <a:scrgbClr r="0" g="0" b="0"/>
-      </a:effectRef>
-      <a:fontRef idx="minor"/>
-    </dgm:style>
-  </dgm:styleLbl>
-</dgm:styleDef>
-</file>
-
-<file path=ppt/diagrams/quickStyle3.xml><?xml version="1.0" encoding="utf-8"?>
-<dgm:styleDef xmlns:dgm="http://schemas.openxmlformats.org/drawingml/2006/diagram" xmlns:a="http://schemas.openxmlformats.org/drawingml/2006/main" uniqueId="urn:microsoft.com/office/officeart/2005/8/quickstyle/simple4">
-  <dgm:title val=""/>
-  <dgm:desc val=""/>
-  <dgm:catLst>
-    <dgm:cat type="simple" pri="10400"/>
-  </dgm:catLst>
-  <dgm:scene3d>
-    <a:camera prst="orthographicFront"/>
-    <a:lightRig rig="threePt" dir="t"/>
-  </dgm:scene3d>
-  <dgm:styleLbl name="node0">
-    <dgm:scene3d>
-      <a:camera prst="orthographicFront"/>
-      <a:lightRig rig="threePt" dir="t"/>
-    </dgm:scene3d>
-    <dgm:sp3d/>
-    <dgm:txPr/>
-    <dgm:style>
-      <a:lnRef idx="0">
-        <a:scrgbClr r="0" g="0" b="0"/>
-      </a:lnRef>
-      <a:fillRef idx="3">
-        <a:scrgbClr r="0" g="0" b="0"/>
-      </a:fillRef>
-      <a:effectRef idx="2">
-        <a:scrgbClr r="0" g="0" b="0"/>
-      </a:effectRef>
-      <a:fontRef idx="minor">
-        <a:schemeClr val="lt1"/>
-      </a:fontRef>
-    </dgm:style>
-  </dgm:styleLbl>
-  <dgm:styleLbl name="lnNode1">
-    <dgm:scene3d>
-      <a:camera prst="orthographicFront"/>
-      <a:lightRig rig="threePt" dir="t"/>
-    </dgm:scene3d>
-    <dgm:sp3d/>
-    <dgm:txPr/>
-    <dgm:style>
-      <a:lnRef idx="1">
-        <a:scrgbClr r="0" g="0" b="0"/>
-      </a:lnRef>
-      <a:fillRef idx="3">
-        <a:scrgbClr r="0" g="0" b="0"/>
-      </a:fillRef>
-      <a:effectRef idx="2">
-        <a:scrgbClr r="0" g="0" b="0"/>
-      </a:effectRef>
-      <a:fontRef idx="minor">
-        <a:schemeClr val="lt1"/>
-      </a:fontRef>
-    </dgm:style>
-  </dgm:styleLbl>
-  <dgm:styleLbl name="vennNode1">
-    <dgm:scene3d>
-      <a:camera prst="orthographicFront"/>
-      <a:lightRig rig="threePt" dir="t"/>
-    </dgm:scene3d>
-    <dgm:sp3d/>
-    <dgm:txPr/>
-    <dgm:style>
-      <a:lnRef idx="0">
-        <a:scrgbClr r="0" g="0" b="0"/>
-      </a:lnRef>
-      <a:fillRef idx="3">
-        <a:scrgbClr r="0" g="0" b="0"/>
-      </a:fillRef>
-      <a:effectRef idx="0">
-        <a:scrgbClr r="0" g="0" b="0"/>
-      </a:effectRef>
-      <a:fontRef idx="minor">
-        <a:schemeClr val="tx1"/>
-      </a:fontRef>
-    </dgm:style>
-  </dgm:styleLbl>
-  <dgm:styleLbl name="alignNode1">
-    <dgm:scene3d>
-      <a:camera prst="orthographicFront"/>
-      <a:lightRig rig="threePt" dir="t"/>
-    </dgm:scene3d>
-    <dgm:sp3d/>
-    <dgm:txPr/>
-    <dgm:style>
-      <a:lnRef idx="1">
-        <a:scrgbClr r="0" g="0" b="0"/>
-      </a:lnRef>
-      <a:fillRef idx="3">
-        <a:scrgbClr r="0" g="0" b="0"/>
-      </a:fillRef>
-      <a:effectRef idx="2">
-        <a:scrgbClr r="0" g="0" b="0"/>
-      </a:effectRef>
-      <a:fontRef idx="minor">
-        <a:schemeClr val="lt1"/>
-      </a:fontRef>
-    </dgm:style>
-  </dgm:styleLbl>
-  <dgm:styleLbl name="node1">
-    <dgm:scene3d>
-      <a:camera prst="orthographicFront"/>
-      <a:lightRig rig="threePt" dir="t"/>
-    </dgm:scene3d>
-    <dgm:sp3d/>
-    <dgm:txPr/>
-    <dgm:style>
-      <a:lnRef idx="0">
-        <a:scrgbClr r="0" g="0" b="0"/>
-      </a:lnRef>
-      <a:fillRef idx="3">
-        <a:scrgbClr r="0" g="0" b="0"/>
-      </a:fillRef>
-      <a:effectRef idx="2">
-        <a:scrgbClr r="0" g="0" b="0"/>
-      </a:effectRef>
-      <a:fontRef idx="minor">
-        <a:schemeClr val="lt1"/>
-      </a:fontRef>
-    </dgm:style>
-  </dgm:styleLbl>
-  <dgm:styleLbl name="node2">
-    <dgm:scene3d>
-      <a:camera prst="orthographicFront"/>
-      <a:lightRig rig="threePt" dir="t"/>
-    </dgm:scene3d>
-    <dgm:sp3d/>
-    <dgm:txPr/>
-    <dgm:style>
-      <a:lnRef idx="0">
-        <a:scrgbClr r="0" g="0" b="0"/>
-      </a:lnRef>
-      <a:fillRef idx="3">
-        <a:scrgbClr r="0" g="0" b="0"/>
-      </a:fillRef>
-      <a:effectRef idx="2">
-        <a:scrgbClr r="0" g="0" b="0"/>
-      </a:effectRef>
-      <a:fontRef idx="minor">
-        <a:schemeClr val="lt1"/>
-      </a:fontRef>
-    </dgm:style>
-  </dgm:styleLbl>
-  <dgm:styleLbl name="node3">
-    <dgm:scene3d>
-      <a:camera prst="orthographicFront"/>
-      <a:lightRig rig="threePt" dir="t"/>
-    </dgm:scene3d>
-    <dgm:sp3d/>
-    <dgm:txPr/>
-    <dgm:style>
-      <a:lnRef idx="0">
-        <a:scrgbClr r="0" g="0" b="0"/>
-      </a:lnRef>
-      <a:fillRef idx="3">
-        <a:scrgbClr r="0" g="0" b="0"/>
-      </a:fillRef>
-      <a:effectRef idx="2">
-        <a:scrgbClr r="0" g="0" b="0"/>
-      </a:effectRef>
-      <a:fontRef idx="minor">
-        <a:schemeClr val="lt1"/>
-      </a:fontRef>
-    </dgm:style>
-  </dgm:styleLbl>
-  <dgm:styleLbl name="node4">
-    <dgm:scene3d>
-      <a:camera prst="orthographicFront"/>
-      <a:lightRig rig="threePt" dir="t"/>
-    </dgm:scene3d>
-    <dgm:sp3d/>
-    <dgm:txPr/>
-    <dgm:style>
-      <a:lnRef idx="0">
-        <a:scrgbClr r="0" g="0" b="0"/>
-      </a:lnRef>
-      <a:fillRef idx="3">
-        <a:scrgbClr r="0" g="0" b="0"/>
-      </a:fillRef>
-      <a:effectRef idx="2">
-        <a:scrgbClr r="0" g="0" b="0"/>
-      </a:effectRef>
-      <a:fontRef idx="minor">
-        <a:schemeClr val="lt1"/>
-      </a:fontRef>
-    </dgm:style>
-  </dgm:styleLbl>
-  <dgm:styleLbl name="fgImgPlace1">
-    <dgm:scene3d>
-      <a:camera prst="orthographicFront"/>
-      <a:lightRig rig="threePt" dir="t"/>
-    </dgm:scene3d>
-    <dgm:sp3d/>
-    <dgm:txPr/>
-    <dgm:style>
-      <a:lnRef idx="0">
-        <a:scrgbClr r="0" g="0" b="0"/>
-      </a:lnRef>
-      <a:fillRef idx="1">
-        <a:scrgbClr r="0" g="0" b="0"/>
-      </a:fillRef>
-      <a:effectRef idx="2">
-        <a:scrgbClr r="0" g="0" b="0"/>
-      </a:effectRef>
-      <a:fontRef idx="minor"/>
-    </dgm:style>
-  </dgm:styleLbl>
-  <dgm:styleLbl name="alignImgPlace1">
-    <dgm:scene3d>
-      <a:camera prst="orthographicFront"/>
-      <a:lightRig rig="threePt" dir="t"/>
-    </dgm:scene3d>
-    <dgm:sp3d/>
-    <dgm:txPr/>
-    <dgm:style>
-      <a:lnRef idx="0">
-        <a:scrgbClr r="0" g="0" b="0"/>
-      </a:lnRef>
-      <a:fillRef idx="1">
-        <a:scrgbClr r="0" g="0" b="0"/>
-      </a:fillRef>
-      <a:effectRef idx="2">
-        <a:scrgbClr r="0" g="0" b="0"/>
-      </a:effectRef>
-      <a:fontRef idx="minor"/>
-    </dgm:style>
-  </dgm:styleLbl>
-  <dgm:styleLbl name="bgImgPlace1">
-    <dgm:scene3d>
-      <a:camera prst="orthographicFront"/>
-      <a:lightRig rig="threePt" dir="t"/>
-    </dgm:scene3d>
-    <dgm:sp3d/>
-    <dgm:txPr/>
-    <dgm:style>
-      <a:lnRef idx="0">
-        <a:scrgbClr r="0" g="0" b="0"/>
-      </a:lnRef>
-      <a:fillRef idx="1">
-        <a:scrgbClr r="0" g="0" b="0"/>
-      </a:fillRef>
-      <a:effectRef idx="2">
-        <a:scrgbClr r="0" g="0" b="0"/>
-      </a:effectRef>
-      <a:fontRef idx="minor"/>
-    </dgm:style>
-  </dgm:styleLbl>
-  <dgm:styleLbl name="sibTrans2D1">
-    <dgm:scene3d>
-      <a:camera prst="orthographicFront"/>
-      <a:lightRig rig="threePt" dir="t"/>
-    </dgm:scene3d>
-    <dgm:sp3d/>
-    <dgm:txPr/>
-    <dgm:style>
-      <a:lnRef idx="0">
-        <a:scrgbClr r="0" g="0" b="0"/>
-      </a:lnRef>
-      <a:fillRef idx="3">
-        <a:scrgbClr r="0" g="0" b="0"/>
-      </a:fillRef>
-      <a:effectRef idx="2">
-        <a:scrgbClr r="0" g="0" b="0"/>
-      </a:effectRef>
-      <a:fontRef idx="minor">
-        <a:schemeClr val="lt1"/>
-      </a:fontRef>
-    </dgm:style>
-  </dgm:styleLbl>
-  <dgm:styleLbl name="fgSibTrans2D1">
-    <dgm:scene3d>
-      <a:camera prst="orthographicFront"/>
-      <a:lightRig rig="threePt" dir="t"/>
-    </dgm:scene3d>
-    <dgm:sp3d/>
-    <dgm:txPr/>
-    <dgm:style>
-      <a:lnRef idx="0">
-        <a:scrgbClr r="0" g="0" b="0"/>
-      </a:lnRef>
-      <a:fillRef idx="3">
-        <a:scrgbClr r="0" g="0" b="0"/>
-      </a:fillRef>
-      <a:effectRef idx="2">
-        <a:scrgbClr r="0" g="0" b="0"/>
-      </a:effectRef>
-      <a:fontRef idx="minor">
-        <a:schemeClr val="lt1"/>
-      </a:fontRef>
-    </dgm:style>
-  </dgm:styleLbl>
-  <dgm:styleLbl name="bgSibTrans2D1">
-    <dgm:scene3d>
-      <a:camera prst="orthographicFront"/>
-      <a:lightRig rig="threePt" dir="t"/>
-    </dgm:scene3d>
-    <dgm:sp3d/>
-    <dgm:txPr/>
-    <dgm:style>
-      <a:lnRef idx="0">
-        <a:scrgbClr r="0" g="0" b="0"/>
-      </a:lnRef>
-      <a:fillRef idx="3">
-        <a:scrgbClr r="0" g="0" b="0"/>
-      </a:fillRef>
-      <a:effectRef idx="2">
-        <a:scrgbClr r="0" g="0" b="0"/>
-      </a:effectRef>
-      <a:fontRef idx="minor">
-        <a:schemeClr val="lt1"/>
-      </a:fontRef>
-    </dgm:style>
-  </dgm:styleLbl>
-  <dgm:styleLbl name="sibTrans1D1">
-    <dgm:scene3d>
-      <a:camera prst="orthographicFront"/>
-      <a:lightRig rig="threePt" dir="t"/>
-    </dgm:scene3d>
-    <dgm:sp3d/>
-    <dgm:txPr/>
-    <dgm:style>
-      <a:lnRef idx="1">
-        <a:scrgbClr r="0" g="0" b="0"/>
-      </a:lnRef>
-      <a:fillRef idx="0">
-        <a:scrgbClr r="0" g="0" b="0"/>
-      </a:fillRef>
-      <a:effectRef idx="0">
-        <a:scrgbClr r="0" g="0" b="0"/>
-      </a:effectRef>
-      <a:fontRef idx="minor"/>
-    </dgm:style>
-  </dgm:styleLbl>
-  <dgm:styleLbl name="callout">
-    <dgm:scene3d>
-      <a:camera prst="orthographicFront"/>
-      <a:lightRig rig="threePt" dir="t"/>
-    </dgm:scene3d>
-    <dgm:sp3d/>
-    <dgm:txPr/>
-    <dgm:style>
-      <a:lnRef idx="2">
-        <a:scrgbClr r="0" g="0" b="0"/>
-      </a:lnRef>
-      <a:fillRef idx="1">
-        <a:scrgbClr r="0" g="0" b="0"/>
-      </a:fillRef>
-      <a:effectRef idx="1">
-        <a:scrgbClr r="0" g="0" b="0"/>
-      </a:effectRef>
-      <a:fontRef idx="minor"/>
-    </dgm:style>
-  </dgm:styleLbl>
-  <dgm:styleLbl name="asst0">
-    <dgm:scene3d>
-      <a:camera prst="orthographicFront"/>
-      <a:lightRig rig="threePt" dir="t"/>
-    </dgm:scene3d>
-    <dgm:sp3d/>
-    <dgm:txPr/>
-    <dgm:style>
-      <a:lnRef idx="0">
-        <a:scrgbClr r="0" g="0" b="0"/>
-      </a:lnRef>
-      <a:fillRef idx="3">
-        <a:scrgbClr r="0" g="0" b="0"/>
-      </a:fillRef>
-      <a:effectRef idx="2">
-        <a:scrgbClr r="0" g="0" b="0"/>
-      </a:effectRef>
-      <a:fontRef idx="minor">
-        <a:schemeClr val="lt1"/>
-      </a:fontRef>
-    </dgm:style>
-  </dgm:styleLbl>
-  <dgm:styleLbl name="asst1">
-    <dgm:scene3d>
-      <a:camera prst="orthographicFront"/>
-      <a:lightRig rig="threePt" dir="t"/>
-    </dgm:scene3d>
-    <dgm:sp3d/>
-    <dgm:txPr/>
-    <dgm:style>
-      <a:lnRef idx="0">
-        <a:scrgbClr r="0" g="0" b="0"/>
-      </a:lnRef>
-      <a:fillRef idx="3">
-        <a:scrgbClr r="0" g="0" b="0"/>
-      </a:fillRef>
-      <a:effectRef idx="2">
-        <a:scrgbClr r="0" g="0" b="0"/>
-      </a:effectRef>
-      <a:fontRef idx="minor">
-        <a:schemeClr val="lt1"/>
-      </a:fontRef>
-    </dgm:style>
-  </dgm:styleLbl>
-  <dgm:styleLbl name="asst2">
-    <dgm:scene3d>
-      <a:camera prst="orthographicFront"/>
-      <a:lightRig rig="threePt" dir="t"/>
-    </dgm:scene3d>
-    <dgm:sp3d/>
-    <dgm:txPr/>
-    <dgm:style>
-      <a:lnRef idx="0">
-        <a:scrgbClr r="0" g="0" b="0"/>
-      </a:lnRef>
-      <a:fillRef idx="3">
-        <a:scrgbClr r="0" g="0" b="0"/>
-      </a:fillRef>
-      <a:effectRef idx="2">
-        <a:scrgbClr r="0" g="0" b="0"/>
-      </a:effectRef>
-      <a:fontRef idx="minor">
-        <a:schemeClr val="lt1"/>
-      </a:fontRef>
-    </dgm:style>
-  </dgm:styleLbl>
-  <dgm:styleLbl name="asst3">
-    <dgm:scene3d>
-      <a:camera prst="orthographicFront"/>
-      <a:lightRig rig="threePt" dir="t"/>
-    </dgm:scene3d>
-    <dgm:sp3d/>
-    <dgm:txPr/>
-    <dgm:style>
-      <a:lnRef idx="0">
-        <a:scrgbClr r="0" g="0" b="0"/>
-      </a:lnRef>
-      <a:fillRef idx="3">
-        <a:scrgbClr r="0" g="0" b="0"/>
-      </a:fillRef>
-      <a:effectRef idx="2">
-        <a:scrgbClr r="0" g="0" b="0"/>
-      </a:effectRef>
-      <a:fontRef idx="minor">
-        <a:schemeClr val="lt1"/>
-      </a:fontRef>
-    </dgm:style>
-  </dgm:styleLbl>
-  <dgm:styleLbl name="asst4">
-    <dgm:scene3d>
-      <a:camera prst="orthographicFront"/>
-      <a:lightRig rig="threePt" dir="t"/>
-    </dgm:scene3d>
-    <dgm:sp3d/>
-    <dgm:txPr/>
-    <dgm:style>
-      <a:lnRef idx="0">
-        <a:scrgbClr r="0" g="0" b="0"/>
-      </a:lnRef>
-      <a:fillRef idx="3">
-        <a:scrgbClr r="0" g="0" b="0"/>
-      </a:fillRef>
-      <a:effectRef idx="2">
-        <a:scrgbClr r="0" g="0" b="0"/>
-      </a:effectRef>
-      <a:fontRef idx="minor">
-        <a:schemeClr val="lt1"/>
-      </a:fontRef>
-    </dgm:style>
-  </dgm:styleLbl>
-  <dgm:styleLbl name="parChTrans2D1">
-    <dgm:scene3d>
-      <a:camera prst="orthographicFront"/>
-      <a:lightRig rig="threePt" dir="t"/>
-    </dgm:scene3d>
-    <dgm:sp3d/>
-    <dgm:txPr/>
-    <dgm:style>
-      <a:lnRef idx="0">
-        <a:scrgbClr r="0" g="0" b="0"/>
-      </a:lnRef>
-      <a:fillRef idx="3">
-        <a:scrgbClr r="0" g="0" b="0"/>
-      </a:fillRef>
-      <a:effectRef idx="2">
-        <a:scrgbClr r="0" g="0" b="0"/>
-      </a:effectRef>
-      <a:fontRef idx="minor">
-        <a:schemeClr val="lt1"/>
-      </a:fontRef>
-    </dgm:style>
-  </dgm:styleLbl>
-  <dgm:styleLbl name="parChTrans2D2">
-    <dgm:scene3d>
-      <a:camera prst="orthographicFront"/>
-      <a:lightRig rig="threePt" dir="t"/>
-    </dgm:scene3d>
-    <dgm:sp3d/>
-    <dgm:txPr/>
-    <dgm:style>
-      <a:lnRef idx="0">
-        <a:scrgbClr r="0" g="0" b="0"/>
-      </a:lnRef>
-      <a:fillRef idx="3">
-        <a:scrgbClr r="0" g="0" b="0"/>
-      </a:fillRef>
-      <a:effectRef idx="2">
-        <a:scrgbClr r="0" g="0" b="0"/>
-      </a:effectRef>
-      <a:fontRef idx="minor">
-        <a:schemeClr val="lt1"/>
-      </a:fontRef>
-    </dgm:style>
-  </dgm:styleLbl>
-  <dgm:styleLbl name="parChTrans2D3">
-    <dgm:scene3d>
-      <a:camera prst="orthographicFront"/>
-      <a:lightRig rig="threePt" dir="t"/>
-    </dgm:scene3d>
-    <dgm:sp3d/>
-    <dgm:txPr/>
-    <dgm:style>
-      <a:lnRef idx="1">
-        <a:scrgbClr r="0" g="0" b="0"/>
-      </a:lnRef>
-      <a:fillRef idx="3">
-        <a:scrgbClr r="0" g="0" b="0"/>
-      </a:fillRef>
-      <a:effectRef idx="2">
-        <a:scrgbClr r="0" g="0" b="0"/>
-      </a:effectRef>
-      <a:fontRef idx="minor">
-        <a:schemeClr val="lt1"/>
-      </a:fontRef>
-    </dgm:style>
-  </dgm:styleLbl>
-  <dgm:styleLbl name="parChTrans2D4">
-    <dgm:scene3d>
-      <a:camera prst="orthographicFront"/>
-      <a:lightRig rig="threePt" dir="t"/>
-    </dgm:scene3d>
-    <dgm:sp3d/>
-    <dgm:txPr/>
-    <dgm:style>
-      <a:lnRef idx="1">
-        <a:scrgbClr r="0" g="0" b="0"/>
-      </a:lnRef>
-      <a:fillRef idx="3">
-        <a:scrgbClr r="0" g="0" b="0"/>
-      </a:fillRef>
-      <a:effectRef idx="2">
-        <a:scrgbClr r="0" g="0" b="0"/>
-      </a:effectRef>
-      <a:fontRef idx="minor">
-        <a:schemeClr val="lt1"/>
-      </a:fontRef>
-    </dgm:style>
-  </dgm:styleLbl>
-  <dgm:styleLbl name="parChTrans1D1">
-    <dgm:scene3d>
-      <a:camera prst="orthographicFront"/>
-      <a:lightRig rig="threePt" dir="t"/>
-    </dgm:scene3d>
-    <dgm:sp3d/>
-    <dgm:txPr/>
-    <dgm:style>
-      <a:lnRef idx="1">
-        <a:scrgbClr r="0" g="0" b="0"/>
-      </a:lnRef>
-      <a:fillRef idx="0">
-        <a:scrgbClr r="0" g="0" b="0"/>
-      </a:fillRef>
-      <a:effectRef idx="0">
-        <a:scrgbClr r="0" g="0" b="0"/>
-      </a:effectRef>
-      <a:fontRef idx="minor"/>
-    </dgm:style>
-  </dgm:styleLbl>
-  <dgm:styleLbl name="parChTrans1D2">
-    <dgm:scene3d>
-      <a:camera prst="orthographicFront"/>
-      <a:lightRig rig="threePt" dir="t"/>
-    </dgm:scene3d>
-    <dgm:sp3d/>
-    <dgm:txPr/>
-    <dgm:style>
-      <a:lnRef idx="1">
-        <a:scrgbClr r="0" g="0" b="0"/>
-      </a:lnRef>
-      <a:fillRef idx="0">
-        <a:scrgbClr r="0" g="0" b="0"/>
-      </a:fillRef>
-      <a:effectRef idx="0">
-        <a:scrgbClr r="0" g="0" b="0"/>
-      </a:effectRef>
-      <a:fontRef idx="minor"/>
-    </dgm:style>
-  </dgm:styleLbl>
-  <dgm:styleLbl name="parChTrans1D3">
-    <dgm:scene3d>
-      <a:camera prst="orthographicFront"/>
-      <a:lightRig rig="threePt" dir="t"/>
-    </dgm:scene3d>
-    <dgm:sp3d/>
-    <dgm:txPr/>
-    <dgm:style>
-      <a:lnRef idx="1">
-        <a:scrgbClr r="0" g="0" b="0"/>
-      </a:lnRef>
-      <a:fillRef idx="0">
-        <a:scrgbClr r="0" g="0" b="0"/>
-      </a:fillRef>
-      <a:effectRef idx="0">
-        <a:scrgbClr r="0" g="0" b="0"/>
-      </a:effectRef>
-      <a:fontRef idx="minor"/>
-    </dgm:style>
-  </dgm:styleLbl>
-  <dgm:styleLbl name="parChTrans1D4">
-    <dgm:scene3d>
-      <a:camera prst="orthographicFront"/>
-      <a:lightRig rig="threePt" dir="t"/>
-    </dgm:scene3d>
-    <dgm:sp3d/>
-    <dgm:txPr/>
-    <dgm:style>
-      <a:lnRef idx="1">
-        <a:scrgbClr r="0" g="0" b="0"/>
-      </a:lnRef>
-      <a:fillRef idx="0">
-        <a:scrgbClr r="0" g="0" b="0"/>
-      </a:fillRef>
-      <a:effectRef idx="0">
-        <a:scrgbClr r="0" g="0" b="0"/>
-      </a:effectRef>
-      <a:fontRef idx="minor"/>
-    </dgm:style>
-  </dgm:styleLbl>
-  <dgm:styleLbl name="fgAcc1">
-    <dgm:scene3d>
-      <a:camera prst="orthographicFront"/>
-      <a:lightRig rig="threePt" dir="t"/>
-    </dgm:scene3d>
-    <dgm:sp3d/>
-    <dgm:txPr/>
-    <dgm:style>
-      <a:lnRef idx="1">
-        <a:scrgbClr r="0" g="0" b="0"/>
-      </a:lnRef>
-      <a:fillRef idx="1">
-        <a:scrgbClr r="0" g="0" b="0"/>
-      </a:fillRef>
-      <a:effectRef idx="0">
-        <a:scrgbClr r="0" g="0" b="0"/>
-      </a:effectRef>
-      <a:fontRef idx="minor"/>
-    </dgm:style>
-  </dgm:styleLbl>
-  <dgm:styleLbl name="conFgAcc1">
-    <dgm:scene3d>
-      <a:camera prst="orthographicFront"/>
-      <a:lightRig rig="threePt" dir="t"/>
-    </dgm:scene3d>
-    <dgm:sp3d/>
-    <dgm:txPr/>
-    <dgm:style>
-      <a:lnRef idx="1">
-        <a:scrgbClr r="0" g="0" b="0"/>
-      </a:lnRef>
-      <a:fillRef idx="1">
-        <a:scrgbClr r="0" g="0" b="0"/>
-      </a:fillRef>
-      <a:effectRef idx="0">
-        <a:scrgbClr r="0" g="0" b="0"/>
-      </a:effectRef>
-      <a:fontRef idx="minor"/>
-    </dgm:style>
-  </dgm:styleLbl>
-  <dgm:styleLbl name="alignAcc1">
-    <dgm:scene3d>
-      <a:camera prst="orthographicFront"/>
-      <a:lightRig rig="threePt" dir="t"/>
-    </dgm:scene3d>
-    <dgm:sp3d/>
-    <dgm:txPr/>
-    <dgm:style>
-      <a:lnRef idx="1">
-        <a:scrgbClr r="0" g="0" b="0"/>
-      </a:lnRef>
-      <a:fillRef idx="1">
-        <a:scrgbClr r="0" g="0" b="0"/>
-      </a:fillRef>
-      <a:effectRef idx="0">
-        <a:scrgbClr r="0" g="0" b="0"/>
-      </a:effectRef>
-      <a:fontRef idx="minor"/>
-    </dgm:style>
-  </dgm:styleLbl>
-  <dgm:styleLbl name="trAlignAcc1">
-    <dgm:scene3d>
-      <a:camera prst="orthographicFront"/>
-      <a:lightRig rig="threePt" dir="t"/>
-    </dgm:scene3d>
-    <dgm:sp3d/>
-    <dgm:txPr/>
-    <dgm:style>
-      <a:lnRef idx="1">
-        <a:scrgbClr r="0" g="0" b="0"/>
-      </a:lnRef>
-      <a:fillRef idx="1">
-        <a:scrgbClr r="0" g="0" b="0"/>
-      </a:fillRef>
-      <a:effectRef idx="0">
-        <a:scrgbClr r="0" g="0" b="0"/>
-      </a:effectRef>
-      <a:fontRef idx="minor"/>
-    </dgm:style>
-  </dgm:styleLbl>
-  <dgm:styleLbl name="bgAcc1">
-    <dgm:scene3d>
-      <a:camera prst="orthographicFront"/>
-      <a:lightRig rig="threePt" dir="t"/>
-    </dgm:scene3d>
-    <dgm:sp3d/>
-    <dgm:txPr/>
-    <dgm:style>
-      <a:lnRef idx="1">
-        <a:scrgbClr r="0" g="0" b="0"/>
-      </a:lnRef>
-      <a:fillRef idx="1">
-        <a:scrgbClr r="0" g="0" b="0"/>
-      </a:fillRef>
-      <a:effectRef idx="0">
-        <a:scrgbClr r="0" g="0" b="0"/>
-      </a:effectRef>
-      <a:fontRef idx="minor"/>
-    </dgm:style>
-  </dgm:styleLbl>
-  <dgm:styleLbl name="solidFgAcc1">
-    <dgm:scene3d>
-      <a:camera prst="orthographicFront"/>
-      <a:lightRig rig="threePt" dir="t"/>
-    </dgm:scene3d>
-    <dgm:sp3d/>
-    <dgm:txPr/>
-    <dgm:style>
-      <a:lnRef idx="1">
-        <a:scrgbClr r="0" g="0" b="0"/>
-      </a:lnRef>
-      <a:fillRef idx="1">
-        <a:scrgbClr r="0" g="0" b="0"/>
-      </a:fillRef>
-      <a:effectRef idx="0">
-        <a:scrgbClr r="0" g="0" b="0"/>
-      </a:effectRef>
-      <a:fontRef idx="minor"/>
-    </dgm:style>
-  </dgm:styleLbl>
-  <dgm:styleLbl name="solidAlignAcc1">
-    <dgm:scene3d>
-      <a:camera prst="orthographicFront"/>
-      <a:lightRig rig="threePt" dir="t"/>
-    </dgm:scene3d>
-    <dgm:sp3d/>
-    <dgm:txPr/>
-    <dgm:style>
-      <a:lnRef idx="1">
-        <a:scrgbClr r="0" g="0" b="0"/>
-      </a:lnRef>
-      <a:fillRef idx="1">
-        <a:scrgbClr r="0" g="0" b="0"/>
-      </a:fillRef>
-      <a:effectRef idx="0">
-        <a:scrgbClr r="0" g="0" b="0"/>
-      </a:effectRef>
-      <a:fontRef idx="minor"/>
-    </dgm:style>
-  </dgm:styleLbl>
-  <dgm:styleLbl name="solidBgAcc1">
-    <dgm:scene3d>
-      <a:camera prst="orthographicFront"/>
-      <a:lightRig rig="threePt" dir="t"/>
-    </dgm:scene3d>
-    <dgm:sp3d/>
-    <dgm:txPr/>
-    <dgm:style>
-      <a:lnRef idx="1">
-        <a:scrgbClr r="0" g="0" b="0"/>
-      </a:lnRef>
-      <a:fillRef idx="1">
-        <a:scrgbClr r="0" g="0" b="0"/>
-      </a:fillRef>
-      <a:effectRef idx="0">
-        <a:scrgbClr r="0" g="0" b="0"/>
-      </a:effectRef>
-      <a:fontRef idx="minor"/>
-    </dgm:style>
-  </dgm:styleLbl>
-  <dgm:styleLbl name="fgAccFollowNode1">
-    <dgm:scene3d>
-      <a:camera prst="orthographicFront"/>
-      <a:lightRig rig="threePt" dir="t"/>
-    </dgm:scene3d>
-    <dgm:sp3d/>
-    <dgm:txPr/>
-    <dgm:style>
-      <a:lnRef idx="1">
-        <a:scrgbClr r="0" g="0" b="0"/>
-      </a:lnRef>
-      <a:fillRef idx="1">
-        <a:scrgbClr r="0" g="0" b="0"/>
-      </a:fillRef>
-      <a:effectRef idx="0">
-        <a:scrgbClr r="0" g="0" b="0"/>
-      </a:effectRef>
-      <a:fontRef idx="minor"/>
-    </dgm:style>
-  </dgm:styleLbl>
-  <dgm:styleLbl name="alignAccFollowNode1">
-    <dgm:scene3d>
-      <a:camera prst="orthographicFront"/>
-      <a:lightRig rig="threePt" dir="t"/>
-    </dgm:scene3d>
-    <dgm:sp3d/>
-    <dgm:txPr/>
-    <dgm:style>
-      <a:lnRef idx="1">
-        <a:scrgbClr r="0" g="0" b="0"/>
-      </a:lnRef>
-      <a:fillRef idx="1">
-        <a:scrgbClr r="0" g="0" b="0"/>
-      </a:fillRef>
-      <a:effectRef idx="0">
-        <a:scrgbClr r="0" g="0" b="0"/>
-      </a:effectRef>
-      <a:fontRef idx="minor"/>
-    </dgm:style>
-  </dgm:styleLbl>
-  <dgm:styleLbl name="bgAccFollowNode1">
-    <dgm:scene3d>
-      <a:camera prst="orthographicFront"/>
-      <a:lightRig rig="threePt" dir="t"/>
-    </dgm:scene3d>
-    <dgm:sp3d/>
-    <dgm:txPr/>
-    <dgm:style>
-      <a:lnRef idx="1">
-        <a:scrgbClr r="0" g="0" b="0"/>
-      </a:lnRef>
-      <a:fillRef idx="1">
-        <a:scrgbClr r="0" g="0" b="0"/>
-      </a:fillRef>
-      <a:effectRef idx="0">
-        <a:scrgbClr r="0" g="0" b="0"/>
-      </a:effectRef>
-      <a:fontRef idx="minor"/>
-    </dgm:style>
-  </dgm:styleLbl>
-  <dgm:styleLbl name="fgAcc0">
-    <dgm:scene3d>
-      <a:camera prst="orthographicFront"/>
-      <a:lightRig rig="threePt" dir="t"/>
-    </dgm:scene3d>
-    <dgm:sp3d/>
-    <dgm:txPr/>
-    <dgm:style>
-      <a:lnRef idx="1">
-        <a:scrgbClr r="0" g="0" b="0"/>
-      </a:lnRef>
-      <a:fillRef idx="1">
-        <a:scrgbClr r="0" g="0" b="0"/>
-      </a:fillRef>
-      <a:effectRef idx="0">
-        <a:scrgbClr r="0" g="0" b="0"/>
-      </a:effectRef>
-      <a:fontRef idx="minor"/>
-    </dgm:style>
-  </dgm:styleLbl>
-  <dgm:styleLbl name="fgAcc2">
-    <dgm:scene3d>
-      <a:camera prst="orthographicFront"/>
-      <a:lightRig rig="threePt" dir="t"/>
-    </dgm:scene3d>
-    <dgm:sp3d/>
-    <dgm:txPr/>
-    <dgm:style>
-      <a:lnRef idx="1">
-        <a:scrgbClr r="0" g="0" b="0"/>
-      </a:lnRef>
-      <a:fillRef idx="1">
-        <a:scrgbClr r="0" g="0" b="0"/>
-      </a:fillRef>
-      <a:effectRef idx="0">
-        <a:scrgbClr r="0" g="0" b="0"/>
-      </a:effectRef>
-      <a:fontRef idx="minor"/>
-    </dgm:style>
-  </dgm:styleLbl>
-  <dgm:styleLbl name="fgAcc3">
-    <dgm:scene3d>
-      <a:camera prst="orthographicFront"/>
-      <a:lightRig rig="threePt" dir="t"/>
-    </dgm:scene3d>
-    <dgm:sp3d/>
-    <dgm:txPr/>
-    <dgm:style>
-      <a:lnRef idx="1">
-        <a:scrgbClr r="0" g="0" b="0"/>
-      </a:lnRef>
-      <a:fillRef idx="1">
-        <a:scrgbClr r="0" g="0" b="0"/>
-      </a:fillRef>
-      <a:effectRef idx="0">
-        <a:scrgbClr r="0" g="0" b="0"/>
-      </a:effectRef>
-      <a:fontRef idx="minor"/>
-    </dgm:style>
-  </dgm:styleLbl>
-  <dgm:styleLbl name="fgAcc4">
-    <dgm:scene3d>
-      <a:camera prst="orthographicFront"/>
-      <a:lightRig rig="threePt" dir="t"/>
-    </dgm:scene3d>
-    <dgm:sp3d/>
-    <dgm:txPr/>
-    <dgm:style>
-      <a:lnRef idx="1">
-        <a:scrgbClr r="0" g="0" b="0"/>
-      </a:lnRef>
-      <a:fillRef idx="1">
-        <a:scrgbClr r="0" g="0" b="0"/>
-      </a:fillRef>
-      <a:effectRef idx="0">
-        <a:scrgbClr r="0" g="0" b="0"/>
-      </a:effectRef>
-      <a:fontRef idx="minor"/>
-    </dgm:style>
-  </dgm:styleLbl>
-  <dgm:styleLbl name="bgShp">
-    <dgm:scene3d>
-      <a:camera prst="orthographicFront"/>
-      <a:lightRig rig="threePt" dir="t"/>
-    </dgm:scene3d>
-    <dgm:sp3d/>
-    <dgm:txPr/>
-    <dgm:style>
-      <a:lnRef idx="0">
-        <a:scrgbClr r="0" g="0" b="0"/>
-      </a:lnRef>
-      <a:fillRef idx="1">
-        <a:scrgbClr r="0" g="0" b="0"/>
-      </a:fillRef>
-      <a:effectRef idx="2">
-        <a:scrgbClr r="0" g="0" b="0"/>
-      </a:effectRef>
-      <a:fontRef idx="minor"/>
-    </dgm:style>
-  </dgm:styleLbl>
-  <dgm:styleLbl name="dkBgShp">
-    <dgm:scene3d>
-      <a:camera prst="orthographicFront"/>
-      <a:lightRig rig="threePt" dir="t"/>
-    </dgm:scene3d>
-    <dgm:sp3d/>
-    <dgm:txPr/>
-    <dgm:style>
-      <a:lnRef idx="0">
-        <a:scrgbClr r="0" g="0" b="0"/>
-      </a:lnRef>
-      <a:fillRef idx="1">
-        <a:scrgbClr r="0" g="0" b="0"/>
-      </a:fillRef>
-      <a:effectRef idx="2">
-        <a:scrgbClr r="0" g="0" b="0"/>
-      </a:effectRef>
-      <a:fontRef idx="minor"/>
-    </dgm:style>
-  </dgm:styleLbl>
-  <dgm:styleLbl name="trBgShp">
-    <dgm:scene3d>
-      <a:camera prst="orthographicFront"/>
-      <a:lightRig rig="threePt" dir="t"/>
-    </dgm:scene3d>
-    <dgm:sp3d/>
-    <dgm:txPr/>
-    <dgm:style>
-      <a:lnRef idx="0">
-        <a:scrgbClr r="0" g="0" b="0"/>
-      </a:lnRef>
-      <a:fillRef idx="1">
-        <a:scrgbClr r="0" g="0" b="0"/>
-      </a:fillRef>
-      <a:effectRef idx="0">
-        <a:scrgbClr r="0" g="0" b="0"/>
-      </a:effectRef>
-      <a:fontRef idx="minor"/>
-    </dgm:style>
-  </dgm:styleLbl>
-  <dgm:styleLbl name="fgShp">
-    <dgm:scene3d>
-      <a:camera prst="orthographicFront"/>
-      <a:lightRig rig="threePt" dir="t"/>
-    </dgm:scene3d>
-    <dgm:sp3d/>
-    <dgm:txPr/>
-    <dgm:style>
-      <a:lnRef idx="0">
-        <a:scrgbClr r="0" g="0" b="0"/>
-      </a:lnRef>
-      <a:fillRef idx="3">
-        <a:scrgbClr r="0" g="0" b="0"/>
-      </a:fillRef>
-      <a:effectRef idx="2">
         <a:scrgbClr r="0" g="0" b="0"/>
       </a:effectRef>
       <a:fontRef idx="minor"/>
@@ -13194,1038 +11460,437 @@
 </dgm:styleDef>
 </file>
 
-<file path=ppt/diagrams/quickStyle5.xml><?xml version="1.0" encoding="utf-8"?>
-<dgm:styleDef xmlns:dgm="http://schemas.openxmlformats.org/drawingml/2006/diagram" xmlns:a="http://schemas.openxmlformats.org/drawingml/2006/main" uniqueId="urn:microsoft.com/office/officeart/2005/8/quickstyle/simple1">
-  <dgm:title val=""/>
-  <dgm:desc val=""/>
-  <dgm:catLst>
-    <dgm:cat type="simple" pri="10100"/>
-  </dgm:catLst>
-  <dgm:scene3d>
-    <a:camera prst="orthographicFront"/>
-    <a:lightRig rig="threePt" dir="t"/>
-  </dgm:scene3d>
-  <dgm:styleLbl name="node0">
-    <dgm:scene3d>
-      <a:camera prst="orthographicFront"/>
-      <a:lightRig rig="threePt" dir="t"/>
-    </dgm:scene3d>
-    <dgm:sp3d/>
-    <dgm:txPr/>
-    <dgm:style>
-      <a:lnRef idx="2">
-        <a:scrgbClr r="0" g="0" b="0"/>
-      </a:lnRef>
-      <a:fillRef idx="1">
-        <a:scrgbClr r="0" g="0" b="0"/>
-      </a:fillRef>
-      <a:effectRef idx="0">
-        <a:scrgbClr r="0" g="0" b="0"/>
-      </a:effectRef>
-      <a:fontRef idx="minor">
-        <a:schemeClr val="lt1"/>
-      </a:fontRef>
-    </dgm:style>
-  </dgm:styleLbl>
-  <dgm:styleLbl name="lnNode1">
-    <dgm:scene3d>
-      <a:camera prst="orthographicFront"/>
-      <a:lightRig rig="threePt" dir="t"/>
-    </dgm:scene3d>
-    <dgm:sp3d/>
-    <dgm:txPr/>
-    <dgm:style>
-      <a:lnRef idx="2">
-        <a:scrgbClr r="0" g="0" b="0"/>
-      </a:lnRef>
-      <a:fillRef idx="1">
-        <a:scrgbClr r="0" g="0" b="0"/>
-      </a:fillRef>
-      <a:effectRef idx="0">
-        <a:scrgbClr r="0" g="0" b="0"/>
-      </a:effectRef>
-      <a:fontRef idx="minor">
-        <a:schemeClr val="lt1"/>
-      </a:fontRef>
-    </dgm:style>
-  </dgm:styleLbl>
-  <dgm:styleLbl name="vennNode1">
-    <dgm:scene3d>
-      <a:camera prst="orthographicFront"/>
-      <a:lightRig rig="threePt" dir="t"/>
-    </dgm:scene3d>
-    <dgm:sp3d/>
-    <dgm:txPr/>
-    <dgm:style>
-      <a:lnRef idx="2">
-        <a:scrgbClr r="0" g="0" b="0"/>
-      </a:lnRef>
-      <a:fillRef idx="1">
-        <a:scrgbClr r="0" g="0" b="0"/>
-      </a:fillRef>
-      <a:effectRef idx="0">
-        <a:scrgbClr r="0" g="0" b="0"/>
-      </a:effectRef>
-      <a:fontRef idx="minor">
-        <a:schemeClr val="tx1"/>
-      </a:fontRef>
-    </dgm:style>
-  </dgm:styleLbl>
-  <dgm:styleLbl name="alignNode1">
-    <dgm:scene3d>
-      <a:camera prst="orthographicFront"/>
-      <a:lightRig rig="threePt" dir="t"/>
-    </dgm:scene3d>
-    <dgm:sp3d/>
-    <dgm:txPr/>
-    <dgm:style>
-      <a:lnRef idx="2">
-        <a:scrgbClr r="0" g="0" b="0"/>
-      </a:lnRef>
-      <a:fillRef idx="1">
-        <a:scrgbClr r="0" g="0" b="0"/>
-      </a:fillRef>
-      <a:effectRef idx="0">
-        <a:scrgbClr r="0" g="0" b="0"/>
-      </a:effectRef>
-      <a:fontRef idx="minor">
-        <a:schemeClr val="lt1"/>
-      </a:fontRef>
-    </dgm:style>
-  </dgm:styleLbl>
-  <dgm:styleLbl name="node1">
-    <dgm:scene3d>
-      <a:camera prst="orthographicFront"/>
-      <a:lightRig rig="threePt" dir="t"/>
-    </dgm:scene3d>
-    <dgm:sp3d/>
-    <dgm:txPr/>
-    <dgm:style>
-      <a:lnRef idx="2">
-        <a:scrgbClr r="0" g="0" b="0"/>
-      </a:lnRef>
-      <a:fillRef idx="1">
-        <a:scrgbClr r="0" g="0" b="0"/>
-      </a:fillRef>
-      <a:effectRef idx="0">
-        <a:scrgbClr r="0" g="0" b="0"/>
-      </a:effectRef>
-      <a:fontRef idx="minor">
-        <a:schemeClr val="lt1"/>
-      </a:fontRef>
-    </dgm:style>
-  </dgm:styleLbl>
-  <dgm:styleLbl name="node2">
-    <dgm:scene3d>
-      <a:camera prst="orthographicFront"/>
-      <a:lightRig rig="threePt" dir="t"/>
-    </dgm:scene3d>
-    <dgm:sp3d/>
-    <dgm:txPr/>
-    <dgm:style>
-      <a:lnRef idx="2">
-        <a:scrgbClr r="0" g="0" b="0"/>
-      </a:lnRef>
-      <a:fillRef idx="1">
-        <a:scrgbClr r="0" g="0" b="0"/>
-      </a:fillRef>
-      <a:effectRef idx="0">
-        <a:scrgbClr r="0" g="0" b="0"/>
-      </a:effectRef>
-      <a:fontRef idx="minor">
-        <a:schemeClr val="lt1"/>
-      </a:fontRef>
-    </dgm:style>
-  </dgm:styleLbl>
-  <dgm:styleLbl name="node3">
-    <dgm:scene3d>
-      <a:camera prst="orthographicFront"/>
-      <a:lightRig rig="threePt" dir="t"/>
-    </dgm:scene3d>
-    <dgm:sp3d/>
-    <dgm:txPr/>
-    <dgm:style>
-      <a:lnRef idx="2">
-        <a:scrgbClr r="0" g="0" b="0"/>
-      </a:lnRef>
-      <a:fillRef idx="1">
-        <a:scrgbClr r="0" g="0" b="0"/>
-      </a:fillRef>
-      <a:effectRef idx="0">
-        <a:scrgbClr r="0" g="0" b="0"/>
-      </a:effectRef>
-      <a:fontRef idx="minor">
-        <a:schemeClr val="lt1"/>
-      </a:fontRef>
-    </dgm:style>
-  </dgm:styleLbl>
-  <dgm:styleLbl name="node4">
-    <dgm:scene3d>
-      <a:camera prst="orthographicFront"/>
-      <a:lightRig rig="threePt" dir="t"/>
-    </dgm:scene3d>
-    <dgm:sp3d/>
-    <dgm:txPr/>
-    <dgm:style>
-      <a:lnRef idx="2">
-        <a:scrgbClr r="0" g="0" b="0"/>
-      </a:lnRef>
-      <a:fillRef idx="1">
-        <a:scrgbClr r="0" g="0" b="0"/>
-      </a:fillRef>
-      <a:effectRef idx="0">
-        <a:scrgbClr r="0" g="0" b="0"/>
-      </a:effectRef>
-      <a:fontRef idx="minor">
-        <a:schemeClr val="lt1"/>
-      </a:fontRef>
-    </dgm:style>
-  </dgm:styleLbl>
-  <dgm:styleLbl name="fgImgPlace1">
-    <dgm:scene3d>
-      <a:camera prst="orthographicFront"/>
-      <a:lightRig rig="threePt" dir="t"/>
-    </dgm:scene3d>
-    <dgm:sp3d/>
-    <dgm:txPr/>
-    <dgm:style>
-      <a:lnRef idx="2">
-        <a:scrgbClr r="0" g="0" b="0"/>
-      </a:lnRef>
-      <a:fillRef idx="1">
-        <a:scrgbClr r="0" g="0" b="0"/>
-      </a:fillRef>
-      <a:effectRef idx="0">
-        <a:scrgbClr r="0" g="0" b="0"/>
-      </a:effectRef>
-      <a:fontRef idx="minor"/>
-    </dgm:style>
-  </dgm:styleLbl>
-  <dgm:styleLbl name="alignImgPlace1">
-    <dgm:scene3d>
-      <a:camera prst="orthographicFront"/>
-      <a:lightRig rig="threePt" dir="t"/>
-    </dgm:scene3d>
-    <dgm:sp3d/>
-    <dgm:txPr/>
-    <dgm:style>
-      <a:lnRef idx="2">
-        <a:scrgbClr r="0" g="0" b="0"/>
-      </a:lnRef>
-      <a:fillRef idx="1">
-        <a:scrgbClr r="0" g="0" b="0"/>
-      </a:fillRef>
-      <a:effectRef idx="0">
-        <a:scrgbClr r="0" g="0" b="0"/>
-      </a:effectRef>
-      <a:fontRef idx="minor"/>
-    </dgm:style>
-  </dgm:styleLbl>
-  <dgm:styleLbl name="bgImgPlace1">
-    <dgm:scene3d>
-      <a:camera prst="orthographicFront"/>
-      <a:lightRig rig="threePt" dir="t"/>
-    </dgm:scene3d>
-    <dgm:sp3d/>
-    <dgm:txPr/>
-    <dgm:style>
-      <a:lnRef idx="2">
-        <a:scrgbClr r="0" g="0" b="0"/>
-      </a:lnRef>
-      <a:fillRef idx="1">
-        <a:scrgbClr r="0" g="0" b="0"/>
-      </a:fillRef>
-      <a:effectRef idx="0">
-        <a:scrgbClr r="0" g="0" b="0"/>
-      </a:effectRef>
-      <a:fontRef idx="minor"/>
-    </dgm:style>
-  </dgm:styleLbl>
-  <dgm:styleLbl name="sibTrans2D1">
-    <dgm:scene3d>
-      <a:camera prst="orthographicFront"/>
-      <a:lightRig rig="threePt" dir="t"/>
-    </dgm:scene3d>
-    <dgm:sp3d/>
-    <dgm:txPr/>
-    <dgm:style>
-      <a:lnRef idx="0">
-        <a:scrgbClr r="0" g="0" b="0"/>
-      </a:lnRef>
-      <a:fillRef idx="1">
-        <a:scrgbClr r="0" g="0" b="0"/>
-      </a:fillRef>
-      <a:effectRef idx="0">
-        <a:scrgbClr r="0" g="0" b="0"/>
-      </a:effectRef>
-      <a:fontRef idx="minor">
-        <a:schemeClr val="lt1"/>
-      </a:fontRef>
-    </dgm:style>
-  </dgm:styleLbl>
-  <dgm:styleLbl name="fgSibTrans2D1">
-    <dgm:scene3d>
-      <a:camera prst="orthographicFront"/>
-      <a:lightRig rig="threePt" dir="t"/>
-    </dgm:scene3d>
-    <dgm:sp3d/>
-    <dgm:txPr/>
-    <dgm:style>
-      <a:lnRef idx="0">
-        <a:scrgbClr r="0" g="0" b="0"/>
-      </a:lnRef>
-      <a:fillRef idx="1">
-        <a:scrgbClr r="0" g="0" b="0"/>
-      </a:fillRef>
-      <a:effectRef idx="0">
-        <a:scrgbClr r="0" g="0" b="0"/>
-      </a:effectRef>
-      <a:fontRef idx="minor">
-        <a:schemeClr val="lt1"/>
-      </a:fontRef>
-    </dgm:style>
-  </dgm:styleLbl>
-  <dgm:styleLbl name="bgSibTrans2D1">
-    <dgm:scene3d>
-      <a:camera prst="orthographicFront"/>
-      <a:lightRig rig="threePt" dir="t"/>
-    </dgm:scene3d>
-    <dgm:sp3d/>
-    <dgm:txPr/>
-    <dgm:style>
-      <a:lnRef idx="0">
-        <a:scrgbClr r="0" g="0" b="0"/>
-      </a:lnRef>
-      <a:fillRef idx="1">
-        <a:scrgbClr r="0" g="0" b="0"/>
-      </a:fillRef>
-      <a:effectRef idx="0">
-        <a:scrgbClr r="0" g="0" b="0"/>
-      </a:effectRef>
-      <a:fontRef idx="minor">
-        <a:schemeClr val="lt1"/>
-      </a:fontRef>
-    </dgm:style>
-  </dgm:styleLbl>
-  <dgm:styleLbl name="sibTrans1D1">
-    <dgm:scene3d>
-      <a:camera prst="orthographicFront"/>
-      <a:lightRig rig="threePt" dir="t"/>
-    </dgm:scene3d>
-    <dgm:sp3d/>
-    <dgm:txPr/>
-    <dgm:style>
-      <a:lnRef idx="1">
-        <a:scrgbClr r="0" g="0" b="0"/>
-      </a:lnRef>
-      <a:fillRef idx="0">
-        <a:scrgbClr r="0" g="0" b="0"/>
-      </a:fillRef>
-      <a:effectRef idx="0">
-        <a:scrgbClr r="0" g="0" b="0"/>
-      </a:effectRef>
-      <a:fontRef idx="minor"/>
-    </dgm:style>
-  </dgm:styleLbl>
-  <dgm:styleLbl name="callout">
-    <dgm:scene3d>
-      <a:camera prst="orthographicFront"/>
-      <a:lightRig rig="threePt" dir="t"/>
-    </dgm:scene3d>
-    <dgm:sp3d/>
-    <dgm:txPr/>
-    <dgm:style>
-      <a:lnRef idx="2">
-        <a:scrgbClr r="0" g="0" b="0"/>
-      </a:lnRef>
-      <a:fillRef idx="1">
-        <a:scrgbClr r="0" g="0" b="0"/>
-      </a:fillRef>
-      <a:effectRef idx="0">
-        <a:scrgbClr r="0" g="0" b="0"/>
-      </a:effectRef>
-      <a:fontRef idx="minor"/>
-    </dgm:style>
-  </dgm:styleLbl>
-  <dgm:styleLbl name="asst0">
-    <dgm:scene3d>
-      <a:camera prst="orthographicFront"/>
-      <a:lightRig rig="threePt" dir="t"/>
-    </dgm:scene3d>
-    <dgm:sp3d/>
-    <dgm:txPr/>
-    <dgm:style>
-      <a:lnRef idx="2">
-        <a:scrgbClr r="0" g="0" b="0"/>
-      </a:lnRef>
-      <a:fillRef idx="1">
-        <a:scrgbClr r="0" g="0" b="0"/>
-      </a:fillRef>
-      <a:effectRef idx="0">
-        <a:scrgbClr r="0" g="0" b="0"/>
-      </a:effectRef>
-      <a:fontRef idx="minor">
-        <a:schemeClr val="lt1"/>
-      </a:fontRef>
-    </dgm:style>
-  </dgm:styleLbl>
-  <dgm:styleLbl name="asst1">
-    <dgm:scene3d>
-      <a:camera prst="orthographicFront"/>
-      <a:lightRig rig="threePt" dir="t"/>
-    </dgm:scene3d>
-    <dgm:sp3d/>
-    <dgm:txPr/>
-    <dgm:style>
-      <a:lnRef idx="2">
-        <a:scrgbClr r="0" g="0" b="0"/>
-      </a:lnRef>
-      <a:fillRef idx="1">
-        <a:scrgbClr r="0" g="0" b="0"/>
-      </a:fillRef>
-      <a:effectRef idx="0">
-        <a:scrgbClr r="0" g="0" b="0"/>
-      </a:effectRef>
-      <a:fontRef idx="minor">
-        <a:schemeClr val="lt1"/>
-      </a:fontRef>
-    </dgm:style>
-  </dgm:styleLbl>
-  <dgm:styleLbl name="asst2">
-    <dgm:scene3d>
-      <a:camera prst="orthographicFront"/>
-      <a:lightRig rig="threePt" dir="t"/>
-    </dgm:scene3d>
-    <dgm:sp3d/>
-    <dgm:txPr/>
-    <dgm:style>
-      <a:lnRef idx="2">
-        <a:scrgbClr r="0" g="0" b="0"/>
-      </a:lnRef>
-      <a:fillRef idx="1">
-        <a:scrgbClr r="0" g="0" b="0"/>
-      </a:fillRef>
-      <a:effectRef idx="0">
-        <a:scrgbClr r="0" g="0" b="0"/>
-      </a:effectRef>
-      <a:fontRef idx="minor">
-        <a:schemeClr val="lt1"/>
-      </a:fontRef>
-    </dgm:style>
-  </dgm:styleLbl>
-  <dgm:styleLbl name="asst3">
-    <dgm:scene3d>
-      <a:camera prst="orthographicFront"/>
-      <a:lightRig rig="threePt" dir="t"/>
-    </dgm:scene3d>
-    <dgm:sp3d/>
-    <dgm:txPr/>
-    <dgm:style>
-      <a:lnRef idx="2">
-        <a:scrgbClr r="0" g="0" b="0"/>
-      </a:lnRef>
-      <a:fillRef idx="1">
-        <a:scrgbClr r="0" g="0" b="0"/>
-      </a:fillRef>
-      <a:effectRef idx="0">
-        <a:scrgbClr r="0" g="0" b="0"/>
-      </a:effectRef>
-      <a:fontRef idx="minor">
-        <a:schemeClr val="lt1"/>
-      </a:fontRef>
-    </dgm:style>
-  </dgm:styleLbl>
-  <dgm:styleLbl name="asst4">
-    <dgm:scene3d>
-      <a:camera prst="orthographicFront"/>
-      <a:lightRig rig="threePt" dir="t"/>
-    </dgm:scene3d>
-    <dgm:sp3d/>
-    <dgm:txPr/>
-    <dgm:style>
-      <a:lnRef idx="2">
-        <a:scrgbClr r="0" g="0" b="0"/>
-      </a:lnRef>
-      <a:fillRef idx="1">
-        <a:scrgbClr r="0" g="0" b="0"/>
-      </a:fillRef>
-      <a:effectRef idx="0">
-        <a:scrgbClr r="0" g="0" b="0"/>
-      </a:effectRef>
-      <a:fontRef idx="minor">
-        <a:schemeClr val="lt1"/>
-      </a:fontRef>
-    </dgm:style>
-  </dgm:styleLbl>
-  <dgm:styleLbl name="parChTrans2D1">
-    <dgm:scene3d>
-      <a:camera prst="orthographicFront"/>
-      <a:lightRig rig="threePt" dir="t"/>
-    </dgm:scene3d>
-    <dgm:sp3d/>
-    <dgm:txPr/>
-    <dgm:style>
-      <a:lnRef idx="2">
-        <a:scrgbClr r="0" g="0" b="0"/>
-      </a:lnRef>
-      <a:fillRef idx="1">
-        <a:scrgbClr r="0" g="0" b="0"/>
-      </a:fillRef>
-      <a:effectRef idx="0">
-        <a:scrgbClr r="0" g="0" b="0"/>
-      </a:effectRef>
-      <a:fontRef idx="minor">
-        <a:schemeClr val="lt1"/>
-      </a:fontRef>
-    </dgm:style>
-  </dgm:styleLbl>
-  <dgm:styleLbl name="parChTrans2D2">
-    <dgm:scene3d>
-      <a:camera prst="orthographicFront"/>
-      <a:lightRig rig="threePt" dir="t"/>
-    </dgm:scene3d>
-    <dgm:sp3d/>
-    <dgm:txPr/>
-    <dgm:style>
-      <a:lnRef idx="2">
-        <a:scrgbClr r="0" g="0" b="0"/>
-      </a:lnRef>
-      <a:fillRef idx="1">
-        <a:scrgbClr r="0" g="0" b="0"/>
-      </a:fillRef>
-      <a:effectRef idx="0">
-        <a:scrgbClr r="0" g="0" b="0"/>
-      </a:effectRef>
-      <a:fontRef idx="minor">
-        <a:schemeClr val="lt1"/>
-      </a:fontRef>
-    </dgm:style>
-  </dgm:styleLbl>
-  <dgm:styleLbl name="parChTrans2D3">
-    <dgm:scene3d>
-      <a:camera prst="orthographicFront"/>
-      <a:lightRig rig="threePt" dir="t"/>
-    </dgm:scene3d>
-    <dgm:sp3d/>
-    <dgm:txPr/>
-    <dgm:style>
-      <a:lnRef idx="2">
-        <a:scrgbClr r="0" g="0" b="0"/>
-      </a:lnRef>
-      <a:fillRef idx="1">
-        <a:scrgbClr r="0" g="0" b="0"/>
-      </a:fillRef>
-      <a:effectRef idx="0">
-        <a:scrgbClr r="0" g="0" b="0"/>
-      </a:effectRef>
-      <a:fontRef idx="minor">
-        <a:schemeClr val="lt1"/>
-      </a:fontRef>
-    </dgm:style>
-  </dgm:styleLbl>
-  <dgm:styleLbl name="parChTrans2D4">
-    <dgm:scene3d>
-      <a:camera prst="orthographicFront"/>
-      <a:lightRig rig="threePt" dir="t"/>
-    </dgm:scene3d>
-    <dgm:sp3d/>
-    <dgm:txPr/>
-    <dgm:style>
-      <a:lnRef idx="2">
-        <a:scrgbClr r="0" g="0" b="0"/>
-      </a:lnRef>
-      <a:fillRef idx="1">
-        <a:scrgbClr r="0" g="0" b="0"/>
-      </a:fillRef>
-      <a:effectRef idx="0">
-        <a:scrgbClr r="0" g="0" b="0"/>
-      </a:effectRef>
-      <a:fontRef idx="minor">
-        <a:schemeClr val="lt1"/>
-      </a:fontRef>
-    </dgm:style>
-  </dgm:styleLbl>
-  <dgm:styleLbl name="parChTrans1D1">
-    <dgm:scene3d>
-      <a:camera prst="orthographicFront"/>
-      <a:lightRig rig="threePt" dir="t"/>
-    </dgm:scene3d>
-    <dgm:sp3d/>
-    <dgm:txPr/>
-    <dgm:style>
-      <a:lnRef idx="2">
-        <a:scrgbClr r="0" g="0" b="0"/>
-      </a:lnRef>
-      <a:fillRef idx="0">
-        <a:scrgbClr r="0" g="0" b="0"/>
-      </a:fillRef>
-      <a:effectRef idx="0">
-        <a:scrgbClr r="0" g="0" b="0"/>
-      </a:effectRef>
-      <a:fontRef idx="minor"/>
-    </dgm:style>
-  </dgm:styleLbl>
-  <dgm:styleLbl name="parChTrans1D2">
-    <dgm:scene3d>
-      <a:camera prst="orthographicFront"/>
-      <a:lightRig rig="threePt" dir="t"/>
-    </dgm:scene3d>
-    <dgm:sp3d/>
-    <dgm:txPr/>
-    <dgm:style>
-      <a:lnRef idx="2">
-        <a:scrgbClr r="0" g="0" b="0"/>
-      </a:lnRef>
-      <a:fillRef idx="0">
-        <a:scrgbClr r="0" g="0" b="0"/>
-      </a:fillRef>
-      <a:effectRef idx="0">
-        <a:scrgbClr r="0" g="0" b="0"/>
-      </a:effectRef>
-      <a:fontRef idx="minor"/>
-    </dgm:style>
-  </dgm:styleLbl>
-  <dgm:styleLbl name="parChTrans1D3">
-    <dgm:scene3d>
-      <a:camera prst="orthographicFront"/>
-      <a:lightRig rig="threePt" dir="t"/>
-    </dgm:scene3d>
-    <dgm:sp3d/>
-    <dgm:txPr/>
-    <dgm:style>
-      <a:lnRef idx="2">
-        <a:scrgbClr r="0" g="0" b="0"/>
-      </a:lnRef>
-      <a:fillRef idx="0">
-        <a:scrgbClr r="0" g="0" b="0"/>
-      </a:fillRef>
-      <a:effectRef idx="0">
-        <a:scrgbClr r="0" g="0" b="0"/>
-      </a:effectRef>
-      <a:fontRef idx="minor"/>
-    </dgm:style>
-  </dgm:styleLbl>
-  <dgm:styleLbl name="parChTrans1D4">
-    <dgm:scene3d>
-      <a:camera prst="orthographicFront"/>
-      <a:lightRig rig="threePt" dir="t"/>
-    </dgm:scene3d>
-    <dgm:sp3d/>
-    <dgm:txPr/>
-    <dgm:style>
-      <a:lnRef idx="2">
-        <a:scrgbClr r="0" g="0" b="0"/>
-      </a:lnRef>
-      <a:fillRef idx="0">
-        <a:scrgbClr r="0" g="0" b="0"/>
-      </a:fillRef>
-      <a:effectRef idx="0">
-        <a:scrgbClr r="0" g="0" b="0"/>
-      </a:effectRef>
-      <a:fontRef idx="minor"/>
-    </dgm:style>
-  </dgm:styleLbl>
-  <dgm:styleLbl name="fgAcc1">
-    <dgm:scene3d>
-      <a:camera prst="orthographicFront"/>
-      <a:lightRig rig="threePt" dir="t"/>
-    </dgm:scene3d>
-    <dgm:sp3d/>
-    <dgm:txPr/>
-    <dgm:style>
-      <a:lnRef idx="2">
-        <a:scrgbClr r="0" g="0" b="0"/>
-      </a:lnRef>
-      <a:fillRef idx="1">
-        <a:scrgbClr r="0" g="0" b="0"/>
-      </a:fillRef>
-      <a:effectRef idx="0">
-        <a:scrgbClr r="0" g="0" b="0"/>
-      </a:effectRef>
-      <a:fontRef idx="minor"/>
-    </dgm:style>
-  </dgm:styleLbl>
-  <dgm:styleLbl name="conFgAcc1">
-    <dgm:scene3d>
-      <a:camera prst="orthographicFront"/>
-      <a:lightRig rig="threePt" dir="t"/>
-    </dgm:scene3d>
-    <dgm:sp3d/>
-    <dgm:txPr/>
-    <dgm:style>
-      <a:lnRef idx="2">
-        <a:scrgbClr r="0" g="0" b="0"/>
-      </a:lnRef>
-      <a:fillRef idx="1">
-        <a:scrgbClr r="0" g="0" b="0"/>
-      </a:fillRef>
-      <a:effectRef idx="0">
-        <a:scrgbClr r="0" g="0" b="0"/>
-      </a:effectRef>
-      <a:fontRef idx="minor"/>
-    </dgm:style>
-  </dgm:styleLbl>
-  <dgm:styleLbl name="alignAcc1">
-    <dgm:scene3d>
-      <a:camera prst="orthographicFront"/>
-      <a:lightRig rig="threePt" dir="t"/>
-    </dgm:scene3d>
-    <dgm:sp3d/>
-    <dgm:txPr/>
-    <dgm:style>
-      <a:lnRef idx="2">
-        <a:scrgbClr r="0" g="0" b="0"/>
-      </a:lnRef>
-      <a:fillRef idx="1">
-        <a:scrgbClr r="0" g="0" b="0"/>
-      </a:fillRef>
-      <a:effectRef idx="0">
-        <a:scrgbClr r="0" g="0" b="0"/>
-      </a:effectRef>
-      <a:fontRef idx="minor"/>
-    </dgm:style>
-  </dgm:styleLbl>
-  <dgm:styleLbl name="trAlignAcc1">
-    <dgm:scene3d>
-      <a:camera prst="orthographicFront"/>
-      <a:lightRig rig="threePt" dir="t"/>
-    </dgm:scene3d>
-    <dgm:sp3d/>
-    <dgm:txPr/>
-    <dgm:style>
-      <a:lnRef idx="1">
-        <a:scrgbClr r="0" g="0" b="0"/>
-      </a:lnRef>
-      <a:fillRef idx="1">
-        <a:scrgbClr r="0" g="0" b="0"/>
-      </a:fillRef>
-      <a:effectRef idx="0">
-        <a:scrgbClr r="0" g="0" b="0"/>
-      </a:effectRef>
-      <a:fontRef idx="minor"/>
-    </dgm:style>
-  </dgm:styleLbl>
-  <dgm:styleLbl name="bgAcc1">
-    <dgm:scene3d>
-      <a:camera prst="orthographicFront"/>
-      <a:lightRig rig="threePt" dir="t"/>
-    </dgm:scene3d>
-    <dgm:sp3d/>
-    <dgm:txPr/>
-    <dgm:style>
-      <a:lnRef idx="2">
-        <a:scrgbClr r="0" g="0" b="0"/>
-      </a:lnRef>
-      <a:fillRef idx="1">
-        <a:scrgbClr r="0" g="0" b="0"/>
-      </a:fillRef>
-      <a:effectRef idx="0">
-        <a:scrgbClr r="0" g="0" b="0"/>
-      </a:effectRef>
-      <a:fontRef idx="minor"/>
-    </dgm:style>
-  </dgm:styleLbl>
-  <dgm:styleLbl name="solidFgAcc1">
-    <dgm:scene3d>
-      <a:camera prst="orthographicFront"/>
-      <a:lightRig rig="threePt" dir="t"/>
-    </dgm:scene3d>
-    <dgm:sp3d/>
-    <dgm:txPr/>
-    <dgm:style>
-      <a:lnRef idx="2">
-        <a:scrgbClr r="0" g="0" b="0"/>
-      </a:lnRef>
-      <a:fillRef idx="1">
-        <a:scrgbClr r="0" g="0" b="0"/>
-      </a:fillRef>
-      <a:effectRef idx="0">
-        <a:scrgbClr r="0" g="0" b="0"/>
-      </a:effectRef>
-      <a:fontRef idx="minor"/>
-    </dgm:style>
-  </dgm:styleLbl>
-  <dgm:styleLbl name="solidAlignAcc1">
-    <dgm:scene3d>
-      <a:camera prst="orthographicFront"/>
-      <a:lightRig rig="threePt" dir="t"/>
-    </dgm:scene3d>
-    <dgm:sp3d/>
-    <dgm:txPr/>
-    <dgm:style>
-      <a:lnRef idx="2">
-        <a:scrgbClr r="0" g="0" b="0"/>
-      </a:lnRef>
-      <a:fillRef idx="1">
-        <a:scrgbClr r="0" g="0" b="0"/>
-      </a:fillRef>
-      <a:effectRef idx="0">
-        <a:scrgbClr r="0" g="0" b="0"/>
-      </a:effectRef>
-      <a:fontRef idx="minor"/>
-    </dgm:style>
-  </dgm:styleLbl>
-  <dgm:styleLbl name="solidBgAcc1">
-    <dgm:scene3d>
-      <a:camera prst="orthographicFront"/>
-      <a:lightRig rig="threePt" dir="t"/>
-    </dgm:scene3d>
-    <dgm:sp3d/>
-    <dgm:txPr/>
-    <dgm:style>
-      <a:lnRef idx="2">
-        <a:scrgbClr r="0" g="0" b="0"/>
-      </a:lnRef>
-      <a:fillRef idx="1">
-        <a:scrgbClr r="0" g="0" b="0"/>
-      </a:fillRef>
-      <a:effectRef idx="0">
-        <a:scrgbClr r="0" g="0" b="0"/>
-      </a:effectRef>
-      <a:fontRef idx="minor"/>
-    </dgm:style>
-  </dgm:styleLbl>
-  <dgm:styleLbl name="fgAccFollowNode1">
-    <dgm:scene3d>
-      <a:camera prst="orthographicFront"/>
-      <a:lightRig rig="threePt" dir="t"/>
-    </dgm:scene3d>
-    <dgm:sp3d/>
-    <dgm:txPr/>
-    <dgm:style>
-      <a:lnRef idx="2">
-        <a:scrgbClr r="0" g="0" b="0"/>
-      </a:lnRef>
-      <a:fillRef idx="1">
-        <a:scrgbClr r="0" g="0" b="0"/>
-      </a:fillRef>
-      <a:effectRef idx="0">
-        <a:scrgbClr r="0" g="0" b="0"/>
-      </a:effectRef>
-      <a:fontRef idx="minor"/>
-    </dgm:style>
-  </dgm:styleLbl>
-  <dgm:styleLbl name="alignAccFollowNode1">
-    <dgm:scene3d>
-      <a:camera prst="orthographicFront"/>
-      <a:lightRig rig="threePt" dir="t"/>
-    </dgm:scene3d>
-    <dgm:sp3d/>
-    <dgm:txPr/>
-    <dgm:style>
-      <a:lnRef idx="2">
-        <a:scrgbClr r="0" g="0" b="0"/>
-      </a:lnRef>
-      <a:fillRef idx="1">
-        <a:scrgbClr r="0" g="0" b="0"/>
-      </a:fillRef>
-      <a:effectRef idx="0">
-        <a:scrgbClr r="0" g="0" b="0"/>
-      </a:effectRef>
-      <a:fontRef idx="minor"/>
-    </dgm:style>
-  </dgm:styleLbl>
-  <dgm:styleLbl name="bgAccFollowNode1">
-    <dgm:scene3d>
-      <a:camera prst="orthographicFront"/>
-      <a:lightRig rig="threePt" dir="t"/>
-    </dgm:scene3d>
-    <dgm:sp3d/>
-    <dgm:txPr/>
-    <dgm:style>
-      <a:lnRef idx="2">
-        <a:scrgbClr r="0" g="0" b="0"/>
-      </a:lnRef>
-      <a:fillRef idx="1">
-        <a:scrgbClr r="0" g="0" b="0"/>
-      </a:fillRef>
-      <a:effectRef idx="0">
-        <a:scrgbClr r="0" g="0" b="0"/>
-      </a:effectRef>
-      <a:fontRef idx="minor"/>
-    </dgm:style>
-  </dgm:styleLbl>
-  <dgm:styleLbl name="fgAcc0">
-    <dgm:scene3d>
-      <a:camera prst="orthographicFront"/>
-      <a:lightRig rig="threePt" dir="t"/>
-    </dgm:scene3d>
-    <dgm:sp3d/>
-    <dgm:txPr/>
-    <dgm:style>
-      <a:lnRef idx="2">
-        <a:scrgbClr r="0" g="0" b="0"/>
-      </a:lnRef>
-      <a:fillRef idx="1">
-        <a:scrgbClr r="0" g="0" b="0"/>
-      </a:fillRef>
-      <a:effectRef idx="0">
-        <a:scrgbClr r="0" g="0" b="0"/>
-      </a:effectRef>
-      <a:fontRef idx="minor"/>
-    </dgm:style>
-  </dgm:styleLbl>
-  <dgm:styleLbl name="fgAcc2">
-    <dgm:scene3d>
-      <a:camera prst="orthographicFront"/>
-      <a:lightRig rig="threePt" dir="t"/>
-    </dgm:scene3d>
-    <dgm:sp3d/>
-    <dgm:txPr/>
-    <dgm:style>
-      <a:lnRef idx="2">
-        <a:scrgbClr r="0" g="0" b="0"/>
-      </a:lnRef>
-      <a:fillRef idx="1">
-        <a:scrgbClr r="0" g="0" b="0"/>
-      </a:fillRef>
-      <a:effectRef idx="0">
-        <a:scrgbClr r="0" g="0" b="0"/>
-      </a:effectRef>
-      <a:fontRef idx="minor"/>
-    </dgm:style>
-  </dgm:styleLbl>
-  <dgm:styleLbl name="fgAcc3">
-    <dgm:scene3d>
-      <a:camera prst="orthographicFront"/>
-      <a:lightRig rig="threePt" dir="t"/>
-    </dgm:scene3d>
-    <dgm:sp3d/>
-    <dgm:txPr/>
-    <dgm:style>
-      <a:lnRef idx="2">
-        <a:scrgbClr r="0" g="0" b="0"/>
-      </a:lnRef>
-      <a:fillRef idx="1">
-        <a:scrgbClr r="0" g="0" b="0"/>
-      </a:fillRef>
-      <a:effectRef idx="0">
-        <a:scrgbClr r="0" g="0" b="0"/>
-      </a:effectRef>
-      <a:fontRef idx="minor"/>
-    </dgm:style>
-  </dgm:styleLbl>
-  <dgm:styleLbl name="fgAcc4">
-    <dgm:scene3d>
-      <a:camera prst="orthographicFront"/>
-      <a:lightRig rig="threePt" dir="t"/>
-    </dgm:scene3d>
-    <dgm:sp3d/>
-    <dgm:txPr/>
-    <dgm:style>
-      <a:lnRef idx="2">
-        <a:scrgbClr r="0" g="0" b="0"/>
-      </a:lnRef>
-      <a:fillRef idx="1">
-        <a:scrgbClr r="0" g="0" b="0"/>
-      </a:fillRef>
-      <a:effectRef idx="0">
-        <a:scrgbClr r="0" g="0" b="0"/>
-      </a:effectRef>
-      <a:fontRef idx="minor"/>
-    </dgm:style>
-  </dgm:styleLbl>
-  <dgm:styleLbl name="bgShp">
-    <dgm:scene3d>
-      <a:camera prst="orthographicFront"/>
-      <a:lightRig rig="threePt" dir="t"/>
-    </dgm:scene3d>
-    <dgm:sp3d/>
-    <dgm:txPr/>
-    <dgm:style>
-      <a:lnRef idx="0">
-        <a:scrgbClr r="0" g="0" b="0"/>
-      </a:lnRef>
-      <a:fillRef idx="1">
-        <a:scrgbClr r="0" g="0" b="0"/>
-      </a:fillRef>
-      <a:effectRef idx="0">
-        <a:scrgbClr r="0" g="0" b="0"/>
-      </a:effectRef>
-      <a:fontRef idx="minor"/>
-    </dgm:style>
-  </dgm:styleLbl>
-  <dgm:styleLbl name="dkBgShp">
-    <dgm:scene3d>
-      <a:camera prst="orthographicFront"/>
-      <a:lightRig rig="threePt" dir="t"/>
-    </dgm:scene3d>
-    <dgm:sp3d/>
-    <dgm:txPr/>
-    <dgm:style>
-      <a:lnRef idx="0">
-        <a:scrgbClr r="0" g="0" b="0"/>
-      </a:lnRef>
-      <a:fillRef idx="1">
-        <a:scrgbClr r="0" g="0" b="0"/>
-      </a:fillRef>
-      <a:effectRef idx="0">
-        <a:scrgbClr r="0" g="0" b="0"/>
-      </a:effectRef>
-      <a:fontRef idx="minor"/>
-    </dgm:style>
-  </dgm:styleLbl>
-  <dgm:styleLbl name="trBgShp">
-    <dgm:scene3d>
-      <a:camera prst="orthographicFront"/>
-      <a:lightRig rig="threePt" dir="t"/>
-    </dgm:scene3d>
-    <dgm:sp3d/>
-    <dgm:txPr/>
-    <dgm:style>
-      <a:lnRef idx="0">
-        <a:scrgbClr r="0" g="0" b="0"/>
-      </a:lnRef>
-      <a:fillRef idx="1">
-        <a:scrgbClr r="0" g="0" b="0"/>
-      </a:fillRef>
-      <a:effectRef idx="0">
-        <a:scrgbClr r="0" g="0" b="0"/>
-      </a:effectRef>
-      <a:fontRef idx="minor"/>
-    </dgm:style>
-  </dgm:styleLbl>
-  <dgm:styleLbl name="fgShp">
-    <dgm:scene3d>
-      <a:camera prst="orthographicFront"/>
-      <a:lightRig rig="threePt" dir="t"/>
-    </dgm:scene3d>
-    <dgm:sp3d/>
-    <dgm:txPr/>
-    <dgm:style>
-      <a:lnRef idx="2">
-        <a:scrgbClr r="0" g="0" b="0"/>
-      </a:lnRef>
-      <a:fillRef idx="1">
-        <a:scrgbClr r="0" g="0" b="0"/>
-      </a:fillRef>
-      <a:effectRef idx="0">
-        <a:scrgbClr r="0" g="0" b="0"/>
-      </a:effectRef>
-      <a:fontRef idx="minor"/>
-    </dgm:style>
-  </dgm:styleLbl>
-  <dgm:styleLbl name="revTx">
-    <dgm:scene3d>
-      <a:camera prst="orthographicFront"/>
-      <a:lightRig rig="threePt" dir="t"/>
-    </dgm:scene3d>
-    <dgm:sp3d/>
-    <dgm:txPr/>
-    <dgm:style>
-      <a:lnRef idx="0">
-        <a:scrgbClr r="0" g="0" b="0"/>
-      </a:lnRef>
-      <a:fillRef idx="0">
-        <a:scrgbClr r="0" g="0" b="0"/>
-      </a:fillRef>
-      <a:effectRef idx="0">
-        <a:scrgbClr r="0" g="0" b="0"/>
-      </a:effectRef>
-      <a:fontRef idx="minor"/>
-    </dgm:style>
-  </dgm:styleLbl>
-</dgm:styleDef>
+<file path=ppt/notesMasters/notesMaster1.xml><?xml version="1.0" encoding="utf-8"?>
+<p:notesMaster xmlns:a="http://schemas.openxmlformats.org/drawingml/2006/main" xmlns:r="http://schemas.openxmlformats.org/officeDocument/2006/relationships" xmlns:p="http://schemas.openxmlformats.org/presentationml/2006/main">
+  <p:cSld>
+    <p:bg>
+      <p:bgRef idx="1001">
+        <a:schemeClr val="bg1"/>
+      </p:bgRef>
+    </p:bg>
+    <p:spTree>
+      <p:nvGrpSpPr>
+        <p:cNvPr id="1" name=""/>
+        <p:cNvGrpSpPr/>
+        <p:nvPr/>
+      </p:nvGrpSpPr>
+      <p:grpSpPr>
+        <a:xfrm>
+          <a:off x="0" y="0"/>
+          <a:ext cx="0" cy="0"/>
+          <a:chOff x="0" y="0"/>
+          <a:chExt cx="0" cy="0"/>
+        </a:xfrm>
+      </p:grpSpPr>
+      <p:sp>
+        <p:nvSpPr>
+          <p:cNvPr id="2" name="Header Placeholder 1"/>
+          <p:cNvSpPr>
+            <a:spLocks noGrp="1"/>
+          </p:cNvSpPr>
+          <p:nvPr>
+            <p:ph type="hdr" sz="quarter"/>
+          </p:nvPr>
+        </p:nvSpPr>
+        <p:spPr>
+          <a:xfrm>
+            <a:off x="0" y="0"/>
+            <a:ext cx="2971800" cy="458788"/>
+          </a:xfrm>
+          <a:prstGeom prst="rect">
+            <a:avLst/>
+          </a:prstGeom>
+        </p:spPr>
+        <p:txBody>
+          <a:bodyPr vert="horz" lIns="91440" tIns="45720" rIns="91440" bIns="45720" rtlCol="0"/>
+          <a:lstStyle>
+            <a:lvl1pPr algn="l">
+              <a:defRPr sz="1200"/>
+            </a:lvl1pPr>
+          </a:lstStyle>
+          <a:p>
+            <a:endParaRPr lang="en-US"/>
+          </a:p>
+        </p:txBody>
+      </p:sp>
+      <p:sp>
+        <p:nvSpPr>
+          <p:cNvPr id="3" name="Date Placeholder 2"/>
+          <p:cNvSpPr>
+            <a:spLocks noGrp="1"/>
+          </p:cNvSpPr>
+          <p:nvPr>
+            <p:ph type="dt" idx="1"/>
+          </p:nvPr>
+        </p:nvSpPr>
+        <p:spPr>
+          <a:xfrm>
+            <a:off x="3884613" y="0"/>
+            <a:ext cx="2971800" cy="458788"/>
+          </a:xfrm>
+          <a:prstGeom prst="rect">
+            <a:avLst/>
+          </a:prstGeom>
+        </p:spPr>
+        <p:txBody>
+          <a:bodyPr vert="horz" lIns="91440" tIns="45720" rIns="91440" bIns="45720" rtlCol="0"/>
+          <a:lstStyle>
+            <a:lvl1pPr algn="r">
+              <a:defRPr sz="1200"/>
+            </a:lvl1pPr>
+          </a:lstStyle>
+          <a:p>
+            <a:fld id="{C0832EA6-209A-3240-8191-6DC4A1E29DBF}" type="datetimeFigureOut">
+              <a:rPr lang="en-US" smtClean="0"/>
+              <a:t>9/5/25</a:t>
+            </a:fld>
+            <a:endParaRPr lang="en-US"/>
+          </a:p>
+        </p:txBody>
+      </p:sp>
+      <p:sp>
+        <p:nvSpPr>
+          <p:cNvPr id="4" name="Slide Image Placeholder 3"/>
+          <p:cNvSpPr>
+            <a:spLocks noGrp="1" noRot="1" noChangeAspect="1"/>
+          </p:cNvSpPr>
+          <p:nvPr>
+            <p:ph type="sldImg" idx="2"/>
+          </p:nvPr>
+        </p:nvSpPr>
+        <p:spPr>
+          <a:xfrm>
+            <a:off x="685800" y="1143000"/>
+            <a:ext cx="5486400" cy="3086100"/>
+          </a:xfrm>
+          <a:prstGeom prst="rect">
+            <a:avLst/>
+          </a:prstGeom>
+          <a:noFill/>
+          <a:ln w="12700">
+            <a:solidFill>
+              <a:prstClr val="black"/>
+            </a:solidFill>
+          </a:ln>
+        </p:spPr>
+        <p:txBody>
+          <a:bodyPr vert="horz" lIns="91440" tIns="45720" rIns="91440" bIns="45720" rtlCol="0" anchor="ctr"/>
+          <a:lstStyle/>
+          <a:p>
+            <a:endParaRPr lang="en-US"/>
+          </a:p>
+        </p:txBody>
+      </p:sp>
+      <p:sp>
+        <p:nvSpPr>
+          <p:cNvPr id="5" name="Notes Placeholder 4"/>
+          <p:cNvSpPr>
+            <a:spLocks noGrp="1"/>
+          </p:cNvSpPr>
+          <p:nvPr>
+            <p:ph type="body" sz="quarter" idx="3"/>
+          </p:nvPr>
+        </p:nvSpPr>
+        <p:spPr>
+          <a:xfrm>
+            <a:off x="685800" y="4400550"/>
+            <a:ext cx="5486400" cy="3600450"/>
+          </a:xfrm>
+          <a:prstGeom prst="rect">
+            <a:avLst/>
+          </a:prstGeom>
+        </p:spPr>
+        <p:txBody>
+          <a:bodyPr vert="horz" lIns="91440" tIns="45720" rIns="91440" bIns="45720" rtlCol="0"/>
+          <a:lstStyle/>
+          <a:p>
+            <a:pPr lvl="0"/>
+            <a:r>
+              <a:rPr lang="en-US"/>
+              <a:t>Click to edit Master text styles</a:t>
+            </a:r>
+          </a:p>
+          <a:p>
+            <a:pPr lvl="1"/>
+            <a:r>
+              <a:rPr lang="en-US"/>
+              <a:t>Second level</a:t>
+            </a:r>
+          </a:p>
+          <a:p>
+            <a:pPr lvl="2"/>
+            <a:r>
+              <a:rPr lang="en-US"/>
+              <a:t>Third level</a:t>
+            </a:r>
+          </a:p>
+          <a:p>
+            <a:pPr lvl="3"/>
+            <a:r>
+              <a:rPr lang="en-US"/>
+              <a:t>Fourth level</a:t>
+            </a:r>
+          </a:p>
+          <a:p>
+            <a:pPr lvl="4"/>
+            <a:r>
+              <a:rPr lang="en-US"/>
+              <a:t>Fifth level</a:t>
+            </a:r>
+          </a:p>
+        </p:txBody>
+      </p:sp>
+      <p:sp>
+        <p:nvSpPr>
+          <p:cNvPr id="6" name="Footer Placeholder 5"/>
+          <p:cNvSpPr>
+            <a:spLocks noGrp="1"/>
+          </p:cNvSpPr>
+          <p:nvPr>
+            <p:ph type="ftr" sz="quarter" idx="4"/>
+          </p:nvPr>
+        </p:nvSpPr>
+        <p:spPr>
+          <a:xfrm>
+            <a:off x="0" y="8685213"/>
+            <a:ext cx="2971800" cy="458787"/>
+          </a:xfrm>
+          <a:prstGeom prst="rect">
+            <a:avLst/>
+          </a:prstGeom>
+        </p:spPr>
+        <p:txBody>
+          <a:bodyPr vert="horz" lIns="91440" tIns="45720" rIns="91440" bIns="45720" rtlCol="0" anchor="b"/>
+          <a:lstStyle>
+            <a:lvl1pPr algn="l">
+              <a:defRPr sz="1200"/>
+            </a:lvl1pPr>
+          </a:lstStyle>
+          <a:p>
+            <a:endParaRPr lang="en-US"/>
+          </a:p>
+        </p:txBody>
+      </p:sp>
+      <p:sp>
+        <p:nvSpPr>
+          <p:cNvPr id="7" name="Slide Number Placeholder 6"/>
+          <p:cNvSpPr>
+            <a:spLocks noGrp="1"/>
+          </p:cNvSpPr>
+          <p:nvPr>
+            <p:ph type="sldNum" sz="quarter" idx="5"/>
+          </p:nvPr>
+        </p:nvSpPr>
+        <p:spPr>
+          <a:xfrm>
+            <a:off x="3884613" y="8685213"/>
+            <a:ext cx="2971800" cy="458787"/>
+          </a:xfrm>
+          <a:prstGeom prst="rect">
+            <a:avLst/>
+          </a:prstGeom>
+        </p:spPr>
+        <p:txBody>
+          <a:bodyPr vert="horz" lIns="91440" tIns="45720" rIns="91440" bIns="45720" rtlCol="0" anchor="b"/>
+          <a:lstStyle>
+            <a:lvl1pPr algn="r">
+              <a:defRPr sz="1200"/>
+            </a:lvl1pPr>
+          </a:lstStyle>
+          <a:p>
+            <a:fld id="{F36DBB7D-C3DD-9543-8AD6-955186E71150}" type="slidenum">
+              <a:rPr lang="en-US" smtClean="0"/>
+              <a:t>‹#›</a:t>
+            </a:fld>
+            <a:endParaRPr lang="en-US"/>
+          </a:p>
+        </p:txBody>
+      </p:sp>
+    </p:spTree>
+    <p:extLst>
+      <p:ext uri="{BB962C8B-B14F-4D97-AF65-F5344CB8AC3E}">
+        <p14:creationId xmlns:p14="http://schemas.microsoft.com/office/powerpoint/2010/main" val="2586955107"/>
+      </p:ext>
+    </p:extLst>
+  </p:cSld>
+  <p:clrMap bg1="lt1" tx1="dk1" bg2="lt2" tx2="dk2" accent1="accent1" accent2="accent2" accent3="accent3" accent4="accent4" accent5="accent5" accent6="accent6" hlink="hlink" folHlink="folHlink"/>
+  <p:notesStyle>
+    <a:lvl1pPr marL="0" algn="l" defTabSz="914400" rtl="0" eaLnBrk="1" latinLnBrk="0" hangingPunct="1">
+      <a:defRPr sz="1200" kern="1200">
+        <a:solidFill>
+          <a:schemeClr val="tx1"/>
+        </a:solidFill>
+        <a:latin typeface="+mn-lt"/>
+        <a:ea typeface="+mn-ea"/>
+        <a:cs typeface="+mn-cs"/>
+      </a:defRPr>
+    </a:lvl1pPr>
+    <a:lvl2pPr marL="457200" algn="l" defTabSz="914400" rtl="0" eaLnBrk="1" latinLnBrk="0" hangingPunct="1">
+      <a:defRPr sz="1200" kern="1200">
+        <a:solidFill>
+          <a:schemeClr val="tx1"/>
+        </a:solidFill>
+        <a:latin typeface="+mn-lt"/>
+        <a:ea typeface="+mn-ea"/>
+        <a:cs typeface="+mn-cs"/>
+      </a:defRPr>
+    </a:lvl2pPr>
+    <a:lvl3pPr marL="914400" algn="l" defTabSz="914400" rtl="0" eaLnBrk="1" latinLnBrk="0" hangingPunct="1">
+      <a:defRPr sz="1200" kern="1200">
+        <a:solidFill>
+          <a:schemeClr val="tx1"/>
+        </a:solidFill>
+        <a:latin typeface="+mn-lt"/>
+        <a:ea typeface="+mn-ea"/>
+        <a:cs typeface="+mn-cs"/>
+      </a:defRPr>
+    </a:lvl3pPr>
+    <a:lvl4pPr marL="1371600" algn="l" defTabSz="914400" rtl="0" eaLnBrk="1" latinLnBrk="0" hangingPunct="1">
+      <a:defRPr sz="1200" kern="1200">
+        <a:solidFill>
+          <a:schemeClr val="tx1"/>
+        </a:solidFill>
+        <a:latin typeface="+mn-lt"/>
+        <a:ea typeface="+mn-ea"/>
+        <a:cs typeface="+mn-cs"/>
+      </a:defRPr>
+    </a:lvl4pPr>
+    <a:lvl5pPr marL="1828800" algn="l" defTabSz="914400" rtl="0" eaLnBrk="1" latinLnBrk="0" hangingPunct="1">
+      <a:defRPr sz="1200" kern="1200">
+        <a:solidFill>
+          <a:schemeClr val="tx1"/>
+        </a:solidFill>
+        <a:latin typeface="+mn-lt"/>
+        <a:ea typeface="+mn-ea"/>
+        <a:cs typeface="+mn-cs"/>
+      </a:defRPr>
+    </a:lvl5pPr>
+    <a:lvl6pPr marL="2286000" algn="l" defTabSz="914400" rtl="0" eaLnBrk="1" latinLnBrk="0" hangingPunct="1">
+      <a:defRPr sz="1200" kern="1200">
+        <a:solidFill>
+          <a:schemeClr val="tx1"/>
+        </a:solidFill>
+        <a:latin typeface="+mn-lt"/>
+        <a:ea typeface="+mn-ea"/>
+        <a:cs typeface="+mn-cs"/>
+      </a:defRPr>
+    </a:lvl6pPr>
+    <a:lvl7pPr marL="2743200" algn="l" defTabSz="914400" rtl="0" eaLnBrk="1" latinLnBrk="0" hangingPunct="1">
+      <a:defRPr sz="1200" kern="1200">
+        <a:solidFill>
+          <a:schemeClr val="tx1"/>
+        </a:solidFill>
+        <a:latin typeface="+mn-lt"/>
+        <a:ea typeface="+mn-ea"/>
+        <a:cs typeface="+mn-cs"/>
+      </a:defRPr>
+    </a:lvl7pPr>
+    <a:lvl8pPr marL="3200400" algn="l" defTabSz="914400" rtl="0" eaLnBrk="1" latinLnBrk="0" hangingPunct="1">
+      <a:defRPr sz="1200" kern="1200">
+        <a:solidFill>
+          <a:schemeClr val="tx1"/>
+        </a:solidFill>
+        <a:latin typeface="+mn-lt"/>
+        <a:ea typeface="+mn-ea"/>
+        <a:cs typeface="+mn-cs"/>
+      </a:defRPr>
+    </a:lvl8pPr>
+    <a:lvl9pPr marL="3657600" algn="l" defTabSz="914400" rtl="0" eaLnBrk="1" latinLnBrk="0" hangingPunct="1">
+      <a:defRPr sz="1200" kern="1200">
+        <a:solidFill>
+          <a:schemeClr val="tx1"/>
+        </a:solidFill>
+        <a:latin typeface="+mn-lt"/>
+        <a:ea typeface="+mn-ea"/>
+        <a:cs typeface="+mn-cs"/>
+      </a:defRPr>
+    </a:lvl9pPr>
+  </p:notesStyle>
+</p:notesMaster>
+</file>
+
+<file path=ppt/notesSlides/notesSlide1.xml><?xml version="1.0" encoding="utf-8"?>
+<p:notes xmlns:a="http://schemas.openxmlformats.org/drawingml/2006/main" xmlns:r="http://schemas.openxmlformats.org/officeDocument/2006/relationships" xmlns:p="http://schemas.openxmlformats.org/presentationml/2006/main">
+  <p:cSld>
+    <p:spTree>
+      <p:nvGrpSpPr>
+        <p:cNvPr id="1" name=""/>
+        <p:cNvGrpSpPr/>
+        <p:nvPr/>
+      </p:nvGrpSpPr>
+      <p:grpSpPr>
+        <a:xfrm>
+          <a:off x="0" y="0"/>
+          <a:ext cx="0" cy="0"/>
+          <a:chOff x="0" y="0"/>
+          <a:chExt cx="0" cy="0"/>
+        </a:xfrm>
+      </p:grpSpPr>
+      <p:sp>
+        <p:nvSpPr>
+          <p:cNvPr id="2" name="Slide Image Placeholder 1"/>
+          <p:cNvSpPr>
+            <a:spLocks noGrp="1" noRot="1" noChangeAspect="1"/>
+          </p:cNvSpPr>
+          <p:nvPr>
+            <p:ph type="sldImg"/>
+          </p:nvPr>
+        </p:nvSpPr>
+        <p:spPr/>
+      </p:sp>
+      <p:sp>
+        <p:nvSpPr>
+          <p:cNvPr id="3" name="Notes Placeholder 2"/>
+          <p:cNvSpPr>
+            <a:spLocks noGrp="1"/>
+          </p:cNvSpPr>
+          <p:nvPr>
+            <p:ph type="body" idx="1"/>
+          </p:nvPr>
+        </p:nvSpPr>
+        <p:spPr/>
+        <p:txBody>
+          <a:bodyPr/>
+          <a:lstStyle/>
+          <a:p>
+            <a:endParaRPr lang="en-US" dirty="0"/>
+          </a:p>
+        </p:txBody>
+      </p:sp>
+      <p:sp>
+        <p:nvSpPr>
+          <p:cNvPr id="4" name="Slide Number Placeholder 3"/>
+          <p:cNvSpPr>
+            <a:spLocks noGrp="1"/>
+          </p:cNvSpPr>
+          <p:nvPr>
+            <p:ph type="sldNum" sz="quarter" idx="5"/>
+          </p:nvPr>
+        </p:nvSpPr>
+        <p:spPr/>
+        <p:txBody>
+          <a:bodyPr/>
+          <a:lstStyle/>
+          <a:p>
+            <a:fld id="{F36DBB7D-C3DD-9543-8AD6-955186E71150}" type="slidenum">
+              <a:rPr lang="en-US" smtClean="0"/>
+              <a:t>7</a:t>
+            </a:fld>
+            <a:endParaRPr lang="en-US"/>
+          </a:p>
+        </p:txBody>
+      </p:sp>
+    </p:spTree>
+    <p:extLst>
+      <p:ext uri="{BB962C8B-B14F-4D97-AF65-F5344CB8AC3E}">
+        <p14:creationId xmlns:p14="http://schemas.microsoft.com/office/powerpoint/2010/main" val="1141534652"/>
+      </p:ext>
+    </p:extLst>
+  </p:cSld>
+  <p:clrMapOvr>
+    <a:masterClrMapping/>
+  </p:clrMapOvr>
+</p:notes>
 </file>
 
 <file path=ppt/slideLayouts/slideLayout1.xml><?xml version="1.0" encoding="utf-8"?>
@@ -14375,7 +12040,7 @@
           <a:p>
             <a:fld id="{0661F82E-3E95-B749-AB60-53864B10E4B3}" type="datetimeFigureOut">
               <a:rPr lang="en-US" smtClean="0"/>
-              <a:t>9/1/25</a:t>
+              <a:t>9/4/25</a:t>
             </a:fld>
             <a:endParaRPr lang="en-US"/>
           </a:p>
@@ -14445,9 +12110,6 @@
   <p:clrMapOvr>
     <a:masterClrMapping/>
   </p:clrMapOvr>
-  <p:transition spd="med">
-    <p:pull/>
-  </p:transition>
 </p:sldLayout>
 </file>
 
@@ -14576,7 +12238,7 @@
           <a:p>
             <a:fld id="{0661F82E-3E95-B749-AB60-53864B10E4B3}" type="datetimeFigureOut">
               <a:rPr lang="en-US" smtClean="0"/>
-              <a:t>9/1/25</a:t>
+              <a:t>9/4/25</a:t>
             </a:fld>
             <a:endParaRPr lang="en-US"/>
           </a:p>
@@ -14646,9 +12308,6 @@
   <p:clrMapOvr>
     <a:masterClrMapping/>
   </p:clrMapOvr>
-  <p:transition spd="med">
-    <p:pull/>
-  </p:transition>
 </p:sldLayout>
 </file>
 
@@ -14787,7 +12446,7 @@
           <a:p>
             <a:fld id="{0661F82E-3E95-B749-AB60-53864B10E4B3}" type="datetimeFigureOut">
               <a:rPr lang="en-US" smtClean="0"/>
-              <a:t>9/1/25</a:t>
+              <a:t>9/4/25</a:t>
             </a:fld>
             <a:endParaRPr lang="en-US"/>
           </a:p>
@@ -14857,9 +12516,6 @@
   <p:clrMapOvr>
     <a:masterClrMapping/>
   </p:clrMapOvr>
-  <p:transition spd="med">
-    <p:pull/>
-  </p:transition>
 </p:sldLayout>
 </file>
 
@@ -14988,7 +12644,7 @@
           <a:p>
             <a:fld id="{0661F82E-3E95-B749-AB60-53864B10E4B3}" type="datetimeFigureOut">
               <a:rPr lang="en-US" smtClean="0"/>
-              <a:t>9/1/25</a:t>
+              <a:t>9/4/25</a:t>
             </a:fld>
             <a:endParaRPr lang="en-US"/>
           </a:p>
@@ -15058,9 +12714,6 @@
   <p:clrMapOvr>
     <a:masterClrMapping/>
   </p:clrMapOvr>
-  <p:transition spd="med">
-    <p:pull/>
-  </p:transition>
 </p:sldLayout>
 </file>
 
@@ -15266,7 +12919,7 @@
           <a:p>
             <a:fld id="{0661F82E-3E95-B749-AB60-53864B10E4B3}" type="datetimeFigureOut">
               <a:rPr lang="en-US" smtClean="0"/>
-              <a:t>9/1/25</a:t>
+              <a:t>9/4/25</a:t>
             </a:fld>
             <a:endParaRPr lang="en-US"/>
           </a:p>
@@ -15336,9 +12989,6 @@
   <p:clrMapOvr>
     <a:masterClrMapping/>
   </p:clrMapOvr>
-  <p:transition spd="med">
-    <p:pull/>
-  </p:transition>
 </p:sldLayout>
 </file>
 
@@ -15534,7 +13184,7 @@
           <a:p>
             <a:fld id="{0661F82E-3E95-B749-AB60-53864B10E4B3}" type="datetimeFigureOut">
               <a:rPr lang="en-US" smtClean="0"/>
-              <a:t>9/1/25</a:t>
+              <a:t>9/4/25</a:t>
             </a:fld>
             <a:endParaRPr lang="en-US"/>
           </a:p>
@@ -15604,9 +13254,6 @@
   <p:clrMapOvr>
     <a:masterClrMapping/>
   </p:clrMapOvr>
-  <p:transition spd="med">
-    <p:pull/>
-  </p:transition>
 </p:sldLayout>
 </file>
 
@@ -15949,7 +13596,7 @@
           <a:p>
             <a:fld id="{0661F82E-3E95-B749-AB60-53864B10E4B3}" type="datetimeFigureOut">
               <a:rPr lang="en-US" smtClean="0"/>
-              <a:t>9/1/25</a:t>
+              <a:t>9/4/25</a:t>
             </a:fld>
             <a:endParaRPr lang="en-US"/>
           </a:p>
@@ -16019,9 +13666,6 @@
   <p:clrMapOvr>
     <a:masterClrMapping/>
   </p:clrMapOvr>
-  <p:transition spd="med">
-    <p:pull/>
-  </p:transition>
 </p:sldLayout>
 </file>
 
@@ -16093,7 +13737,7 @@
           <a:p>
             <a:fld id="{0661F82E-3E95-B749-AB60-53864B10E4B3}" type="datetimeFigureOut">
               <a:rPr lang="en-US" smtClean="0"/>
-              <a:t>9/1/25</a:t>
+              <a:t>9/4/25</a:t>
             </a:fld>
             <a:endParaRPr lang="en-US"/>
           </a:p>
@@ -16163,9 +13807,6 @@
   <p:clrMapOvr>
     <a:masterClrMapping/>
   </p:clrMapOvr>
-  <p:transition spd="med">
-    <p:pull/>
-  </p:transition>
 </p:sldLayout>
 </file>
 
@@ -16209,7 +13850,7 @@
           <a:p>
             <a:fld id="{0661F82E-3E95-B749-AB60-53864B10E4B3}" type="datetimeFigureOut">
               <a:rPr lang="en-US" smtClean="0"/>
-              <a:t>9/1/25</a:t>
+              <a:t>9/4/25</a:t>
             </a:fld>
             <a:endParaRPr lang="en-US"/>
           </a:p>
@@ -16279,9 +13920,6 @@
   <p:clrMapOvr>
     <a:masterClrMapping/>
   </p:clrMapOvr>
-  <p:transition spd="med">
-    <p:pull/>
-  </p:transition>
 </p:sldLayout>
 </file>
 
@@ -16523,7 +14161,7 @@
           <a:p>
             <a:fld id="{0661F82E-3E95-B749-AB60-53864B10E4B3}" type="datetimeFigureOut">
               <a:rPr lang="en-US" smtClean="0"/>
-              <a:t>9/1/25</a:t>
+              <a:t>9/4/25</a:t>
             </a:fld>
             <a:endParaRPr lang="en-US"/>
           </a:p>
@@ -16593,9 +14231,6 @@
   <p:clrMapOvr>
     <a:masterClrMapping/>
   </p:clrMapOvr>
-  <p:transition spd="med">
-    <p:pull/>
-  </p:transition>
 </p:sldLayout>
 </file>
 
@@ -16814,7 +14449,7 @@
           <a:p>
             <a:fld id="{0661F82E-3E95-B749-AB60-53864B10E4B3}" type="datetimeFigureOut">
               <a:rPr lang="en-US" smtClean="0"/>
-              <a:t>9/1/25</a:t>
+              <a:t>9/4/25</a:t>
             </a:fld>
             <a:endParaRPr lang="en-US"/>
           </a:p>
@@ -16884,9 +14519,6 @@
   <p:clrMapOvr>
     <a:masterClrMapping/>
   </p:clrMapOvr>
-  <p:transition spd="med">
-    <p:pull/>
-  </p:transition>
 </p:sldLayout>
 </file>
 
@@ -17058,7 +14690,7 @@
           <a:p>
             <a:fld id="{0661F82E-3E95-B749-AB60-53864B10E4B3}" type="datetimeFigureOut">
               <a:rPr lang="en-US" smtClean="0"/>
-              <a:t>9/1/25</a:t>
+              <a:t>9/4/25</a:t>
             </a:fld>
             <a:endParaRPr lang="en-US"/>
           </a:p>
@@ -17175,9 +14807,6 @@
     <p:sldLayoutId id="2147483658" r:id="rId10"/>
     <p:sldLayoutId id="2147483659" r:id="rId11"/>
   </p:sldLayoutIdLst>
-  <p:transition spd="med">
-    <p:pull/>
-  </p:transition>
   <p:txStyles>
     <p:titleStyle>
       <a:lvl1pPr algn="l" defTabSz="914400" rtl="0" eaLnBrk="1" latinLnBrk="0" hangingPunct="1">
@@ -18029,9 +15658,6 @@
   <p:clrMapOvr>
     <a:masterClrMapping/>
   </p:clrMapOvr>
-  <p:transition spd="med">
-    <p:pull/>
-  </p:transition>
   <p:timing>
     <p:tnLst>
       <p:par>
@@ -18614,9 +16240,6 @@
   <p:clrMapOvr>
     <a:masterClrMapping/>
   </p:clrMapOvr>
-  <p:transition spd="med">
-    <p:pull/>
-  </p:transition>
 </p:sld>
 </file>
 
@@ -18830,226 +16453,10 @@
   <p:clrMapOvr>
     <a:overrideClrMapping bg1="dk1" tx1="lt1" bg2="dk2" tx2="lt2" accent1="accent1" accent2="accent2" accent3="accent3" accent4="accent4" accent5="accent5" accent6="accent6" hlink="hlink" folHlink="folHlink"/>
   </p:clrMapOvr>
-  <p:transition spd="med">
-    <p:pull/>
-  </p:transition>
 </p:sld>
 </file>
 
 <file path=ppt/slides/slide4.xml><?xml version="1.0" encoding="utf-8"?>
-<p:sld xmlns:a="http://schemas.openxmlformats.org/drawingml/2006/main" xmlns:r="http://schemas.openxmlformats.org/officeDocument/2006/relationships" xmlns:p="http://schemas.openxmlformats.org/presentationml/2006/main">
-  <p:cSld>
-    <p:bg>
-      <p:bgPr>
-        <a:solidFill>
-          <a:schemeClr val="bg1"/>
-        </a:solidFill>
-        <a:effectLst/>
-      </p:bgPr>
-    </p:bg>
-    <p:spTree>
-      <p:nvGrpSpPr>
-        <p:cNvPr id="1" name="">
-          <a:extLst>
-            <a:ext uri="{FF2B5EF4-FFF2-40B4-BE49-F238E27FC236}">
-              <a16:creationId xmlns:a16="http://schemas.microsoft.com/office/drawing/2014/main" id="{F1206455-01B3-9AC4-434C-8E88D5B3BD19}"/>
-            </a:ext>
-          </a:extLst>
-        </p:cNvPr>
-        <p:cNvGrpSpPr/>
-        <p:nvPr/>
-      </p:nvGrpSpPr>
-      <p:grpSpPr>
-        <a:xfrm>
-          <a:off x="0" y="0"/>
-          <a:ext cx="0" cy="0"/>
-          <a:chOff x="0" y="0"/>
-          <a:chExt cx="0" cy="0"/>
-        </a:xfrm>
-      </p:grpSpPr>
-      <p:sp>
-        <p:nvSpPr>
-          <p:cNvPr id="10" name="Rectangle 9">
-            <a:extLst>
-              <a:ext uri="{FF2B5EF4-FFF2-40B4-BE49-F238E27FC236}">
-                <a16:creationId xmlns:a16="http://schemas.microsoft.com/office/drawing/2014/main" id="{A7CC1005-61FE-9F31-2CE8-47F5BB3713C0}"/>
-              </a:ext>
-              <a:ext uri="{C183D7F6-B498-43B3-948B-1728B52AA6E4}">
-                <adec:decorative xmlns:adec="http://schemas.microsoft.com/office/drawing/2017/decorative" val="1"/>
-              </a:ext>
-            </a:extLst>
-          </p:cNvPr>
-          <p:cNvSpPr>
-            <a:spLocks noGrp="1" noRot="1" noChangeAspect="1" noMove="1" noResize="1" noEditPoints="1" noAdjustHandles="1" noChangeArrowheads="1" noChangeShapeType="1" noTextEdit="1"/>
-          </p:cNvSpPr>
-          <p:nvPr>
-            <p:extLst>
-              <p:ext uri="{386F3935-93C4-4BCD-93E2-E3B085C9AB24}">
-                <p16:designElem xmlns:p16="http://schemas.microsoft.com/office/powerpoint/2015/main" val="1"/>
-              </p:ext>
-            </p:extLst>
-          </p:nvPr>
-        </p:nvSpPr>
-        <p:spPr>
-          <a:xfrm>
-            <a:off x="0" y="0"/>
-            <a:ext cx="12192000" cy="6858000"/>
-          </a:xfrm>
-          <a:prstGeom prst="rect">
-            <a:avLst/>
-          </a:prstGeom>
-          <a:solidFill>
-            <a:srgbClr val="000000"/>
-          </a:solidFill>
-          <a:ln>
-            <a:noFill/>
-          </a:ln>
-        </p:spPr>
-        <p:style>
-          <a:lnRef idx="2">
-            <a:schemeClr val="accent1">
-              <a:shade val="50000"/>
-            </a:schemeClr>
-          </a:lnRef>
-          <a:fillRef idx="1">
-            <a:schemeClr val="accent1"/>
-          </a:fillRef>
-          <a:effectRef idx="0">
-            <a:schemeClr val="accent1"/>
-          </a:effectRef>
-          <a:fontRef idx="minor">
-            <a:schemeClr val="lt1"/>
-          </a:fontRef>
-        </p:style>
-        <p:txBody>
-          <a:bodyPr rtlCol="0" anchor="ctr"/>
-          <a:lstStyle/>
-          <a:p>
-            <a:pPr algn="ctr"/>
-            <a:endParaRPr lang="en-US"/>
-          </a:p>
-        </p:txBody>
-      </p:sp>
-      <p:pic>
-        <p:nvPicPr>
-          <p:cNvPr id="6" name="Picture 5" descr="A blurry blue and yellow background&#10;&#10;AI-generated content may be incorrect.">
-            <a:extLst>
-              <a:ext uri="{FF2B5EF4-FFF2-40B4-BE49-F238E27FC236}">
-                <a16:creationId xmlns:a16="http://schemas.microsoft.com/office/drawing/2014/main" id="{20E068B0-9FA1-583A-484B-CE5636BE9066}"/>
-              </a:ext>
-            </a:extLst>
-          </p:cNvPr>
-          <p:cNvPicPr>
-            <a:picLocks noChangeAspect="1"/>
-          </p:cNvPicPr>
-          <p:nvPr/>
-        </p:nvPicPr>
-        <p:blipFill>
-          <a:blip r:embed="rId2">
-            <a:alphaModFix amt="35000"/>
-          </a:blip>
-          <a:srcRect t="14122"/>
-          <a:stretch>
-            <a:fillRect/>
-          </a:stretch>
-        </p:blipFill>
-        <p:spPr>
-          <a:xfrm>
-            <a:off x="20" y="258194"/>
-            <a:ext cx="12191980" cy="6857990"/>
-          </a:xfrm>
-          <a:prstGeom prst="rect">
-            <a:avLst/>
-          </a:prstGeom>
-        </p:spPr>
-      </p:pic>
-      <p:sp>
-        <p:nvSpPr>
-          <p:cNvPr id="2" name="Title 1">
-            <a:extLst>
-              <a:ext uri="{FF2B5EF4-FFF2-40B4-BE49-F238E27FC236}">
-                <a16:creationId xmlns:a16="http://schemas.microsoft.com/office/drawing/2014/main" id="{5E678634-77A2-53D3-83E9-EAB288A08367}"/>
-              </a:ext>
-            </a:extLst>
-          </p:cNvPr>
-          <p:cNvSpPr>
-            <a:spLocks noGrp="1"/>
-          </p:cNvSpPr>
-          <p:nvPr>
-            <p:ph type="title"/>
-          </p:nvPr>
-        </p:nvSpPr>
-        <p:spPr>
-          <a:xfrm>
-            <a:off x="838200" y="365125"/>
-            <a:ext cx="10515600" cy="1325563"/>
-          </a:xfrm>
-        </p:spPr>
-        <p:txBody>
-          <a:bodyPr>
-            <a:normAutofit/>
-          </a:bodyPr>
-          <a:lstStyle/>
-          <a:p>
-            <a:r>
-              <a:rPr lang="en-US">
-                <a:solidFill>
-                  <a:srgbClr val="FFFFFF"/>
-                </a:solidFill>
-                <a:latin typeface="Segoe UI" panose="020B0502040204020203" pitchFamily="34" charset="0"/>
-                <a:cs typeface="Segoe UI" panose="020B0502040204020203" pitchFamily="34" charset="0"/>
-              </a:rPr>
-              <a:t>Objective</a:t>
-            </a:r>
-            <a:endParaRPr lang="en-US" dirty="0">
-              <a:solidFill>
-                <a:srgbClr val="FFFFFF"/>
-              </a:solidFill>
-              <a:latin typeface="Segoe UI" panose="020B0502040204020203" pitchFamily="34" charset="0"/>
-              <a:cs typeface="Segoe UI" panose="020B0502040204020203" pitchFamily="34" charset="0"/>
-            </a:endParaRPr>
-          </a:p>
-        </p:txBody>
-      </p:sp>
-      <p:graphicFrame>
-        <p:nvGraphicFramePr>
-          <p:cNvPr id="19" name="Content Placeholder 2">
-            <a:extLst>
-              <a:ext uri="{FF2B5EF4-FFF2-40B4-BE49-F238E27FC236}">
-                <a16:creationId xmlns:a16="http://schemas.microsoft.com/office/drawing/2014/main" id="{B800127A-1287-95F0-313A-62AF37024749}"/>
-              </a:ext>
-            </a:extLst>
-          </p:cNvPr>
-          <p:cNvGraphicFramePr/>
-          <p:nvPr/>
-        </p:nvGraphicFramePr>
-        <p:xfrm>
-          <a:off x="838200" y="1825625"/>
-          <a:ext cx="10515600" cy="4351338"/>
-        </p:xfrm>
-        <a:graphic>
-          <a:graphicData uri="http://schemas.openxmlformats.org/drawingml/2006/diagram">
-            <dgm:relIds xmlns:dgm="http://schemas.openxmlformats.org/drawingml/2006/diagram" xmlns:r="http://schemas.openxmlformats.org/officeDocument/2006/relationships" r:dm="rId3" r:lo="rId4" r:qs="rId5" r:cs="rId6"/>
-          </a:graphicData>
-        </a:graphic>
-      </p:graphicFrame>
-    </p:spTree>
-    <p:extLst>
-      <p:ext uri="{BB962C8B-B14F-4D97-AF65-F5344CB8AC3E}">
-        <p14:creationId xmlns:p14="http://schemas.microsoft.com/office/powerpoint/2010/main" val="1612073595"/>
-      </p:ext>
-    </p:extLst>
-  </p:cSld>
-  <p:clrMapOvr>
-    <a:overrideClrMapping bg1="dk1" tx1="lt1" bg2="dk2" tx2="lt2" accent1="accent1" accent2="accent2" accent3="accent3" accent4="accent4" accent5="accent5" accent6="accent6" hlink="hlink" folHlink="folHlink"/>
-  </p:clrMapOvr>
-  <p:transition spd="med">
-    <p:pull/>
-  </p:transition>
-</p:sld>
-</file>
-
-<file path=ppt/slides/slide5.xml><?xml version="1.0" encoding="utf-8"?>
 <p:sld xmlns:a="http://schemas.openxmlformats.org/drawingml/2006/main" xmlns:r="http://schemas.openxmlformats.org/officeDocument/2006/relationships" xmlns:p="http://schemas.openxmlformats.org/presentationml/2006/main">
   <p:cSld>
     <p:bg>
@@ -19703,13 +17110,10 @@
   <p:clrMapOvr>
     <a:masterClrMapping/>
   </p:clrMapOvr>
-  <p:transition spd="med">
-    <p:pull/>
-  </p:transition>
 </p:sld>
 </file>
 
-<file path=ppt/slides/slide6.xml><?xml version="1.0" encoding="utf-8"?>
+<file path=ppt/slides/slide5.xml><?xml version="1.0" encoding="utf-8"?>
 <p:sld xmlns:a="http://schemas.openxmlformats.org/drawingml/2006/main" xmlns:r="http://schemas.openxmlformats.org/officeDocument/2006/relationships" xmlns:p="http://schemas.openxmlformats.org/presentationml/2006/main">
   <p:cSld>
     <p:bg>
@@ -19905,13 +17309,10 @@
   <p:clrMapOvr>
     <a:masterClrMapping/>
   </p:clrMapOvr>
-  <p:transition spd="med">
-    <p:pull/>
-  </p:transition>
 </p:sld>
 </file>
 
-<file path=ppt/slides/slide7.xml><?xml version="1.0" encoding="utf-8"?>
+<file path=ppt/slides/slide6.xml><?xml version="1.0" encoding="utf-8"?>
 <p:sld xmlns:a="http://schemas.openxmlformats.org/drawingml/2006/main" xmlns:r="http://schemas.openxmlformats.org/officeDocument/2006/relationships" xmlns:p="http://schemas.openxmlformats.org/presentationml/2006/main">
   <p:cSld>
     <p:bg>
@@ -20294,10 +17695,10 @@
       </p:sp>
       <p:pic>
         <p:nvPicPr>
-          <p:cNvPr id="6" name="Content Placeholder 10" descr="A screenshot of a graph&#10;&#10;AI-generated content may be incorrect.">
+          <p:cNvPr id="7" name="Content Placeholder 6" descr="A graph of different colored bars&#10;&#10;AI-generated content may be incorrect.">
             <a:extLst>
               <a:ext uri="{FF2B5EF4-FFF2-40B4-BE49-F238E27FC236}">
-                <a16:creationId xmlns:a16="http://schemas.microsoft.com/office/drawing/2014/main" id="{8345162E-B4C8-C77B-0C71-5BC446F6F30D}"/>
+                <a16:creationId xmlns:a16="http://schemas.microsoft.com/office/drawing/2014/main" id="{89AD3BAE-A3C1-362D-0E53-70F98231F67D}"/>
               </a:ext>
             </a:extLst>
           </p:cNvPr>
@@ -20316,12 +17717,9 @@
         </p:blipFill>
         <p:spPr>
           <a:xfrm>
-            <a:off x="152396" y="1575459"/>
-            <a:ext cx="11263224" cy="5157877"/>
+            <a:off x="287866" y="1825624"/>
+            <a:ext cx="11396133" cy="4816555"/>
           </a:xfrm>
-          <a:prstGeom prst="rect">
-            <a:avLst/>
-          </a:prstGeom>
         </p:spPr>
       </p:pic>
     </p:spTree>
@@ -20334,9 +17732,429 @@
   <p:clrMapOvr>
     <a:masterClrMapping/>
   </p:clrMapOvr>
-  <p:transition spd="med">
-    <p:pull/>
-  </p:transition>
+</p:sld>
+</file>
+
+<file path=ppt/slides/slide7.xml><?xml version="1.0" encoding="utf-8"?>
+<p:sld xmlns:a="http://schemas.openxmlformats.org/drawingml/2006/main" xmlns:r="http://schemas.openxmlformats.org/officeDocument/2006/relationships" xmlns:p="http://schemas.openxmlformats.org/presentationml/2006/main">
+  <p:cSld>
+    <p:bg>
+      <p:bgPr>
+        <a:solidFill>
+          <a:schemeClr val="bg1"/>
+        </a:solidFill>
+        <a:effectLst/>
+      </p:bgPr>
+    </p:bg>
+    <p:spTree>
+      <p:nvGrpSpPr>
+        <p:cNvPr id="1" name="">
+          <a:extLst>
+            <a:ext uri="{FF2B5EF4-FFF2-40B4-BE49-F238E27FC236}">
+              <a16:creationId xmlns:a16="http://schemas.microsoft.com/office/drawing/2014/main" id="{0005FDE1-96D9-1DE0-75C8-2181C40E3317}"/>
+            </a:ext>
+          </a:extLst>
+        </p:cNvPr>
+        <p:cNvGrpSpPr/>
+        <p:nvPr/>
+      </p:nvGrpSpPr>
+      <p:grpSpPr>
+        <a:xfrm>
+          <a:off x="0" y="0"/>
+          <a:ext cx="0" cy="0"/>
+          <a:chOff x="0" y="0"/>
+          <a:chExt cx="0" cy="0"/>
+        </a:xfrm>
+      </p:grpSpPr>
+      <p:sp useBgFill="1">
+        <p:nvSpPr>
+          <p:cNvPr id="9" name="Rectangle 8">
+            <a:extLst>
+              <a:ext uri="{FF2B5EF4-FFF2-40B4-BE49-F238E27FC236}">
+                <a16:creationId xmlns:a16="http://schemas.microsoft.com/office/drawing/2014/main" id="{2E0D7E4C-737D-37B6-D907-404FD645BC2D}"/>
+              </a:ext>
+              <a:ext uri="{C183D7F6-B498-43B3-948B-1728B52AA6E4}">
+                <adec:decorative xmlns:adec="http://schemas.microsoft.com/office/drawing/2017/decorative" val="1"/>
+              </a:ext>
+            </a:extLst>
+          </p:cNvPr>
+          <p:cNvSpPr>
+            <a:spLocks noGrp="1" noRot="1" noChangeAspect="1" noMove="1" noResize="1" noEditPoints="1" noAdjustHandles="1" noChangeArrowheads="1" noChangeShapeType="1" noTextEdit="1"/>
+          </p:cNvSpPr>
+          <p:nvPr>
+            <p:extLst>
+              <p:ext uri="{386F3935-93C4-4BCD-93E2-E3B085C9AB24}">
+                <p16:designElem xmlns:p16="http://schemas.microsoft.com/office/powerpoint/2015/main" val="1"/>
+              </p:ext>
+            </p:extLst>
+          </p:nvPr>
+        </p:nvSpPr>
+        <p:spPr>
+          <a:xfrm>
+            <a:off x="0" y="0"/>
+            <a:ext cx="12192000" cy="6858000"/>
+          </a:xfrm>
+          <a:prstGeom prst="rect">
+            <a:avLst/>
+          </a:prstGeom>
+          <a:ln w="12700" cap="flat" cmpd="sng" algn="ctr">
+            <a:noFill/>
+            <a:prstDash val="solid"/>
+            <a:miter lim="800000"/>
+          </a:ln>
+          <a:effectLst/>
+          <a:extLst>
+            <a:ext uri="{91240B29-F687-4F45-9708-019B960494DF}">
+              <a14:hiddenLine xmlns:a14="http://schemas.microsoft.com/office/drawing/2010/main" w="12700" cap="flat" cmpd="sng" algn="ctr">
+                <a:solidFill>
+                  <a:schemeClr val="accent1">
+                    <a:shade val="50000"/>
+                  </a:schemeClr>
+                </a:solidFill>
+                <a:prstDash val="solid"/>
+                <a:miter lim="800000"/>
+              </a14:hiddenLine>
+            </a:ext>
+          </a:extLst>
+        </p:spPr>
+        <p:style>
+          <a:lnRef idx="2">
+            <a:schemeClr val="accent1">
+              <a:shade val="50000"/>
+            </a:schemeClr>
+          </a:lnRef>
+          <a:fillRef idx="1">
+            <a:schemeClr val="accent1"/>
+          </a:fillRef>
+          <a:effectRef idx="0">
+            <a:schemeClr val="accent1"/>
+          </a:effectRef>
+          <a:fontRef idx="minor">
+            <a:schemeClr val="lt1"/>
+          </a:fontRef>
+        </p:style>
+        <p:txBody>
+          <a:bodyPr rtlCol="0" anchor="ctr"/>
+          <a:lstStyle/>
+          <a:p>
+            <a:pPr algn="ctr"/>
+            <a:endParaRPr lang="en-US"/>
+          </a:p>
+        </p:txBody>
+      </p:sp>
+      <p:sp>
+        <p:nvSpPr>
+          <p:cNvPr id="11" name="Rectangle 10">
+            <a:extLst>
+              <a:ext uri="{FF2B5EF4-FFF2-40B4-BE49-F238E27FC236}">
+                <a16:creationId xmlns:a16="http://schemas.microsoft.com/office/drawing/2014/main" id="{D4B43BBD-BD5B-158A-535D-4B8DFF946137}"/>
+              </a:ext>
+              <a:ext uri="{C183D7F6-B498-43B3-948B-1728B52AA6E4}">
+                <adec:decorative xmlns:adec="http://schemas.microsoft.com/office/drawing/2017/decorative" val="1"/>
+              </a:ext>
+            </a:extLst>
+          </p:cNvPr>
+          <p:cNvSpPr>
+            <a:spLocks noGrp="1" noRot="1" noChangeAspect="1" noMove="1" noResize="1" noEditPoints="1" noAdjustHandles="1" noChangeArrowheads="1" noChangeShapeType="1" noTextEdit="1"/>
+          </p:cNvSpPr>
+          <p:nvPr>
+            <p:extLst>
+              <p:ext uri="{386F3935-93C4-4BCD-93E2-E3B085C9AB24}">
+                <p16:designElem xmlns:p16="http://schemas.microsoft.com/office/powerpoint/2015/main" val="1"/>
+              </p:ext>
+            </p:extLst>
+          </p:nvPr>
+        </p:nvSpPr>
+        <p:spPr>
+          <a:xfrm flipH="1">
+            <a:off x="2" y="0"/>
+            <a:ext cx="12191998" cy="1575955"/>
+          </a:xfrm>
+          <a:prstGeom prst="rect">
+            <a:avLst/>
+          </a:prstGeom>
+          <a:gradFill>
+            <a:gsLst>
+              <a:gs pos="0">
+                <a:srgbClr val="000000">
+                  <a:alpha val="96000"/>
+                </a:srgbClr>
+              </a:gs>
+              <a:gs pos="100000">
+                <a:schemeClr val="accent1">
+                  <a:lumMod val="75000"/>
+                </a:schemeClr>
+              </a:gs>
+            </a:gsLst>
+            <a:lin ang="8400000" scaled="0"/>
+          </a:gradFill>
+          <a:ln>
+            <a:noFill/>
+          </a:ln>
+        </p:spPr>
+        <p:style>
+          <a:lnRef idx="2">
+            <a:schemeClr val="accent1">
+              <a:shade val="50000"/>
+            </a:schemeClr>
+          </a:lnRef>
+          <a:fillRef idx="1">
+            <a:schemeClr val="accent1"/>
+          </a:fillRef>
+          <a:effectRef idx="0">
+            <a:schemeClr val="accent1"/>
+          </a:effectRef>
+          <a:fontRef idx="minor">
+            <a:schemeClr val="lt1"/>
+          </a:fontRef>
+        </p:style>
+        <p:txBody>
+          <a:bodyPr rtlCol="0" anchor="ctr"/>
+          <a:lstStyle/>
+          <a:p>
+            <a:pPr algn="ctr"/>
+            <a:endParaRPr lang="en-US"/>
+          </a:p>
+        </p:txBody>
+      </p:sp>
+      <p:sp>
+        <p:nvSpPr>
+          <p:cNvPr id="13" name="Rectangle 12">
+            <a:extLst>
+              <a:ext uri="{FF2B5EF4-FFF2-40B4-BE49-F238E27FC236}">
+                <a16:creationId xmlns:a16="http://schemas.microsoft.com/office/drawing/2014/main" id="{22CA45F7-004F-E944-5B48-AFB941EBC2CC}"/>
+              </a:ext>
+              <a:ext uri="{C183D7F6-B498-43B3-948B-1728B52AA6E4}">
+                <adec:decorative xmlns:adec="http://schemas.microsoft.com/office/drawing/2017/decorative" val="1"/>
+              </a:ext>
+            </a:extLst>
+          </p:cNvPr>
+          <p:cNvSpPr>
+            <a:spLocks noGrp="1" noRot="1" noChangeAspect="1" noMove="1" noResize="1" noEditPoints="1" noAdjustHandles="1" noChangeArrowheads="1" noChangeShapeType="1" noTextEdit="1"/>
+          </p:cNvSpPr>
+          <p:nvPr>
+            <p:extLst>
+              <p:ext uri="{386F3935-93C4-4BCD-93E2-E3B085C9AB24}">
+                <p16:designElem xmlns:p16="http://schemas.microsoft.com/office/powerpoint/2015/main" val="1"/>
+              </p:ext>
+            </p:extLst>
+          </p:nvPr>
+        </p:nvSpPr>
+        <p:spPr>
+          <a:xfrm rot="10800000" flipH="1">
+            <a:off x="8128857" y="0"/>
+            <a:ext cx="4063143" cy="1576412"/>
+          </a:xfrm>
+          <a:prstGeom prst="rect">
+            <a:avLst/>
+          </a:prstGeom>
+          <a:gradFill>
+            <a:gsLst>
+              <a:gs pos="19000">
+                <a:schemeClr val="accent1">
+                  <a:lumMod val="50000"/>
+                  <a:alpha val="68000"/>
+                </a:schemeClr>
+              </a:gs>
+              <a:gs pos="100000">
+                <a:schemeClr val="accent1">
+                  <a:alpha val="79000"/>
+                </a:schemeClr>
+              </a:gs>
+            </a:gsLst>
+            <a:lin ang="19200000" scaled="0"/>
+          </a:gradFill>
+          <a:ln>
+            <a:noFill/>
+          </a:ln>
+        </p:spPr>
+        <p:style>
+          <a:lnRef idx="2">
+            <a:schemeClr val="accent1">
+              <a:shade val="50000"/>
+            </a:schemeClr>
+          </a:lnRef>
+          <a:fillRef idx="1">
+            <a:schemeClr val="accent1"/>
+          </a:fillRef>
+          <a:effectRef idx="0">
+            <a:schemeClr val="accent1"/>
+          </a:effectRef>
+          <a:fontRef idx="minor">
+            <a:schemeClr val="lt1"/>
+          </a:fontRef>
+        </p:style>
+        <p:txBody>
+          <a:bodyPr rtlCol="0" anchor="ctr"/>
+          <a:lstStyle/>
+          <a:p>
+            <a:pPr algn="ctr"/>
+            <a:endParaRPr lang="en-US"/>
+          </a:p>
+        </p:txBody>
+      </p:sp>
+      <p:sp>
+        <p:nvSpPr>
+          <p:cNvPr id="15" name="Rectangle 14">
+            <a:extLst>
+              <a:ext uri="{FF2B5EF4-FFF2-40B4-BE49-F238E27FC236}">
+                <a16:creationId xmlns:a16="http://schemas.microsoft.com/office/drawing/2014/main" id="{D1EB6239-E048-9A9F-AEC8-E1E90DBF6AE5}"/>
+              </a:ext>
+              <a:ext uri="{C183D7F6-B498-43B3-948B-1728B52AA6E4}">
+                <adec:decorative xmlns:adec="http://schemas.microsoft.com/office/drawing/2017/decorative" val="1"/>
+              </a:ext>
+            </a:extLst>
+          </p:cNvPr>
+          <p:cNvSpPr>
+            <a:spLocks noGrp="1" noRot="1" noChangeAspect="1" noMove="1" noResize="1" noEditPoints="1" noAdjustHandles="1" noChangeArrowheads="1" noChangeShapeType="1" noTextEdit="1"/>
+          </p:cNvSpPr>
+          <p:nvPr>
+            <p:extLst>
+              <p:ext uri="{386F3935-93C4-4BCD-93E2-E3B085C9AB24}">
+                <p16:designElem xmlns:p16="http://schemas.microsoft.com/office/powerpoint/2015/main" val="1"/>
+              </p:ext>
+            </p:extLst>
+          </p:nvPr>
+        </p:nvSpPr>
+        <p:spPr>
+          <a:xfrm rot="5400000">
+            <a:off x="5307777" y="-5307778"/>
+            <a:ext cx="1576446" cy="12192002"/>
+          </a:xfrm>
+          <a:prstGeom prst="rect">
+            <a:avLst/>
+          </a:prstGeom>
+          <a:gradFill>
+            <a:gsLst>
+              <a:gs pos="23000">
+                <a:schemeClr val="accent1">
+                  <a:alpha val="0"/>
+                </a:schemeClr>
+              </a:gs>
+              <a:gs pos="99000">
+                <a:srgbClr val="000000">
+                  <a:alpha val="74000"/>
+                </a:srgbClr>
+              </a:gs>
+            </a:gsLst>
+            <a:lin ang="20400000" scaled="0"/>
+          </a:gradFill>
+          <a:ln>
+            <a:noFill/>
+          </a:ln>
+        </p:spPr>
+        <p:style>
+          <a:lnRef idx="2">
+            <a:schemeClr val="accent1">
+              <a:shade val="50000"/>
+            </a:schemeClr>
+          </a:lnRef>
+          <a:fillRef idx="1">
+            <a:schemeClr val="accent1"/>
+          </a:fillRef>
+          <a:effectRef idx="0">
+            <a:schemeClr val="accent1"/>
+          </a:effectRef>
+          <a:fontRef idx="minor">
+            <a:schemeClr val="lt1"/>
+          </a:fontRef>
+        </p:style>
+        <p:txBody>
+          <a:bodyPr rtlCol="0" anchor="ctr"/>
+          <a:lstStyle/>
+          <a:p>
+            <a:pPr algn="ctr"/>
+            <a:endParaRPr lang="en-US" dirty="0"/>
+          </a:p>
+        </p:txBody>
+      </p:sp>
+      <p:sp>
+        <p:nvSpPr>
+          <p:cNvPr id="2" name="Title 1">
+            <a:extLst>
+              <a:ext uri="{FF2B5EF4-FFF2-40B4-BE49-F238E27FC236}">
+                <a16:creationId xmlns:a16="http://schemas.microsoft.com/office/drawing/2014/main" id="{A4068BE0-812C-FA21-8DB5-9451E9A838C0}"/>
+              </a:ext>
+            </a:extLst>
+          </p:cNvPr>
+          <p:cNvSpPr>
+            <a:spLocks noGrp="1"/>
+          </p:cNvSpPr>
+          <p:nvPr>
+            <p:ph type="title"/>
+          </p:nvPr>
+        </p:nvSpPr>
+        <p:spPr>
+          <a:xfrm>
+            <a:off x="1371597" y="348865"/>
+            <a:ext cx="10044023" cy="877729"/>
+          </a:xfrm>
+        </p:spPr>
+        <p:txBody>
+          <a:bodyPr anchor="ctr">
+            <a:normAutofit/>
+          </a:bodyPr>
+          <a:lstStyle/>
+          <a:p>
+            <a:r>
+              <a:rPr lang="en-CA" sz="4000" dirty="0">
+                <a:solidFill>
+                  <a:srgbClr val="FFFFFF"/>
+                </a:solidFill>
+                <a:latin typeface="Segoe UI" panose="020B0502040204020203" pitchFamily="34" charset="0"/>
+                <a:cs typeface="Segoe UI" panose="020B0502040204020203" pitchFamily="34" charset="0"/>
+              </a:rPr>
+              <a:t>TABLEAU DASHBOARD</a:t>
+            </a:r>
+            <a:endParaRPr lang="en-US" sz="4000" dirty="0">
+              <a:solidFill>
+                <a:srgbClr val="FFFFFF"/>
+              </a:solidFill>
+              <a:latin typeface="Segoe UI" panose="020B0502040204020203" pitchFamily="34" charset="0"/>
+              <a:cs typeface="Segoe UI" panose="020B0502040204020203" pitchFamily="34" charset="0"/>
+            </a:endParaRPr>
+          </a:p>
+        </p:txBody>
+      </p:sp>
+      <p:pic>
+        <p:nvPicPr>
+          <p:cNvPr id="5" name="Content Placeholder 4" descr="A graph of a credit limit&#10;&#10;AI-generated content may be incorrect.">
+            <a:extLst>
+              <a:ext uri="{FF2B5EF4-FFF2-40B4-BE49-F238E27FC236}">
+                <a16:creationId xmlns:a16="http://schemas.microsoft.com/office/drawing/2014/main" id="{563A5E7A-A898-8E2E-6F55-174399117464}"/>
+              </a:ext>
+            </a:extLst>
+          </p:cNvPr>
+          <p:cNvPicPr>
+            <a:picLocks noGrp="1" noChangeAspect="1"/>
+          </p:cNvPicPr>
+          <p:nvPr>
+            <p:ph idx="1"/>
+          </p:nvPr>
+        </p:nvPicPr>
+        <p:blipFill>
+          <a:blip r:embed="rId3"/>
+          <a:stretch>
+            <a:fillRect/>
+          </a:stretch>
+        </p:blipFill>
+        <p:spPr>
+          <a:xfrm>
+            <a:off x="457199" y="1825624"/>
+            <a:ext cx="11565467" cy="4725851"/>
+          </a:xfrm>
+        </p:spPr>
+      </p:pic>
+    </p:spTree>
+    <p:extLst>
+      <p:ext uri="{BB962C8B-B14F-4D97-AF65-F5344CB8AC3E}">
+        <p14:creationId xmlns:p14="http://schemas.microsoft.com/office/powerpoint/2010/main" val="623104880"/>
+      </p:ext>
+    </p:extLst>
+  </p:cSld>
+  <p:clrMapOvr>
+    <a:masterClrMapping/>
+  </p:clrMapOvr>
 </p:sld>
 </file>
 
@@ -20756,9 +18574,6 @@
   <p:clrMapOvr>
     <a:masterClrMapping/>
   </p:clrMapOvr>
-  <p:transition spd="med">
-    <p:pull/>
-  </p:transition>
 </p:sld>
 </file>
 
@@ -21248,17 +19063,9 @@
                 <a:latin typeface="Helvetica Neue" panose="02000503000000020004" pitchFamily="2" charset="0"/>
                 <a:ea typeface="Helvetica Neue" panose="02000503000000020004" pitchFamily="2" charset="0"/>
                 <a:cs typeface="Helvetica Neue" panose="02000503000000020004" pitchFamily="2" charset="0"/>
-              </a:rPr>
-              <a:t>📊 Tableau Dashboard </a:t>
-            </a:r>
-            <a:r>
-              <a:rPr lang="en-CA" sz="2000" dirty="0">
-                <a:latin typeface="Helvetica Neue" panose="02000503000000020004" pitchFamily="2" charset="0"/>
-                <a:ea typeface="Helvetica Neue" panose="02000503000000020004" pitchFamily="2" charset="0"/>
-                <a:cs typeface="Helvetica Neue" panose="02000503000000020004" pitchFamily="2" charset="0"/>
                 <a:hlinkClick r:id="rId2"/>
               </a:rPr>
-              <a:t>https://public.tableau.com/views/credit_cardproject/Dashboard1?:language=en-US&amp;publish=yes&amp;:sid=&amp;:redirect=auth&amp;:display_count=n&amp;:origin=viz_share_link</a:t>
+              <a:t>📊 Tableau Dashboard</a:t>
             </a:r>
             <a:endParaRPr lang="en-CA" sz="2000" dirty="0">
               <a:latin typeface="Helvetica Neue" panose="02000503000000020004" pitchFamily="2" charset="0"/>
@@ -21280,8 +19087,22 @@
                 <a:ea typeface="Helvetica Neue" panose="02000503000000020004" pitchFamily="2" charset="0"/>
                 <a:cs typeface="Helvetica Neue" panose="02000503000000020004" pitchFamily="2" charset="0"/>
               </a:rPr>
-              <a:t> 💻 SQL Code on GitHub (Insert Link)</a:t>
+              <a:t> </a:t>
             </a:r>
+            <a:r>
+              <a:rPr lang="en-CA" sz="2000" dirty="0">
+                <a:latin typeface="Helvetica Neue" panose="02000503000000020004" pitchFamily="2" charset="0"/>
+                <a:ea typeface="Helvetica Neue" panose="02000503000000020004" pitchFamily="2" charset="0"/>
+                <a:cs typeface="Helvetica Neue" panose="02000503000000020004" pitchFamily="2" charset="0"/>
+                <a:hlinkClick r:id="rId3"/>
+              </a:rPr>
+              <a:t>💻 SQL Code on GitHub </a:t>
+            </a:r>
+            <a:endParaRPr lang="en-CA" sz="2000" dirty="0">
+              <a:latin typeface="Helvetica Neue" panose="02000503000000020004" pitchFamily="2" charset="0"/>
+              <a:ea typeface="Helvetica Neue" panose="02000503000000020004" pitchFamily="2" charset="0"/>
+              <a:cs typeface="Helvetica Neue" panose="02000503000000020004" pitchFamily="2" charset="0"/>
+            </a:endParaRPr>
           </a:p>
           <a:p>
             <a:endParaRPr lang="en-CA" sz="2000" dirty="0">
@@ -21296,31 +19117,15 @@
                 <a:latin typeface="Helvetica Neue" panose="02000503000000020004" pitchFamily="2" charset="0"/>
                 <a:ea typeface="Helvetica Neue" panose="02000503000000020004" pitchFamily="2" charset="0"/>
                 <a:cs typeface="Helvetica Neue" panose="02000503000000020004" pitchFamily="2" charset="0"/>
+                <a:hlinkClick r:id="rId4"/>
               </a:rPr>
               <a:t>Dataset from Kaggle</a:t>
             </a:r>
-          </a:p>
-          <a:p>
-            <a:pPr marL="0" indent="0">
-              <a:buNone/>
-            </a:pPr>
-            <a:r>
-              <a:rPr lang="en-CA" sz="2000" dirty="0">
-                <a:latin typeface="Helvetica Neue" panose="02000503000000020004" pitchFamily="2" charset="0"/>
-                <a:ea typeface="Helvetica Neue" panose="02000503000000020004" pitchFamily="2" charset="0"/>
-                <a:cs typeface="Helvetica Neue" panose="02000503000000020004" pitchFamily="2" charset="0"/>
-                <a:hlinkClick r:id="rId3"/>
-              </a:rPr>
-              <a:t>https://www.kaggle.com/datasets/uciml/default-of-credit-card-clients-dataset/data</a:t>
-            </a:r>
-            <a:r>
-              <a:rPr lang="en-CA" sz="2000" dirty="0">
-                <a:latin typeface="Helvetica Neue" panose="02000503000000020004" pitchFamily="2" charset="0"/>
-                <a:ea typeface="Helvetica Neue" panose="02000503000000020004" pitchFamily="2" charset="0"/>
-                <a:cs typeface="Helvetica Neue" panose="02000503000000020004" pitchFamily="2" charset="0"/>
-              </a:rPr>
-              <a:t> </a:t>
-            </a:r>
+            <a:endParaRPr lang="en-CA" sz="2000" dirty="0">
+              <a:latin typeface="Helvetica Neue" panose="02000503000000020004" pitchFamily="2" charset="0"/>
+              <a:ea typeface="Helvetica Neue" panose="02000503000000020004" pitchFamily="2" charset="0"/>
+              <a:cs typeface="Helvetica Neue" panose="02000503000000020004" pitchFamily="2" charset="0"/>
+            </a:endParaRPr>
           </a:p>
           <a:p>
             <a:endParaRPr lang="en-US" sz="2000" dirty="0"/>
@@ -21337,9 +19142,6 @@
   <p:clrMapOvr>
     <a:masterClrMapping/>
   </p:clrMapOvr>
-  <p:transition spd="med">
-    <p:pull/>
-  </p:transition>
 </p:sld>
 </file>
 
@@ -21656,4 +19458,319 @@
     </a:ext>
   </a:extLst>
 </a:theme>
+</file>
+
+<file path=ppt/theme/theme2.xml><?xml version="1.0" encoding="utf-8"?>
+<a:theme xmlns:a="http://schemas.openxmlformats.org/drawingml/2006/main" name="Office Theme">
+  <a:themeElements>
+    <a:clrScheme name="Office">
+      <a:dk1>
+        <a:sysClr val="windowText" lastClr="000000"/>
+      </a:dk1>
+      <a:lt1>
+        <a:sysClr val="window" lastClr="FFFFFF"/>
+      </a:lt1>
+      <a:dk2>
+        <a:srgbClr val="0E2841"/>
+      </a:dk2>
+      <a:lt2>
+        <a:srgbClr val="E8E8E8"/>
+      </a:lt2>
+      <a:accent1>
+        <a:srgbClr val="156082"/>
+      </a:accent1>
+      <a:accent2>
+        <a:srgbClr val="E97132"/>
+      </a:accent2>
+      <a:accent3>
+        <a:srgbClr val="196B24"/>
+      </a:accent3>
+      <a:accent4>
+        <a:srgbClr val="0F9ED5"/>
+      </a:accent4>
+      <a:accent5>
+        <a:srgbClr val="A02B93"/>
+      </a:accent5>
+      <a:accent6>
+        <a:srgbClr val="4EA72E"/>
+      </a:accent6>
+      <a:hlink>
+        <a:srgbClr val="467886"/>
+      </a:hlink>
+      <a:folHlink>
+        <a:srgbClr val="96607D"/>
+      </a:folHlink>
+    </a:clrScheme>
+    <a:fontScheme name="Office">
+      <a:majorFont>
+        <a:latin typeface="Aptos Display" panose="02110004020202020204"/>
+        <a:ea typeface=""/>
+        <a:cs typeface=""/>
+        <a:font script="Jpan" typeface="游ゴシック Light"/>
+        <a:font script="Hang" typeface="맑은 고딕"/>
+        <a:font script="Hans" typeface="等线 Light"/>
+        <a:font script="Hant" typeface="新細明體"/>
+        <a:font script="Arab" typeface="Times New Roman"/>
+        <a:font script="Hebr" typeface="Times New Roman"/>
+        <a:font script="Thai" typeface="Angsana New"/>
+        <a:font script="Ethi" typeface="Nyala"/>
+        <a:font script="Beng" typeface="Vrinda"/>
+        <a:font script="Gujr" typeface="Shruti"/>
+        <a:font script="Khmr" typeface="MoolBoran"/>
+        <a:font script="Knda" typeface="Tunga"/>
+        <a:font script="Guru" typeface="Raavi"/>
+        <a:font script="Cans" typeface="Euphemia"/>
+        <a:font script="Cher" typeface="Plantagenet Cherokee"/>
+        <a:font script="Yiii" typeface="Microsoft Yi Baiti"/>
+        <a:font script="Tibt" typeface="Microsoft Himalaya"/>
+        <a:font script="Thaa" typeface="MV Boli"/>
+        <a:font script="Deva" typeface="Mangal"/>
+        <a:font script="Telu" typeface="Gautami"/>
+        <a:font script="Taml" typeface="Latha"/>
+        <a:font script="Syrc" typeface="Estrangelo Edessa"/>
+        <a:font script="Orya" typeface="Kalinga"/>
+        <a:font script="Mlym" typeface="Kartika"/>
+        <a:font script="Laoo" typeface="DokChampa"/>
+        <a:font script="Sinh" typeface="Iskoola Pota"/>
+        <a:font script="Mong" typeface="Mongolian Baiti"/>
+        <a:font script="Viet" typeface="Times New Roman"/>
+        <a:font script="Uigh" typeface="Microsoft Uighur"/>
+        <a:font script="Geor" typeface="Sylfaen"/>
+        <a:font script="Armn" typeface="Arial"/>
+        <a:font script="Bugi" typeface="Leelawadee UI"/>
+        <a:font script="Bopo" typeface="Microsoft JhengHei"/>
+        <a:font script="Java" typeface="Javanese Text"/>
+        <a:font script="Lisu" typeface="Segoe UI"/>
+        <a:font script="Mymr" typeface="Myanmar Text"/>
+        <a:font script="Nkoo" typeface="Ebrima"/>
+        <a:font script="Olck" typeface="Nirmala UI"/>
+        <a:font script="Osma" typeface="Ebrima"/>
+        <a:font script="Phag" typeface="Phagspa"/>
+        <a:font script="Syrn" typeface="Estrangelo Edessa"/>
+        <a:font script="Syrj" typeface="Estrangelo Edessa"/>
+        <a:font script="Syre" typeface="Estrangelo Edessa"/>
+        <a:font script="Sora" typeface="Nirmala UI"/>
+        <a:font script="Tale" typeface="Microsoft Tai Le"/>
+        <a:font script="Talu" typeface="Microsoft New Tai Lue"/>
+        <a:font script="Tfng" typeface="Ebrima"/>
+      </a:majorFont>
+      <a:minorFont>
+        <a:latin typeface="Aptos" panose="02110004020202020204"/>
+        <a:ea typeface=""/>
+        <a:cs typeface=""/>
+        <a:font script="Jpan" typeface="游ゴシック"/>
+        <a:font script="Hang" typeface="맑은 고딕"/>
+        <a:font script="Hans" typeface="等线"/>
+        <a:font script="Hant" typeface="新細明體"/>
+        <a:font script="Arab" typeface="Arial"/>
+        <a:font script="Hebr" typeface="Arial"/>
+        <a:font script="Thai" typeface="Cordia New"/>
+        <a:font script="Ethi" typeface="Nyala"/>
+        <a:font script="Beng" typeface="Vrinda"/>
+        <a:font script="Gujr" typeface="Shruti"/>
+        <a:font script="Khmr" typeface="DaunPenh"/>
+        <a:font script="Knda" typeface="Tunga"/>
+        <a:font script="Guru" typeface="Raavi"/>
+        <a:font script="Cans" typeface="Euphemia"/>
+        <a:font script="Cher" typeface="Plantagenet Cherokee"/>
+        <a:font script="Yiii" typeface="Microsoft Yi Baiti"/>
+        <a:font script="Tibt" typeface="Microsoft Himalaya"/>
+        <a:font script="Thaa" typeface="MV Boli"/>
+        <a:font script="Deva" typeface="Mangal"/>
+        <a:font script="Telu" typeface="Gautami"/>
+        <a:font script="Taml" typeface="Latha"/>
+        <a:font script="Syrc" typeface="Estrangelo Edessa"/>
+        <a:font script="Orya" typeface="Kalinga"/>
+        <a:font script="Mlym" typeface="Kartika"/>
+        <a:font script="Laoo" typeface="DokChampa"/>
+        <a:font script="Sinh" typeface="Iskoola Pota"/>
+        <a:font script="Mong" typeface="Mongolian Baiti"/>
+        <a:font script="Viet" typeface="Arial"/>
+        <a:font script="Uigh" typeface="Microsoft Uighur"/>
+        <a:font script="Geor" typeface="Sylfaen"/>
+        <a:font script="Armn" typeface="Arial"/>
+        <a:font script="Bugi" typeface="Leelawadee UI"/>
+        <a:font script="Bopo" typeface="Microsoft JhengHei"/>
+        <a:font script="Java" typeface="Javanese Text"/>
+        <a:font script="Lisu" typeface="Segoe UI"/>
+        <a:font script="Mymr" typeface="Myanmar Text"/>
+        <a:font script="Nkoo" typeface="Ebrima"/>
+        <a:font script="Olck" typeface="Nirmala UI"/>
+        <a:font script="Osma" typeface="Ebrima"/>
+        <a:font script="Phag" typeface="Phagspa"/>
+        <a:font script="Syrn" typeface="Estrangelo Edessa"/>
+        <a:font script="Syrj" typeface="Estrangelo Edessa"/>
+        <a:font script="Syre" typeface="Estrangelo Edessa"/>
+        <a:font script="Sora" typeface="Nirmala UI"/>
+        <a:font script="Tale" typeface="Microsoft Tai Le"/>
+        <a:font script="Talu" typeface="Microsoft New Tai Lue"/>
+        <a:font script="Tfng" typeface="Ebrima"/>
+      </a:minorFont>
+    </a:fontScheme>
+    <a:fmtScheme name="Office">
+      <a:fillStyleLst>
+        <a:solidFill>
+          <a:schemeClr val="phClr"/>
+        </a:solidFill>
+        <a:gradFill rotWithShape="1">
+          <a:gsLst>
+            <a:gs pos="0">
+              <a:schemeClr val="phClr">
+                <a:lumMod val="110000"/>
+                <a:satMod val="105000"/>
+                <a:tint val="67000"/>
+              </a:schemeClr>
+            </a:gs>
+            <a:gs pos="50000">
+              <a:schemeClr val="phClr">
+                <a:lumMod val="105000"/>
+                <a:satMod val="103000"/>
+                <a:tint val="73000"/>
+              </a:schemeClr>
+            </a:gs>
+            <a:gs pos="100000">
+              <a:schemeClr val="phClr">
+                <a:lumMod val="105000"/>
+                <a:satMod val="109000"/>
+                <a:tint val="81000"/>
+              </a:schemeClr>
+            </a:gs>
+          </a:gsLst>
+          <a:lin ang="5400000" scaled="0"/>
+        </a:gradFill>
+        <a:gradFill rotWithShape="1">
+          <a:gsLst>
+            <a:gs pos="0">
+              <a:schemeClr val="phClr">
+                <a:satMod val="103000"/>
+                <a:lumMod val="102000"/>
+                <a:tint val="94000"/>
+              </a:schemeClr>
+            </a:gs>
+            <a:gs pos="50000">
+              <a:schemeClr val="phClr">
+                <a:satMod val="110000"/>
+                <a:lumMod val="100000"/>
+                <a:shade val="100000"/>
+              </a:schemeClr>
+            </a:gs>
+            <a:gs pos="100000">
+              <a:schemeClr val="phClr">
+                <a:lumMod val="99000"/>
+                <a:satMod val="120000"/>
+                <a:shade val="78000"/>
+              </a:schemeClr>
+            </a:gs>
+          </a:gsLst>
+          <a:lin ang="5400000" scaled="0"/>
+        </a:gradFill>
+      </a:fillStyleLst>
+      <a:lnStyleLst>
+        <a:ln w="12700" cap="flat" cmpd="sng" algn="ctr">
+          <a:solidFill>
+            <a:schemeClr val="phClr"/>
+          </a:solidFill>
+          <a:prstDash val="solid"/>
+          <a:miter lim="800000"/>
+        </a:ln>
+        <a:ln w="19050" cap="flat" cmpd="sng" algn="ctr">
+          <a:solidFill>
+            <a:schemeClr val="phClr"/>
+          </a:solidFill>
+          <a:prstDash val="solid"/>
+          <a:miter lim="800000"/>
+        </a:ln>
+        <a:ln w="25400" cap="flat" cmpd="sng" algn="ctr">
+          <a:solidFill>
+            <a:schemeClr val="phClr"/>
+          </a:solidFill>
+          <a:prstDash val="solid"/>
+          <a:miter lim="800000"/>
+        </a:ln>
+      </a:lnStyleLst>
+      <a:effectStyleLst>
+        <a:effectStyle>
+          <a:effectLst/>
+        </a:effectStyle>
+        <a:effectStyle>
+          <a:effectLst/>
+        </a:effectStyle>
+        <a:effectStyle>
+          <a:effectLst>
+            <a:outerShdw blurRad="57150" dist="19050" dir="5400000" algn="ctr" rotWithShape="0">
+              <a:srgbClr val="000000">
+                <a:alpha val="63000"/>
+              </a:srgbClr>
+            </a:outerShdw>
+          </a:effectLst>
+        </a:effectStyle>
+      </a:effectStyleLst>
+      <a:bgFillStyleLst>
+        <a:solidFill>
+          <a:schemeClr val="phClr"/>
+        </a:solidFill>
+        <a:solidFill>
+          <a:schemeClr val="phClr">
+            <a:tint val="95000"/>
+            <a:satMod val="170000"/>
+          </a:schemeClr>
+        </a:solidFill>
+        <a:gradFill rotWithShape="1">
+          <a:gsLst>
+            <a:gs pos="0">
+              <a:schemeClr val="phClr">
+                <a:tint val="93000"/>
+                <a:satMod val="150000"/>
+                <a:shade val="98000"/>
+                <a:lumMod val="102000"/>
+              </a:schemeClr>
+            </a:gs>
+            <a:gs pos="50000">
+              <a:schemeClr val="phClr">
+                <a:tint val="98000"/>
+                <a:satMod val="130000"/>
+                <a:shade val="90000"/>
+                <a:lumMod val="103000"/>
+              </a:schemeClr>
+            </a:gs>
+            <a:gs pos="100000">
+              <a:schemeClr val="phClr">
+                <a:shade val="63000"/>
+                <a:satMod val="120000"/>
+              </a:schemeClr>
+            </a:gs>
+          </a:gsLst>
+          <a:lin ang="5400000" scaled="0"/>
+        </a:gradFill>
+      </a:bgFillStyleLst>
+    </a:fmtScheme>
+  </a:themeElements>
+  <a:objectDefaults>
+    <a:lnDef>
+      <a:spPr/>
+      <a:bodyPr/>
+      <a:lstStyle/>
+      <a:style>
+        <a:lnRef idx="2">
+          <a:schemeClr val="accent1"/>
+        </a:lnRef>
+        <a:fillRef idx="0">
+          <a:schemeClr val="accent1"/>
+        </a:fillRef>
+        <a:effectRef idx="1">
+          <a:schemeClr val="accent1"/>
+        </a:effectRef>
+        <a:fontRef idx="minor">
+          <a:schemeClr val="tx1"/>
+        </a:fontRef>
+      </a:style>
+    </a:lnDef>
+  </a:objectDefaults>
+  <a:extraClrSchemeLst/>
+  <a:extLst>
+    <a:ext uri="{05A4C25C-085E-4340-85A3-A5531E510DB2}">
+      <thm15:themeFamily xmlns:thm15="http://schemas.microsoft.com/office/thememl/2012/main" name="Office Theme" id="{2E142A2C-CD16-42D6-873A-C26D2A0506FA}" vid="{1BDDFF52-6CD6-40A5-AB3C-68EB2F1E4D0A}"/>
+    </a:ext>
+  </a:extLst>
+</a:theme>
 </file>